--- a/Presentation.pptx
+++ b/Presentation.pptx
@@ -5,30 +5,28 @@
     <p:sldMasterId id="2147483648" r:id="rId1"/>
   </p:sldMasterIdLst>
   <p:notesMasterIdLst>
-    <p:notesMasterId r:id="rId23"/>
+    <p:notesMasterId r:id="rId21"/>
   </p:notesMasterIdLst>
   <p:sldIdLst>
     <p:sldId id="257" r:id="rId2"/>
-    <p:sldId id="259" r:id="rId3"/>
-    <p:sldId id="260" r:id="rId4"/>
-    <p:sldId id="283" r:id="rId5"/>
-    <p:sldId id="282" r:id="rId6"/>
+    <p:sldId id="260" r:id="rId3"/>
+    <p:sldId id="283" r:id="rId4"/>
+    <p:sldId id="282" r:id="rId5"/>
+    <p:sldId id="294" r:id="rId6"/>
     <p:sldId id="284" r:id="rId7"/>
     <p:sldId id="291" r:id="rId8"/>
     <p:sldId id="262" r:id="rId9"/>
     <p:sldId id="288" r:id="rId10"/>
     <p:sldId id="287" r:id="rId11"/>
-    <p:sldId id="289" r:id="rId12"/>
-    <p:sldId id="292" r:id="rId13"/>
-    <p:sldId id="286" r:id="rId14"/>
-    <p:sldId id="290" r:id="rId15"/>
-    <p:sldId id="293" r:id="rId16"/>
-    <p:sldId id="263" r:id="rId17"/>
-    <p:sldId id="264" r:id="rId18"/>
-    <p:sldId id="266" r:id="rId19"/>
-    <p:sldId id="267" r:id="rId20"/>
-    <p:sldId id="269" r:id="rId21"/>
-    <p:sldId id="281" r:id="rId22"/>
+    <p:sldId id="295" r:id="rId12"/>
+    <p:sldId id="289" r:id="rId13"/>
+    <p:sldId id="292" r:id="rId14"/>
+    <p:sldId id="286" r:id="rId15"/>
+    <p:sldId id="290" r:id="rId16"/>
+    <p:sldId id="293" r:id="rId17"/>
+    <p:sldId id="269" r:id="rId18"/>
+    <p:sldId id="296" r:id="rId19"/>
+    <p:sldId id="281" r:id="rId20"/>
   </p:sldIdLst>
   <p:sldSz cx="12192000" cy="6858000"/>
   <p:notesSz cx="6858000" cy="9144000"/>
@@ -127,6 +125,11 @@
       </a:defRPr>
     </a:lvl9pPr>
   </p:defaultTextStyle>
+  <p:extLst>
+    <p:ext uri="{EFAFB233-063F-42B5-8137-9DF3F51BA10A}">
+      <p15:sldGuideLst xmlns:p15="http://schemas.microsoft.com/office/powerpoint/2012/main"/>
+    </p:ext>
+  </p:extLst>
 </p:presentation>
 </file>
 
@@ -212,7 +215,7 @@
           <a:p>
             <a:fld id="{828729C6-F107-4AEF-8C89-E9B6A5F88C3E}" type="datetimeFigureOut">
               <a:rPr lang="en-US" smtClean="0"/>
-              <a:t>5/9/2024</a:t>
+              <a:t>5/10/2024</a:t>
             </a:fld>
             <a:endParaRPr lang="en-US"/>
           </a:p>
@@ -791,7 +794,7 @@
     </p:spTree>
     <p:extLst>
       <p:ext uri="{BB962C8B-B14F-4D97-AF65-F5344CB8AC3E}">
-        <p14:creationId xmlns:p14="http://schemas.microsoft.com/office/powerpoint/2010/main" val="4147156990"/>
+        <p14:creationId xmlns:p14="http://schemas.microsoft.com/office/powerpoint/2010/main" val="207023807"/>
       </p:ext>
     </p:extLst>
   </p:cSld>
@@ -900,6 +903,115 @@
     </p:spTree>
     <p:extLst>
       <p:ext uri="{BB962C8B-B14F-4D97-AF65-F5344CB8AC3E}">
+        <p14:creationId xmlns:p14="http://schemas.microsoft.com/office/powerpoint/2010/main" val="4147156990"/>
+      </p:ext>
+    </p:extLst>
+  </p:cSld>
+  <p:clrMapOvr>
+    <a:masterClrMapping/>
+  </p:clrMapOvr>
+</p:notes>
+</file>
+
+<file path=ppt/notesSlides/notesSlide13.xml><?xml version="1.0" encoding="utf-8"?>
+<p:notes xmlns:a="http://schemas.openxmlformats.org/drawingml/2006/main" xmlns:r="http://schemas.openxmlformats.org/officeDocument/2006/relationships" xmlns:p="http://schemas.openxmlformats.org/presentationml/2006/main" showMasterSp="0" showMasterPhAnim="0">
+  <p:cSld>
+    <p:spTree>
+      <p:nvGrpSpPr>
+        <p:cNvPr id="1" name="Shape 579"/>
+        <p:cNvGrpSpPr/>
+        <p:nvPr/>
+      </p:nvGrpSpPr>
+      <p:grpSpPr>
+        <a:xfrm>
+          <a:off x="0" y="0"/>
+          <a:ext cx="0" cy="0"/>
+          <a:chOff x="0" y="0"/>
+          <a:chExt cx="0" cy="0"/>
+        </a:xfrm>
+      </p:grpSpPr>
+      <p:sp>
+        <p:nvSpPr>
+          <p:cNvPr id="580" name="Google Shape;580;ge071474c0f_0_253:notes"/>
+          <p:cNvSpPr>
+            <a:spLocks noGrp="1" noRot="1" noChangeAspect="1"/>
+          </p:cNvSpPr>
+          <p:nvPr>
+            <p:ph type="sldImg" idx="2"/>
+          </p:nvPr>
+        </p:nvSpPr>
+        <p:spPr>
+          <a:xfrm>
+            <a:off x="381000" y="685800"/>
+            <a:ext cx="6096000" cy="3429000"/>
+          </a:xfrm>
+          <a:custGeom>
+            <a:avLst/>
+            <a:gdLst/>
+            <a:ahLst/>
+            <a:cxnLst/>
+            <a:rect l="l" t="t" r="r" b="b"/>
+            <a:pathLst>
+              <a:path w="120000" h="120000" extrusionOk="0">
+                <a:moveTo>
+                  <a:pt x="0" y="0"/>
+                </a:moveTo>
+                <a:lnTo>
+                  <a:pt x="120000" y="0"/>
+                </a:lnTo>
+                <a:lnTo>
+                  <a:pt x="120000" y="120000"/>
+                </a:lnTo>
+                <a:lnTo>
+                  <a:pt x="0" y="120000"/>
+                </a:lnTo>
+                <a:close/>
+              </a:path>
+            </a:pathLst>
+          </a:custGeom>
+        </p:spPr>
+      </p:sp>
+      <p:sp>
+        <p:nvSpPr>
+          <p:cNvPr id="581" name="Google Shape;581;ge071474c0f_0_253:notes"/>
+          <p:cNvSpPr txBox="1">
+            <a:spLocks noGrp="1"/>
+          </p:cNvSpPr>
+          <p:nvPr>
+            <p:ph type="body" idx="1"/>
+          </p:nvPr>
+        </p:nvSpPr>
+        <p:spPr>
+          <a:xfrm>
+            <a:off x="685800" y="4343400"/>
+            <a:ext cx="5486400" cy="4114800"/>
+          </a:xfrm>
+          <a:prstGeom prst="rect">
+            <a:avLst/>
+          </a:prstGeom>
+        </p:spPr>
+        <p:txBody>
+          <a:bodyPr spcFirstLastPara="1" wrap="square" lIns="91425" tIns="91425" rIns="91425" bIns="91425" anchor="t" anchorCtr="0">
+            <a:noAutofit/>
+          </a:bodyPr>
+          <a:lstStyle/>
+          <a:p>
+            <a:pPr marL="0" lvl="0" indent="0" algn="l" rtl="0">
+              <a:spcBef>
+                <a:spcPts val="0"/>
+              </a:spcBef>
+              <a:spcAft>
+                <a:spcPts val="0"/>
+              </a:spcAft>
+              <a:buNone/>
+            </a:pPr>
+            <a:endParaRPr/>
+          </a:p>
+        </p:txBody>
+      </p:sp>
+    </p:spTree>
+    <p:extLst>
+      <p:ext uri="{BB962C8B-B14F-4D97-AF65-F5344CB8AC3E}">
         <p14:creationId xmlns:p14="http://schemas.microsoft.com/office/powerpoint/2010/main" val="3178778989"/>
       </p:ext>
     </p:extLst>
@@ -910,7 +1022,7 @@
 </p:notes>
 </file>
 
-<file path=ppt/notesSlides/notesSlide13.xml><?xml version="1.0" encoding="utf-8"?>
+<file path=ppt/notesSlides/notesSlide14.xml><?xml version="1.0" encoding="utf-8"?>
 <p:notes xmlns:a="http://schemas.openxmlformats.org/drawingml/2006/main" xmlns:r="http://schemas.openxmlformats.org/officeDocument/2006/relationships" xmlns:p="http://schemas.openxmlformats.org/presentationml/2006/main" showMasterSp="0" showMasterPhAnim="0">
   <p:cSld>
     <p:spTree>
@@ -1010,171 +1122,6 @@
     <p:extLst>
       <p:ext uri="{BB962C8B-B14F-4D97-AF65-F5344CB8AC3E}">
         <p14:creationId xmlns:p14="http://schemas.microsoft.com/office/powerpoint/2010/main" val="1219219591"/>
-      </p:ext>
-    </p:extLst>
-  </p:cSld>
-  <p:clrMapOvr>
-    <a:masterClrMapping/>
-  </p:clrMapOvr>
-</p:notes>
-</file>
-
-<file path=ppt/notesSlides/notesSlide14.xml><?xml version="1.0" encoding="utf-8"?>
-<p:notes xmlns:a="http://schemas.openxmlformats.org/drawingml/2006/main" xmlns:r="http://schemas.openxmlformats.org/officeDocument/2006/relationships" xmlns:p="http://schemas.openxmlformats.org/presentationml/2006/main" showMasterSp="0" showMasterPhAnim="0">
-  <p:cSld>
-    <p:spTree>
-      <p:nvGrpSpPr>
-        <p:cNvPr id="1" name="Shape 474"/>
-        <p:cNvGrpSpPr/>
-        <p:nvPr/>
-      </p:nvGrpSpPr>
-      <p:grpSpPr>
-        <a:xfrm>
-          <a:off x="0" y="0"/>
-          <a:ext cx="0" cy="0"/>
-          <a:chOff x="0" y="0"/>
-          <a:chExt cx="0" cy="0"/>
-        </a:xfrm>
-      </p:grpSpPr>
-      <p:sp>
-        <p:nvSpPr>
-          <p:cNvPr id="475" name="Google Shape;475;ge071474c0f_0_176:notes"/>
-          <p:cNvSpPr>
-            <a:spLocks noGrp="1" noRot="1" noChangeAspect="1"/>
-          </p:cNvSpPr>
-          <p:nvPr>
-            <p:ph type="sldImg" idx="2"/>
-          </p:nvPr>
-        </p:nvSpPr>
-        <p:spPr>
-          <a:xfrm>
-            <a:off x="381000" y="685800"/>
-            <a:ext cx="6096000" cy="3429000"/>
-          </a:xfrm>
-          <a:custGeom>
-            <a:avLst/>
-            <a:gdLst/>
-            <a:ahLst/>
-            <a:cxnLst/>
-            <a:rect l="l" t="t" r="r" b="b"/>
-            <a:pathLst>
-              <a:path w="120000" h="120000" extrusionOk="0">
-                <a:moveTo>
-                  <a:pt x="0" y="0"/>
-                </a:moveTo>
-                <a:lnTo>
-                  <a:pt x="120000" y="0"/>
-                </a:lnTo>
-                <a:lnTo>
-                  <a:pt x="120000" y="120000"/>
-                </a:lnTo>
-                <a:lnTo>
-                  <a:pt x="0" y="120000"/>
-                </a:lnTo>
-                <a:close/>
-              </a:path>
-            </a:pathLst>
-          </a:custGeom>
-        </p:spPr>
-      </p:sp>
-      <p:sp>
-        <p:nvSpPr>
-          <p:cNvPr id="476" name="Google Shape;476;ge071474c0f_0_176:notes"/>
-          <p:cNvSpPr txBox="1">
-            <a:spLocks noGrp="1"/>
-          </p:cNvSpPr>
-          <p:nvPr>
-            <p:ph type="body" idx="1"/>
-          </p:nvPr>
-        </p:nvSpPr>
-        <p:spPr>
-          <a:xfrm>
-            <a:off x="685800" y="4343400"/>
-            <a:ext cx="5486400" cy="4114800"/>
-          </a:xfrm>
-          <a:prstGeom prst="rect">
-            <a:avLst/>
-          </a:prstGeom>
-        </p:spPr>
-        <p:txBody>
-          <a:bodyPr spcFirstLastPara="1" wrap="square" lIns="91425" tIns="91425" rIns="91425" bIns="91425" anchor="t" anchorCtr="0">
-            <a:noAutofit/>
-          </a:bodyPr>
-          <a:lstStyle/>
-          <a:p>
-            <a:pPr marL="0" marR="0" lvl="0" indent="0" algn="l" defTabSz="914400" rtl="0" eaLnBrk="1" fontAlgn="auto" latinLnBrk="0" hangingPunct="1">
-              <a:lnSpc>
-                <a:spcPct val="100000"/>
-              </a:lnSpc>
-              <a:spcBef>
-                <a:spcPts val="0"/>
-              </a:spcBef>
-              <a:spcAft>
-                <a:spcPts val="0"/>
-              </a:spcAft>
-              <a:buClrTx/>
-              <a:buSzTx/>
-              <a:buFontTx/>
-              <a:buNone/>
-              <a:tabLst/>
-              <a:defRPr/>
-            </a:pPr>
-            <a:r>
-              <a:rPr lang="en-US" sz="1200" dirty="0">
-                <a:solidFill>
-                  <a:schemeClr val="tx1"/>
-                </a:solidFill>
-                <a:effectLst/>
-              </a:rPr>
-              <a:t>(Cases of all features used we got 0.09 </a:t>
-            </a:r>
-            <a:r>
-              <a:rPr lang="en-US" sz="1200" dirty="0">
-                <a:solidFill>
-                  <a:schemeClr val="tx1"/>
-                </a:solidFill>
-                <a:effectLst/>
-                <a:sym typeface="Segoe UI Emoji" panose="020B0502040204020203" pitchFamily="34" charset="0"/>
-              </a:rPr>
-              <a:t>🙂</a:t>
-            </a:r>
-            <a:r>
-              <a:rPr lang="en-US" sz="1200" dirty="0">
-                <a:solidFill>
-                  <a:schemeClr val="tx1"/>
-                </a:solidFill>
-                <a:effectLst/>
-              </a:rPr>
-              <a:t>)</a:t>
-            </a:r>
-            <a:endParaRPr lang="en-US" sz="1200" dirty="0">
-              <a:solidFill>
-                <a:schemeClr val="tx1"/>
-              </a:solidFill>
-              <a:effectLst/>
-              <a:latin typeface="Aptos" panose="020B0004020202020204" pitchFamily="34" charset="0"/>
-              <a:ea typeface="Aptos" panose="020B0004020202020204" pitchFamily="34" charset="0"/>
-              <a:cs typeface="Arial" panose="020B0604020202020204" pitchFamily="34" charset="0"/>
-            </a:endParaRPr>
-          </a:p>
-          <a:p>
-            <a:pPr marL="0" lvl="0" indent="0" algn="l" rtl="0">
-              <a:spcBef>
-                <a:spcPts val="0"/>
-              </a:spcBef>
-              <a:spcAft>
-                <a:spcPts val="0"/>
-              </a:spcAft>
-              <a:buNone/>
-            </a:pPr>
-            <a:endParaRPr dirty="0"/>
-          </a:p>
-        </p:txBody>
-      </p:sp>
-    </p:spTree>
-    <p:extLst>
-      <p:ext uri="{BB962C8B-B14F-4D97-AF65-F5344CB8AC3E}">
-        <p14:creationId xmlns:p14="http://schemas.microsoft.com/office/powerpoint/2010/main" val="2037101710"/>
       </p:ext>
     </p:extLst>
   </p:cSld>
@@ -1339,7 +1286,7 @@
     </p:spTree>
     <p:extLst>
       <p:ext uri="{BB962C8B-B14F-4D97-AF65-F5344CB8AC3E}">
-        <p14:creationId xmlns:p14="http://schemas.microsoft.com/office/powerpoint/2010/main" val="2290353898"/>
+        <p14:creationId xmlns:p14="http://schemas.microsoft.com/office/powerpoint/2010/main" val="2037101710"/>
       </p:ext>
     </p:extLst>
   </p:cSld>
@@ -1350,110 +1297,6 @@
 </file>
 
 <file path=ppt/notesSlides/notesSlide16.xml><?xml version="1.0" encoding="utf-8"?>
-<p:notes xmlns:a="http://schemas.openxmlformats.org/drawingml/2006/main" xmlns:r="http://schemas.openxmlformats.org/officeDocument/2006/relationships" xmlns:p="http://schemas.openxmlformats.org/presentationml/2006/main" showMasterSp="0" showMasterPhAnim="0">
-  <p:cSld>
-    <p:spTree>
-      <p:nvGrpSpPr>
-        <p:cNvPr id="1" name="Shape 403"/>
-        <p:cNvGrpSpPr/>
-        <p:nvPr/>
-      </p:nvGrpSpPr>
-      <p:grpSpPr>
-        <a:xfrm>
-          <a:off x="0" y="0"/>
-          <a:ext cx="0" cy="0"/>
-          <a:chOff x="0" y="0"/>
-          <a:chExt cx="0" cy="0"/>
-        </a:xfrm>
-      </p:grpSpPr>
-      <p:sp>
-        <p:nvSpPr>
-          <p:cNvPr id="404" name="Google Shape;404;ge071474c0f_0_143:notes"/>
-          <p:cNvSpPr>
-            <a:spLocks noGrp="1" noRot="1" noChangeAspect="1"/>
-          </p:cNvSpPr>
-          <p:nvPr>
-            <p:ph type="sldImg" idx="2"/>
-          </p:nvPr>
-        </p:nvSpPr>
-        <p:spPr>
-          <a:xfrm>
-            <a:off x="381000" y="685800"/>
-            <a:ext cx="6096000" cy="3429000"/>
-          </a:xfrm>
-          <a:custGeom>
-            <a:avLst/>
-            <a:gdLst/>
-            <a:ahLst/>
-            <a:cxnLst/>
-            <a:rect l="l" t="t" r="r" b="b"/>
-            <a:pathLst>
-              <a:path w="120000" h="120000" extrusionOk="0">
-                <a:moveTo>
-                  <a:pt x="0" y="0"/>
-                </a:moveTo>
-                <a:lnTo>
-                  <a:pt x="120000" y="0"/>
-                </a:lnTo>
-                <a:lnTo>
-                  <a:pt x="120000" y="120000"/>
-                </a:lnTo>
-                <a:lnTo>
-                  <a:pt x="0" y="120000"/>
-                </a:lnTo>
-                <a:close/>
-              </a:path>
-            </a:pathLst>
-          </a:custGeom>
-        </p:spPr>
-      </p:sp>
-      <p:sp>
-        <p:nvSpPr>
-          <p:cNvPr id="405" name="Google Shape;405;ge071474c0f_0_143:notes"/>
-          <p:cNvSpPr txBox="1">
-            <a:spLocks noGrp="1"/>
-          </p:cNvSpPr>
-          <p:nvPr>
-            <p:ph type="body" idx="1"/>
-          </p:nvPr>
-        </p:nvSpPr>
-        <p:spPr>
-          <a:xfrm>
-            <a:off x="685800" y="4343400"/>
-            <a:ext cx="5486400" cy="4114800"/>
-          </a:xfrm>
-          <a:prstGeom prst="rect">
-            <a:avLst/>
-          </a:prstGeom>
-        </p:spPr>
-        <p:txBody>
-          <a:bodyPr spcFirstLastPara="1" wrap="square" lIns="91425" tIns="91425" rIns="91425" bIns="91425" anchor="t" anchorCtr="0">
-            <a:noAutofit/>
-          </a:bodyPr>
-          <a:lstStyle/>
-          <a:p>
-            <a:pPr marL="0" lvl="0" indent="0" algn="l" rtl="0">
-              <a:spcBef>
-                <a:spcPts val="0"/>
-              </a:spcBef>
-              <a:spcAft>
-                <a:spcPts val="0"/>
-              </a:spcAft>
-              <a:buNone/>
-            </a:pPr>
-            <a:endParaRPr/>
-          </a:p>
-        </p:txBody>
-      </p:sp>
-    </p:spTree>
-  </p:cSld>
-  <p:clrMapOvr>
-    <a:masterClrMapping/>
-  </p:clrMapOvr>
-</p:notes>
-</file>
-
-<file path=ppt/notesSlides/notesSlide17.xml><?xml version="1.0" encoding="utf-8"?>
 <p:notes xmlns:a="http://schemas.openxmlformats.org/drawingml/2006/main" xmlns:r="http://schemas.openxmlformats.org/officeDocument/2006/relationships" xmlns:p="http://schemas.openxmlformats.org/presentationml/2006/main" showMasterSp="0" showMasterPhAnim="0">
   <p:cSld>
     <p:spTree>
@@ -1536,6 +1379,62 @@
           </a:bodyPr>
           <a:lstStyle/>
           <a:p>
+            <a:pPr marL="0" marR="0" lvl="0" indent="0" algn="l" defTabSz="914400" rtl="0" eaLnBrk="1" fontAlgn="auto" latinLnBrk="0" hangingPunct="1">
+              <a:lnSpc>
+                <a:spcPct val="100000"/>
+              </a:lnSpc>
+              <a:spcBef>
+                <a:spcPts val="0"/>
+              </a:spcBef>
+              <a:spcAft>
+                <a:spcPts val="0"/>
+              </a:spcAft>
+              <a:buClrTx/>
+              <a:buSzTx/>
+              <a:buFontTx/>
+              <a:buNone/>
+              <a:tabLst/>
+              <a:defRPr/>
+            </a:pPr>
+            <a:r>
+              <a:rPr lang="en-US" sz="1200" dirty="0">
+                <a:solidFill>
+                  <a:schemeClr val="tx1"/>
+                </a:solidFill>
+                <a:effectLst/>
+              </a:rPr>
+              <a:t>(Cases of all features used we got 0.09 </a:t>
+            </a:r>
+            <a:r>
+              <a:rPr lang="en-US" sz="1200" dirty="0">
+                <a:solidFill>
+                  <a:schemeClr val="tx1"/>
+                </a:solidFill>
+                <a:effectLst/>
+                <a:sym typeface="Segoe UI Emoji" panose="020B0502040204020203" pitchFamily="34" charset="0"/>
+              </a:rPr>
+              <a:t>🙂</a:t>
+            </a:r>
+            <a:r>
+              <a:rPr lang="en-US" sz="1200" dirty="0">
+                <a:solidFill>
+                  <a:schemeClr val="tx1"/>
+                </a:solidFill>
+                <a:effectLst/>
+              </a:rPr>
+              <a:t>)</a:t>
+            </a:r>
+            <a:endParaRPr lang="en-US" sz="1200" dirty="0">
+              <a:solidFill>
+                <a:schemeClr val="tx1"/>
+              </a:solidFill>
+              <a:effectLst/>
+              <a:latin typeface="Aptos" panose="020B0004020202020204" pitchFamily="34" charset="0"/>
+              <a:ea typeface="Aptos" panose="020B0004020202020204" pitchFamily="34" charset="0"/>
+              <a:cs typeface="Arial" panose="020B0604020202020204" pitchFamily="34" charset="0"/>
+            </a:endParaRPr>
+          </a:p>
+          <a:p>
             <a:pPr marL="0" lvl="0" indent="0" algn="l" rtl="0">
               <a:spcBef>
                 <a:spcPts val="0"/>
@@ -1545,11 +1444,16 @@
               </a:spcAft>
               <a:buNone/>
             </a:pPr>
-            <a:endParaRPr/>
+            <a:endParaRPr dirty="0"/>
           </a:p>
         </p:txBody>
       </p:sp>
     </p:spTree>
+    <p:extLst>
+      <p:ext uri="{BB962C8B-B14F-4D97-AF65-F5344CB8AC3E}">
+        <p14:creationId xmlns:p14="http://schemas.microsoft.com/office/powerpoint/2010/main" val="2290353898"/>
+      </p:ext>
+    </p:extLst>
   </p:cSld>
   <p:clrMapOvr>
     <a:masterClrMapping/>
@@ -1557,319 +1461,7 @@
 </p:notes>
 </file>
 
-<file path=ppt/notesSlides/notesSlide18.xml><?xml version="1.0" encoding="utf-8"?>
-<p:notes xmlns:a="http://schemas.openxmlformats.org/drawingml/2006/main" xmlns:r="http://schemas.openxmlformats.org/officeDocument/2006/relationships" xmlns:p="http://schemas.openxmlformats.org/presentationml/2006/main" showMasterSp="0" showMasterPhAnim="0">
-  <p:cSld>
-    <p:spTree>
-      <p:nvGrpSpPr>
-        <p:cNvPr id="1" name="Shape 579"/>
-        <p:cNvGrpSpPr/>
-        <p:nvPr/>
-      </p:nvGrpSpPr>
-      <p:grpSpPr>
-        <a:xfrm>
-          <a:off x="0" y="0"/>
-          <a:ext cx="0" cy="0"/>
-          <a:chOff x="0" y="0"/>
-          <a:chExt cx="0" cy="0"/>
-        </a:xfrm>
-      </p:grpSpPr>
-      <p:sp>
-        <p:nvSpPr>
-          <p:cNvPr id="580" name="Google Shape;580;ge071474c0f_0_253:notes"/>
-          <p:cNvSpPr>
-            <a:spLocks noGrp="1" noRot="1" noChangeAspect="1"/>
-          </p:cNvSpPr>
-          <p:nvPr>
-            <p:ph type="sldImg" idx="2"/>
-          </p:nvPr>
-        </p:nvSpPr>
-        <p:spPr>
-          <a:xfrm>
-            <a:off x="381000" y="685800"/>
-            <a:ext cx="6096000" cy="3429000"/>
-          </a:xfrm>
-          <a:custGeom>
-            <a:avLst/>
-            <a:gdLst/>
-            <a:ahLst/>
-            <a:cxnLst/>
-            <a:rect l="l" t="t" r="r" b="b"/>
-            <a:pathLst>
-              <a:path w="120000" h="120000" extrusionOk="0">
-                <a:moveTo>
-                  <a:pt x="0" y="0"/>
-                </a:moveTo>
-                <a:lnTo>
-                  <a:pt x="120000" y="0"/>
-                </a:lnTo>
-                <a:lnTo>
-                  <a:pt x="120000" y="120000"/>
-                </a:lnTo>
-                <a:lnTo>
-                  <a:pt x="0" y="120000"/>
-                </a:lnTo>
-                <a:close/>
-              </a:path>
-            </a:pathLst>
-          </a:custGeom>
-        </p:spPr>
-      </p:sp>
-      <p:sp>
-        <p:nvSpPr>
-          <p:cNvPr id="581" name="Google Shape;581;ge071474c0f_0_253:notes"/>
-          <p:cNvSpPr txBox="1">
-            <a:spLocks noGrp="1"/>
-          </p:cNvSpPr>
-          <p:nvPr>
-            <p:ph type="body" idx="1"/>
-          </p:nvPr>
-        </p:nvSpPr>
-        <p:spPr>
-          <a:xfrm>
-            <a:off x="685800" y="4343400"/>
-            <a:ext cx="5486400" cy="4114800"/>
-          </a:xfrm>
-          <a:prstGeom prst="rect">
-            <a:avLst/>
-          </a:prstGeom>
-        </p:spPr>
-        <p:txBody>
-          <a:bodyPr spcFirstLastPara="1" wrap="square" lIns="91425" tIns="91425" rIns="91425" bIns="91425" anchor="t" anchorCtr="0">
-            <a:noAutofit/>
-          </a:bodyPr>
-          <a:lstStyle/>
-          <a:p>
-            <a:pPr marL="0" lvl="0" indent="0" algn="l" rtl="0">
-              <a:spcBef>
-                <a:spcPts val="0"/>
-              </a:spcBef>
-              <a:spcAft>
-                <a:spcPts val="0"/>
-              </a:spcAft>
-              <a:buNone/>
-            </a:pPr>
-            <a:endParaRPr/>
-          </a:p>
-        </p:txBody>
-      </p:sp>
-    </p:spTree>
-  </p:cSld>
-  <p:clrMapOvr>
-    <a:masterClrMapping/>
-  </p:clrMapOvr>
-</p:notes>
-</file>
-
-<file path=ppt/notesSlides/notesSlide19.xml><?xml version="1.0" encoding="utf-8"?>
-<p:notes xmlns:a="http://schemas.openxmlformats.org/drawingml/2006/main" xmlns:r="http://schemas.openxmlformats.org/officeDocument/2006/relationships" xmlns:p="http://schemas.openxmlformats.org/presentationml/2006/main" showMasterSp="0" showMasterPhAnim="0">
-  <p:cSld>
-    <p:spTree>
-      <p:nvGrpSpPr>
-        <p:cNvPr id="1" name="Shape 638"/>
-        <p:cNvGrpSpPr/>
-        <p:nvPr/>
-      </p:nvGrpSpPr>
-      <p:grpSpPr>
-        <a:xfrm>
-          <a:off x="0" y="0"/>
-          <a:ext cx="0" cy="0"/>
-          <a:chOff x="0" y="0"/>
-          <a:chExt cx="0" cy="0"/>
-        </a:xfrm>
-      </p:grpSpPr>
-      <p:sp>
-        <p:nvSpPr>
-          <p:cNvPr id="639" name="Google Shape;639;ge071474c0f_0_292:notes"/>
-          <p:cNvSpPr>
-            <a:spLocks noGrp="1" noRot="1" noChangeAspect="1"/>
-          </p:cNvSpPr>
-          <p:nvPr>
-            <p:ph type="sldImg" idx="2"/>
-          </p:nvPr>
-        </p:nvSpPr>
-        <p:spPr>
-          <a:xfrm>
-            <a:off x="381000" y="685800"/>
-            <a:ext cx="6096000" cy="3429000"/>
-          </a:xfrm>
-          <a:custGeom>
-            <a:avLst/>
-            <a:gdLst/>
-            <a:ahLst/>
-            <a:cxnLst/>
-            <a:rect l="l" t="t" r="r" b="b"/>
-            <a:pathLst>
-              <a:path w="120000" h="120000" extrusionOk="0">
-                <a:moveTo>
-                  <a:pt x="0" y="0"/>
-                </a:moveTo>
-                <a:lnTo>
-                  <a:pt x="120000" y="0"/>
-                </a:lnTo>
-                <a:lnTo>
-                  <a:pt x="120000" y="120000"/>
-                </a:lnTo>
-                <a:lnTo>
-                  <a:pt x="0" y="120000"/>
-                </a:lnTo>
-                <a:close/>
-              </a:path>
-            </a:pathLst>
-          </a:custGeom>
-        </p:spPr>
-      </p:sp>
-      <p:sp>
-        <p:nvSpPr>
-          <p:cNvPr id="640" name="Google Shape;640;ge071474c0f_0_292:notes"/>
-          <p:cNvSpPr txBox="1">
-            <a:spLocks noGrp="1"/>
-          </p:cNvSpPr>
-          <p:nvPr>
-            <p:ph type="body" idx="1"/>
-          </p:nvPr>
-        </p:nvSpPr>
-        <p:spPr>
-          <a:xfrm>
-            <a:off x="685800" y="4343400"/>
-            <a:ext cx="5486400" cy="4114800"/>
-          </a:xfrm>
-          <a:prstGeom prst="rect">
-            <a:avLst/>
-          </a:prstGeom>
-        </p:spPr>
-        <p:txBody>
-          <a:bodyPr spcFirstLastPara="1" wrap="square" lIns="91425" tIns="91425" rIns="91425" bIns="91425" anchor="t" anchorCtr="0">
-            <a:noAutofit/>
-          </a:bodyPr>
-          <a:lstStyle/>
-          <a:p>
-            <a:pPr marL="0" lvl="0" indent="0" algn="l" rtl="0">
-              <a:spcBef>
-                <a:spcPts val="0"/>
-              </a:spcBef>
-              <a:spcAft>
-                <a:spcPts val="0"/>
-              </a:spcAft>
-              <a:buNone/>
-            </a:pPr>
-            <a:endParaRPr/>
-          </a:p>
-        </p:txBody>
-      </p:sp>
-    </p:spTree>
-  </p:cSld>
-  <p:clrMapOvr>
-    <a:masterClrMapping/>
-  </p:clrMapOvr>
-</p:notes>
-</file>
-
-<file path=ppt/notesSlides/notesSlide2.xml><?xml version="1.0" encoding="utf-8"?>
-<p:notes xmlns:a="http://schemas.openxmlformats.org/drawingml/2006/main" xmlns:r="http://schemas.openxmlformats.org/officeDocument/2006/relationships" xmlns:p="http://schemas.openxmlformats.org/presentationml/2006/main" showMasterSp="0" showMasterPhAnim="0">
-  <p:cSld>
-    <p:spTree>
-      <p:nvGrpSpPr>
-        <p:cNvPr id="1" name="Shape 196"/>
-        <p:cNvGrpSpPr/>
-        <p:nvPr/>
-      </p:nvGrpSpPr>
-      <p:grpSpPr>
-        <a:xfrm>
-          <a:off x="0" y="0"/>
-          <a:ext cx="0" cy="0"/>
-          <a:chOff x="0" y="0"/>
-          <a:chExt cx="0" cy="0"/>
-        </a:xfrm>
-      </p:grpSpPr>
-      <p:sp>
-        <p:nvSpPr>
-          <p:cNvPr id="197" name="Google Shape;197;ge071474c0f_0_0:notes"/>
-          <p:cNvSpPr>
-            <a:spLocks noGrp="1" noRot="1" noChangeAspect="1"/>
-          </p:cNvSpPr>
-          <p:nvPr>
-            <p:ph type="sldImg" idx="2"/>
-          </p:nvPr>
-        </p:nvSpPr>
-        <p:spPr>
-          <a:xfrm>
-            <a:off x="381000" y="685800"/>
-            <a:ext cx="6096000" cy="3429000"/>
-          </a:xfrm>
-          <a:custGeom>
-            <a:avLst/>
-            <a:gdLst/>
-            <a:ahLst/>
-            <a:cxnLst/>
-            <a:rect l="l" t="t" r="r" b="b"/>
-            <a:pathLst>
-              <a:path w="120000" h="120000" extrusionOk="0">
-                <a:moveTo>
-                  <a:pt x="0" y="0"/>
-                </a:moveTo>
-                <a:lnTo>
-                  <a:pt x="120000" y="0"/>
-                </a:lnTo>
-                <a:lnTo>
-                  <a:pt x="120000" y="120000"/>
-                </a:lnTo>
-                <a:lnTo>
-                  <a:pt x="0" y="120000"/>
-                </a:lnTo>
-                <a:close/>
-              </a:path>
-            </a:pathLst>
-          </a:custGeom>
-        </p:spPr>
-      </p:sp>
-      <p:sp>
-        <p:nvSpPr>
-          <p:cNvPr id="198" name="Google Shape;198;ge071474c0f_0_0:notes"/>
-          <p:cNvSpPr txBox="1">
-            <a:spLocks noGrp="1"/>
-          </p:cNvSpPr>
-          <p:nvPr>
-            <p:ph type="body" idx="1"/>
-          </p:nvPr>
-        </p:nvSpPr>
-        <p:spPr>
-          <a:xfrm>
-            <a:off x="685800" y="4343400"/>
-            <a:ext cx="5486400" cy="4114800"/>
-          </a:xfrm>
-          <a:prstGeom prst="rect">
-            <a:avLst/>
-          </a:prstGeom>
-        </p:spPr>
-        <p:txBody>
-          <a:bodyPr spcFirstLastPara="1" wrap="square" lIns="91425" tIns="91425" rIns="91425" bIns="91425" anchor="t" anchorCtr="0">
-            <a:noAutofit/>
-          </a:bodyPr>
-          <a:lstStyle/>
-          <a:p>
-            <a:pPr marL="0" lvl="0" indent="0" algn="l" rtl="0">
-              <a:spcBef>
-                <a:spcPts val="0"/>
-              </a:spcBef>
-              <a:spcAft>
-                <a:spcPts val="0"/>
-              </a:spcAft>
-              <a:buNone/>
-            </a:pPr>
-            <a:endParaRPr/>
-          </a:p>
-        </p:txBody>
-      </p:sp>
-    </p:spTree>
-  </p:cSld>
-  <p:clrMapOvr>
-    <a:masterClrMapping/>
-  </p:clrMapOvr>
-</p:notes>
-</file>
-
-<file path=ppt/notesSlides/notesSlide20.xml><?xml version="1.0" encoding="utf-8"?>
+<file path=ppt/notesSlides/notesSlide17.xml><?xml version="1.0" encoding="utf-8"?>
 <p:notes xmlns:a="http://schemas.openxmlformats.org/drawingml/2006/main" xmlns:r="http://schemas.openxmlformats.org/officeDocument/2006/relationships" xmlns:p="http://schemas.openxmlformats.org/presentationml/2006/main" showMasterSp="0" showMasterPhAnim="0">
   <p:cSld>
     <p:spTree>
@@ -1973,7 +1565,116 @@
 </p:notes>
 </file>
 
-<file path=ppt/notesSlides/notesSlide21.xml><?xml version="1.0" encoding="utf-8"?>
+<file path=ppt/notesSlides/notesSlide18.xml><?xml version="1.0" encoding="utf-8"?>
+<p:notes xmlns:a="http://schemas.openxmlformats.org/drawingml/2006/main" xmlns:r="http://schemas.openxmlformats.org/officeDocument/2006/relationships" xmlns:p="http://schemas.openxmlformats.org/presentationml/2006/main" showMasterSp="0" showMasterPhAnim="0">
+  <p:cSld>
+    <p:spTree>
+      <p:nvGrpSpPr>
+        <p:cNvPr id="1" name="Shape 775"/>
+        <p:cNvGrpSpPr/>
+        <p:nvPr/>
+      </p:nvGrpSpPr>
+      <p:grpSpPr>
+        <a:xfrm>
+          <a:off x="0" y="0"/>
+          <a:ext cx="0" cy="0"/>
+          <a:chOff x="0" y="0"/>
+          <a:chExt cx="0" cy="0"/>
+        </a:xfrm>
+      </p:grpSpPr>
+      <p:sp>
+        <p:nvSpPr>
+          <p:cNvPr id="776" name="Google Shape;776;gde012bf7f6_0_0:notes"/>
+          <p:cNvSpPr>
+            <a:spLocks noGrp="1" noRot="1" noChangeAspect="1"/>
+          </p:cNvSpPr>
+          <p:nvPr>
+            <p:ph type="sldImg" idx="2"/>
+          </p:nvPr>
+        </p:nvSpPr>
+        <p:spPr>
+          <a:xfrm>
+            <a:off x="381000" y="685800"/>
+            <a:ext cx="6096000" cy="3429000"/>
+          </a:xfrm>
+          <a:custGeom>
+            <a:avLst/>
+            <a:gdLst/>
+            <a:ahLst/>
+            <a:cxnLst/>
+            <a:rect l="l" t="t" r="r" b="b"/>
+            <a:pathLst>
+              <a:path w="120000" h="120000" extrusionOk="0">
+                <a:moveTo>
+                  <a:pt x="0" y="0"/>
+                </a:moveTo>
+                <a:lnTo>
+                  <a:pt x="120000" y="0"/>
+                </a:lnTo>
+                <a:lnTo>
+                  <a:pt x="120000" y="120000"/>
+                </a:lnTo>
+                <a:lnTo>
+                  <a:pt x="0" y="120000"/>
+                </a:lnTo>
+                <a:close/>
+              </a:path>
+            </a:pathLst>
+          </a:custGeom>
+        </p:spPr>
+      </p:sp>
+      <p:sp>
+        <p:nvSpPr>
+          <p:cNvPr id="777" name="Google Shape;777;gde012bf7f6_0_0:notes"/>
+          <p:cNvSpPr txBox="1">
+            <a:spLocks noGrp="1"/>
+          </p:cNvSpPr>
+          <p:nvPr>
+            <p:ph type="body" idx="1"/>
+          </p:nvPr>
+        </p:nvSpPr>
+        <p:spPr>
+          <a:xfrm>
+            <a:off x="685800" y="4343400"/>
+            <a:ext cx="5486400" cy="4114800"/>
+          </a:xfrm>
+          <a:prstGeom prst="rect">
+            <a:avLst/>
+          </a:prstGeom>
+        </p:spPr>
+        <p:txBody>
+          <a:bodyPr spcFirstLastPara="1" wrap="square" lIns="91425" tIns="91425" rIns="91425" bIns="91425" anchor="t" anchorCtr="0">
+            <a:noAutofit/>
+          </a:bodyPr>
+          <a:lstStyle/>
+          <a:p>
+            <a:pPr marL="0" lvl="0" indent="0" algn="l" rtl="0">
+              <a:spcBef>
+                <a:spcPts val="0"/>
+              </a:spcBef>
+              <a:spcAft>
+                <a:spcPts val="0"/>
+              </a:spcAft>
+              <a:buNone/>
+            </a:pPr>
+            <a:endParaRPr/>
+          </a:p>
+        </p:txBody>
+      </p:sp>
+    </p:spTree>
+    <p:extLst>
+      <p:ext uri="{BB962C8B-B14F-4D97-AF65-F5344CB8AC3E}">
+        <p14:creationId xmlns:p14="http://schemas.microsoft.com/office/powerpoint/2010/main" val="3414709212"/>
+      </p:ext>
+    </p:extLst>
+  </p:cSld>
+  <p:clrMapOvr>
+    <a:masterClrMapping/>
+  </p:clrMapOvr>
+</p:notes>
+</file>
+
+<file path=ppt/notesSlides/notesSlide19.xml><?xml version="1.0" encoding="utf-8"?>
 <p:notes xmlns:a="http://schemas.openxmlformats.org/drawingml/2006/main" xmlns:r="http://schemas.openxmlformats.org/officeDocument/2006/relationships" xmlns:p="http://schemas.openxmlformats.org/presentationml/2006/main" showMasterSp="0" showMasterPhAnim="0">
   <p:cSld>
     <p:spTree>
@@ -2034,6 +1735,110 @@
       <p:sp>
         <p:nvSpPr>
           <p:cNvPr id="1418" name="Google Shape;1418;gde012bf7f6_0_673:notes"/>
+          <p:cNvSpPr txBox="1">
+            <a:spLocks noGrp="1"/>
+          </p:cNvSpPr>
+          <p:nvPr>
+            <p:ph type="body" idx="1"/>
+          </p:nvPr>
+        </p:nvSpPr>
+        <p:spPr>
+          <a:xfrm>
+            <a:off x="685800" y="4343400"/>
+            <a:ext cx="5486400" cy="4114800"/>
+          </a:xfrm>
+          <a:prstGeom prst="rect">
+            <a:avLst/>
+          </a:prstGeom>
+        </p:spPr>
+        <p:txBody>
+          <a:bodyPr spcFirstLastPara="1" wrap="square" lIns="91425" tIns="91425" rIns="91425" bIns="91425" anchor="t" anchorCtr="0">
+            <a:noAutofit/>
+          </a:bodyPr>
+          <a:lstStyle/>
+          <a:p>
+            <a:pPr marL="0" lvl="0" indent="0" algn="l" rtl="0">
+              <a:spcBef>
+                <a:spcPts val="0"/>
+              </a:spcBef>
+              <a:spcAft>
+                <a:spcPts val="0"/>
+              </a:spcAft>
+              <a:buNone/>
+            </a:pPr>
+            <a:endParaRPr/>
+          </a:p>
+        </p:txBody>
+      </p:sp>
+    </p:spTree>
+  </p:cSld>
+  <p:clrMapOvr>
+    <a:masterClrMapping/>
+  </p:clrMapOvr>
+</p:notes>
+</file>
+
+<file path=ppt/notesSlides/notesSlide2.xml><?xml version="1.0" encoding="utf-8"?>
+<p:notes xmlns:a="http://schemas.openxmlformats.org/drawingml/2006/main" xmlns:r="http://schemas.openxmlformats.org/officeDocument/2006/relationships" xmlns:p="http://schemas.openxmlformats.org/presentationml/2006/main" showMasterSp="0" showMasterPhAnim="0">
+  <p:cSld>
+    <p:spTree>
+      <p:nvGrpSpPr>
+        <p:cNvPr id="1" name="Shape 237"/>
+        <p:cNvGrpSpPr/>
+        <p:nvPr/>
+      </p:nvGrpSpPr>
+      <p:grpSpPr>
+        <a:xfrm>
+          <a:off x="0" y="0"/>
+          <a:ext cx="0" cy="0"/>
+          <a:chOff x="0" y="0"/>
+          <a:chExt cx="0" cy="0"/>
+        </a:xfrm>
+      </p:grpSpPr>
+      <p:sp>
+        <p:nvSpPr>
+          <p:cNvPr id="238" name="Google Shape;238;ge071474c0f_0_35:notes"/>
+          <p:cNvSpPr>
+            <a:spLocks noGrp="1" noRot="1" noChangeAspect="1"/>
+          </p:cNvSpPr>
+          <p:nvPr>
+            <p:ph type="sldImg" idx="2"/>
+          </p:nvPr>
+        </p:nvSpPr>
+        <p:spPr>
+          <a:xfrm>
+            <a:off x="381000" y="685800"/>
+            <a:ext cx="6096000" cy="3429000"/>
+          </a:xfrm>
+          <a:custGeom>
+            <a:avLst/>
+            <a:gdLst/>
+            <a:ahLst/>
+            <a:cxnLst/>
+            <a:rect l="l" t="t" r="r" b="b"/>
+            <a:pathLst>
+              <a:path w="120000" h="120000" extrusionOk="0">
+                <a:moveTo>
+                  <a:pt x="0" y="0"/>
+                </a:moveTo>
+                <a:lnTo>
+                  <a:pt x="120000" y="0"/>
+                </a:lnTo>
+                <a:lnTo>
+                  <a:pt x="120000" y="120000"/>
+                </a:lnTo>
+                <a:lnTo>
+                  <a:pt x="0" y="120000"/>
+                </a:lnTo>
+                <a:close/>
+              </a:path>
+            </a:pathLst>
+          </a:custGeom>
+        </p:spPr>
+      </p:sp>
+      <p:sp>
+        <p:nvSpPr>
+          <p:cNvPr id="239" name="Google Shape;239;ge071474c0f_0_35:notes"/>
           <p:cNvSpPr txBox="1">
             <a:spLocks noGrp="1"/>
           </p:cNvSpPr>
@@ -2174,6 +1979,11 @@
         </p:txBody>
       </p:sp>
     </p:spTree>
+    <p:extLst>
+      <p:ext uri="{BB962C8B-B14F-4D97-AF65-F5344CB8AC3E}">
+        <p14:creationId xmlns:p14="http://schemas.microsoft.com/office/powerpoint/2010/main" val="2621244007"/>
+      </p:ext>
+    </p:extLst>
   </p:cSld>
   <p:clrMapOvr>
     <a:masterClrMapping/>
@@ -2280,7 +2090,7 @@
     </p:spTree>
     <p:extLst>
       <p:ext uri="{BB962C8B-B14F-4D97-AF65-F5344CB8AC3E}">
-        <p14:creationId xmlns:p14="http://schemas.microsoft.com/office/powerpoint/2010/main" val="2621244007"/>
+        <p14:creationId xmlns:p14="http://schemas.microsoft.com/office/powerpoint/2010/main" val="1662213197"/>
       </p:ext>
     </p:extLst>
   </p:cSld>
@@ -2389,7 +2199,7 @@
     </p:spTree>
     <p:extLst>
       <p:ext uri="{BB962C8B-B14F-4D97-AF65-F5344CB8AC3E}">
-        <p14:creationId xmlns:p14="http://schemas.microsoft.com/office/powerpoint/2010/main" val="1662213197"/>
+        <p14:creationId xmlns:p14="http://schemas.microsoft.com/office/powerpoint/2010/main" val="2849369899"/>
       </p:ext>
     </p:extLst>
   </p:cSld>
@@ -2977,7 +2787,7 @@
           <a:p>
             <a:fld id="{888C5947-78CA-4B3A-AAB9-48BF5025CB20}" type="datetimeFigureOut">
               <a:rPr lang="en-US" smtClean="0"/>
-              <a:t>5/9/2024</a:t>
+              <a:t>5/10/2024</a:t>
             </a:fld>
             <a:endParaRPr lang="en-US"/>
           </a:p>
@@ -3175,7 +2985,7 @@
           <a:p>
             <a:fld id="{888C5947-78CA-4B3A-AAB9-48BF5025CB20}" type="datetimeFigureOut">
               <a:rPr lang="en-US" smtClean="0"/>
-              <a:t>5/9/2024</a:t>
+              <a:t>5/10/2024</a:t>
             </a:fld>
             <a:endParaRPr lang="en-US"/>
           </a:p>
@@ -3383,7 +3193,7 @@
           <a:p>
             <a:fld id="{888C5947-78CA-4B3A-AAB9-48BF5025CB20}" type="datetimeFigureOut">
               <a:rPr lang="en-US" smtClean="0"/>
-              <a:t>5/9/2024</a:t>
+              <a:t>5/10/2024</a:t>
             </a:fld>
             <a:endParaRPr lang="en-US"/>
           </a:p>
@@ -12521,7 +12331,7 @@
           <a:p>
             <a:fld id="{888C5947-78CA-4B3A-AAB9-48BF5025CB20}" type="datetimeFigureOut">
               <a:rPr lang="en-US" smtClean="0"/>
-              <a:t>5/9/2024</a:t>
+              <a:t>5/10/2024</a:t>
             </a:fld>
             <a:endParaRPr lang="en-US"/>
           </a:p>
@@ -12796,7 +12606,7 @@
           <a:p>
             <a:fld id="{888C5947-78CA-4B3A-AAB9-48BF5025CB20}" type="datetimeFigureOut">
               <a:rPr lang="en-US" smtClean="0"/>
-              <a:t>5/9/2024</a:t>
+              <a:t>5/10/2024</a:t>
             </a:fld>
             <a:endParaRPr lang="en-US"/>
           </a:p>
@@ -13061,7 +12871,7 @@
           <a:p>
             <a:fld id="{888C5947-78CA-4B3A-AAB9-48BF5025CB20}" type="datetimeFigureOut">
               <a:rPr lang="en-US" smtClean="0"/>
-              <a:t>5/9/2024</a:t>
+              <a:t>5/10/2024</a:t>
             </a:fld>
             <a:endParaRPr lang="en-US"/>
           </a:p>
@@ -13473,7 +13283,7 @@
           <a:p>
             <a:fld id="{888C5947-78CA-4B3A-AAB9-48BF5025CB20}" type="datetimeFigureOut">
               <a:rPr lang="en-US" smtClean="0"/>
-              <a:t>5/9/2024</a:t>
+              <a:t>5/10/2024</a:t>
             </a:fld>
             <a:endParaRPr lang="en-US"/>
           </a:p>
@@ -13614,7 +13424,7 @@
           <a:p>
             <a:fld id="{888C5947-78CA-4B3A-AAB9-48BF5025CB20}" type="datetimeFigureOut">
               <a:rPr lang="en-US" smtClean="0"/>
-              <a:t>5/9/2024</a:t>
+              <a:t>5/10/2024</a:t>
             </a:fld>
             <a:endParaRPr lang="en-US"/>
           </a:p>
@@ -13727,7 +13537,7 @@
           <a:p>
             <a:fld id="{888C5947-78CA-4B3A-AAB9-48BF5025CB20}" type="datetimeFigureOut">
               <a:rPr lang="en-US" smtClean="0"/>
-              <a:t>5/9/2024</a:t>
+              <a:t>5/10/2024</a:t>
             </a:fld>
             <a:endParaRPr lang="en-US"/>
           </a:p>
@@ -14038,7 +13848,7 @@
           <a:p>
             <a:fld id="{888C5947-78CA-4B3A-AAB9-48BF5025CB20}" type="datetimeFigureOut">
               <a:rPr lang="en-US" smtClean="0"/>
-              <a:t>5/9/2024</a:t>
+              <a:t>5/10/2024</a:t>
             </a:fld>
             <a:endParaRPr lang="en-US"/>
           </a:p>
@@ -14326,7 +14136,7 @@
           <a:p>
             <a:fld id="{888C5947-78CA-4B3A-AAB9-48BF5025CB20}" type="datetimeFigureOut">
               <a:rPr lang="en-US" smtClean="0"/>
-              <a:t>5/9/2024</a:t>
+              <a:t>5/10/2024</a:t>
             </a:fld>
             <a:endParaRPr lang="en-US"/>
           </a:p>
@@ -14567,7 +14377,7 @@
           <a:p>
             <a:fld id="{888C5947-78CA-4B3A-AAB9-48BF5025CB20}" type="datetimeFigureOut">
               <a:rPr lang="en-US" smtClean="0"/>
-              <a:t>5/9/2024</a:t>
+              <a:t>5/10/2024</a:t>
             </a:fld>
             <a:endParaRPr lang="en-US"/>
           </a:p>
@@ -15018,7 +14828,7 @@
             </a:pPr>
             <a:r>
               <a:rPr lang="en" sz="5400" dirty="0"/>
-              <a:t>Creidt Score</a:t>
+              <a:t>Credit Score</a:t>
             </a:r>
             <a:br>
               <a:rPr lang="en" sz="5400" dirty="0"/>
@@ -15993,7 +15803,7 @@
         </p:nvSpPr>
         <p:spPr>
           <a:xfrm>
-            <a:off x="1548795" y="54524"/>
+            <a:off x="1527774" y="348814"/>
             <a:ext cx="9428962" cy="921295"/>
           </a:xfrm>
           <a:prstGeom prst="rect">
@@ -16118,7 +15928,178 @@
           <a:p>
             <a:r>
               <a:rPr lang="en-US" sz="4800" dirty="0"/>
-              <a:t>2. Business Insights </a:t>
+              <a:t>5. Insights (Business) </a:t>
+            </a:r>
+          </a:p>
+        </p:txBody>
+      </p:sp>
+      <p:sp>
+        <p:nvSpPr>
+          <p:cNvPr id="4" name="TextBox 3">
+            <a:extLst>
+              <a:ext uri="{FF2B5EF4-FFF2-40B4-BE49-F238E27FC236}">
+                <a16:creationId xmlns:a16="http://schemas.microsoft.com/office/drawing/2014/main" id="{8FC15FC7-B255-1921-B52D-9E75A37E833D}"/>
+              </a:ext>
+            </a:extLst>
+          </p:cNvPr>
+          <p:cNvSpPr txBox="1"/>
+          <p:nvPr/>
+        </p:nvSpPr>
+        <p:spPr>
+          <a:xfrm>
+            <a:off x="299544" y="1270109"/>
+            <a:ext cx="11592911" cy="5168146"/>
+          </a:xfrm>
+          <a:prstGeom prst="rect">
+            <a:avLst/>
+          </a:prstGeom>
+          <a:noFill/>
+        </p:spPr>
+        <p:txBody>
+          <a:bodyPr wrap="square">
+            <a:spAutoFit/>
+          </a:bodyPr>
+          <a:lstStyle/>
+          <a:p>
+            <a:pPr marL="342900" marR="0" lvl="0" indent="-342900" rtl="0">
+              <a:lnSpc>
+                <a:spcPct val="115000"/>
+              </a:lnSpc>
+              <a:spcBef>
+                <a:spcPts val="0"/>
+              </a:spcBef>
+              <a:spcAft>
+                <a:spcPts val="0"/>
+              </a:spcAft>
+              <a:buFont typeface="Wingdings" panose="05000000000000000000" pitchFamily="2" charset="2"/>
+              <a:buChar char=""/>
+            </a:pPr>
+            <a:r>
+              <a:rPr lang="en-US" sz="2400" dirty="0">
+                <a:effectLst/>
+                <a:highlight>
+                  <a:srgbClr val="FFFF00"/>
+                </a:highlight>
+                <a:ea typeface="Aptos" panose="020B0004020202020204" pitchFamily="34" charset="0"/>
+                <a:cs typeface="Arial" panose="020B0604020202020204" pitchFamily="34" charset="0"/>
+              </a:rPr>
+              <a:t>Occupation</a:t>
+            </a:r>
+            <a:r>
+              <a:rPr lang="en-US" sz="2400" dirty="0">
+                <a:effectLst/>
+                <a:ea typeface="Aptos" panose="020B0004020202020204" pitchFamily="34" charset="0"/>
+                <a:cs typeface="Arial" panose="020B0604020202020204" pitchFamily="34" charset="0"/>
+              </a:rPr>
+              <a:t> &amp; Age aren’t and effective features for credit Score Classification [insight from EDA histogram]</a:t>
+            </a:r>
+          </a:p>
+          <a:p>
+            <a:pPr marL="342900" marR="0" lvl="0" indent="-342900">
+              <a:lnSpc>
+                <a:spcPct val="115000"/>
+              </a:lnSpc>
+              <a:spcBef>
+                <a:spcPts val="0"/>
+              </a:spcBef>
+              <a:spcAft>
+                <a:spcPts val="0"/>
+              </a:spcAft>
+              <a:buFont typeface="Wingdings" panose="05000000000000000000" pitchFamily="2" charset="2"/>
+              <a:buChar char=""/>
+            </a:pPr>
+            <a:r>
+              <a:rPr lang="en-US" sz="2400" dirty="0">
+                <a:effectLst/>
+                <a:ea typeface="Aptos" panose="020B0004020202020204" pitchFamily="34" charset="0"/>
+                <a:cs typeface="Arial" panose="020B0604020202020204" pitchFamily="34" charset="0"/>
+              </a:rPr>
+              <a:t>Num of banks accounts &amp; credit cards are correlated together [Insight from EDA &amp; Features correlation matrix]</a:t>
+            </a:r>
+          </a:p>
+          <a:p>
+            <a:pPr marL="342900" marR="0" lvl="0" indent="-342900">
+              <a:lnSpc>
+                <a:spcPct val="115000"/>
+              </a:lnSpc>
+              <a:spcBef>
+                <a:spcPts val="0"/>
+              </a:spcBef>
+              <a:spcAft>
+                <a:spcPts val="0"/>
+              </a:spcAft>
+              <a:buFont typeface="Wingdings" panose="05000000000000000000" pitchFamily="2" charset="2"/>
+              <a:buChar char=""/>
+            </a:pPr>
+            <a:r>
+              <a:rPr lang="en-US" sz="2400" dirty="0">
+                <a:effectLst/>
+                <a:ea typeface="Aptos" panose="020B0004020202020204" pitchFamily="34" charset="0"/>
+                <a:cs typeface="Arial" panose="020B0604020202020204" pitchFamily="34" charset="0"/>
+              </a:rPr>
+              <a:t>The customers of good credit score are mostly the ones with high delay from due date this might be due to the types of their payments which is thought to be high [Insight from EDA]</a:t>
+            </a:r>
+          </a:p>
+          <a:p>
+            <a:pPr marL="342900" marR="0" lvl="0" indent="-342900">
+              <a:lnSpc>
+                <a:spcPct val="115000"/>
+              </a:lnSpc>
+              <a:spcBef>
+                <a:spcPts val="0"/>
+              </a:spcBef>
+              <a:spcAft>
+                <a:spcPts val="0"/>
+              </a:spcAft>
+              <a:buFont typeface="Wingdings" panose="05000000000000000000" pitchFamily="2" charset="2"/>
+              <a:buChar char=""/>
+            </a:pPr>
+            <a:r>
+              <a:rPr lang="en-US" sz="2400" dirty="0">
+                <a:effectLst/>
+                <a:ea typeface="Aptos" panose="020B0004020202020204" pitchFamily="34" charset="0"/>
+                <a:cs typeface="Arial" panose="020B0604020202020204" pitchFamily="34" charset="0"/>
+              </a:rPr>
+              <a:t>The most important feature in the credit score decision is the outstanding debt, giving loan to a customer who has a many outstanding loans is risky </a:t>
+            </a:r>
+            <a:r>
+              <a:rPr lang="en-US" sz="2400" dirty="0">
+                <a:effectLst/>
+                <a:ea typeface="Aptos" panose="020B0004020202020204" pitchFamily="34" charset="0"/>
+                <a:cs typeface="Segoe UI Emoji" panose="020B0502040204020203" pitchFamily="34" charset="0"/>
+              </a:rPr>
+              <a:t>😃 </a:t>
+            </a:r>
+            <a:r>
+              <a:rPr lang="en-US" sz="2400" dirty="0">
+                <a:effectLst/>
+                <a:ea typeface="Aptos" panose="020B0004020202020204" pitchFamily="34" charset="0"/>
+                <a:cs typeface="Arial" panose="020B0604020202020204" pitchFamily="34" charset="0"/>
+              </a:rPr>
+              <a:t>[insight from important feature diagram of random forest]</a:t>
+            </a:r>
+          </a:p>
+          <a:p>
+            <a:pPr marL="342900" marR="0" lvl="0" indent="-342900">
+              <a:lnSpc>
+                <a:spcPct val="115000"/>
+              </a:lnSpc>
+              <a:spcBef>
+                <a:spcPts val="0"/>
+              </a:spcBef>
+              <a:spcAft>
+                <a:spcPts val="1000"/>
+              </a:spcAft>
+              <a:buFont typeface="Wingdings" panose="05000000000000000000" pitchFamily="2" charset="2"/>
+              <a:buChar char=""/>
+            </a:pPr>
+            <a:r>
+              <a:rPr lang="en-US" sz="2400" dirty="0">
+                <a:effectLst/>
+                <a:ea typeface="Aptos" panose="020B0004020202020204" pitchFamily="34" charset="0"/>
+                <a:cs typeface="Arial" panose="020B0604020202020204" pitchFamily="34" charset="0"/>
+              </a:rPr>
+              <a:t>The Bank should know the following important features that affect the credit score classification.</a:t>
             </a:r>
           </a:p>
         </p:txBody>
@@ -16169,7 +16150,7 @@
         </p:nvSpPr>
         <p:spPr>
           <a:xfrm>
-            <a:off x="1548795" y="54524"/>
+            <a:off x="1527774" y="348814"/>
             <a:ext cx="9428962" cy="921295"/>
           </a:xfrm>
           <a:prstGeom prst="rect">
@@ -16294,11 +16275,1645 @@
           <a:p>
             <a:r>
               <a:rPr lang="en-US" sz="4800" dirty="0"/>
-              <a:t>Predictive Analysis</a:t>
+              <a:t>5. Insights (Business) </a:t>
             </a:r>
           </a:p>
         </p:txBody>
       </p:sp>
+      <p:pic>
+        <p:nvPicPr>
+          <p:cNvPr id="3" name="Picture 2" descr="A graph of a number of blue and white bars&#10;&#10;Description automatically generated">
+            <a:extLst>
+              <a:ext uri="{FF2B5EF4-FFF2-40B4-BE49-F238E27FC236}">
+                <a16:creationId xmlns:a16="http://schemas.microsoft.com/office/drawing/2014/main" id="{5D52E270-BEBD-230F-2438-E2FB7F3C3DCE}"/>
+              </a:ext>
+            </a:extLst>
+          </p:cNvPr>
+          <p:cNvPicPr>
+            <a:picLocks noChangeAspect="1"/>
+          </p:cNvPicPr>
+          <p:nvPr/>
+        </p:nvPicPr>
+        <p:blipFill>
+          <a:blip r:embed="rId3" cstate="print">
+            <a:extLst>
+              <a:ext uri="{28A0092B-C50C-407E-A947-70E740481C1C}">
+                <a14:useLocalDpi xmlns:a14="http://schemas.microsoft.com/office/drawing/2010/main" val="0"/>
+              </a:ext>
+            </a:extLst>
+          </a:blip>
+          <a:srcRect/>
+          <a:stretch>
+            <a:fillRect/>
+          </a:stretch>
+        </p:blipFill>
+        <p:spPr bwMode="auto">
+          <a:xfrm>
+            <a:off x="2296713" y="1314455"/>
+            <a:ext cx="7598573" cy="5194731"/>
+          </a:xfrm>
+          <a:prstGeom prst="rect">
+            <a:avLst/>
+          </a:prstGeom>
+          <a:noFill/>
+          <a:ln>
+            <a:noFill/>
+          </a:ln>
+        </p:spPr>
+      </p:pic>
+    </p:spTree>
+    <p:extLst>
+      <p:ext uri="{BB962C8B-B14F-4D97-AF65-F5344CB8AC3E}">
+        <p14:creationId xmlns:p14="http://schemas.microsoft.com/office/powerpoint/2010/main" val="2010154511"/>
+      </p:ext>
+    </p:extLst>
+  </p:cSld>
+  <p:clrMapOvr>
+    <a:masterClrMapping/>
+  </p:clrMapOvr>
+</p:sld>
+</file>
+
+<file path=ppt/slides/slide12.xml><?xml version="1.0" encoding="utf-8"?>
+<p:sld xmlns:a="http://schemas.openxmlformats.org/drawingml/2006/main" xmlns:r="http://schemas.openxmlformats.org/officeDocument/2006/relationships" xmlns:p="http://schemas.openxmlformats.org/presentationml/2006/main">
+  <p:cSld>
+    <p:spTree>
+      <p:nvGrpSpPr>
+        <p:cNvPr id="1" name="Shape 582"/>
+        <p:cNvGrpSpPr/>
+        <p:nvPr/>
+      </p:nvGrpSpPr>
+      <p:grpSpPr>
+        <a:xfrm>
+          <a:off x="0" y="0"/>
+          <a:ext cx="0" cy="0"/>
+          <a:chOff x="0" y="0"/>
+          <a:chExt cx="0" cy="0"/>
+        </a:xfrm>
+      </p:grpSpPr>
+      <p:sp>
+        <p:nvSpPr>
+          <p:cNvPr id="2" name="Google Shape;179;p19">
+            <a:extLst>
+              <a:ext uri="{FF2B5EF4-FFF2-40B4-BE49-F238E27FC236}">
+                <a16:creationId xmlns:a16="http://schemas.microsoft.com/office/drawing/2014/main" id="{3C77EB58-53B0-9FAD-4C63-2A32C5F50B07}"/>
+              </a:ext>
+            </a:extLst>
+          </p:cNvPr>
+          <p:cNvSpPr txBox="1">
+            <a:spLocks/>
+          </p:cNvSpPr>
+          <p:nvPr/>
+        </p:nvSpPr>
+        <p:spPr>
+          <a:xfrm>
+            <a:off x="1548795" y="327793"/>
+            <a:ext cx="9428962" cy="921295"/>
+          </a:xfrm>
+          <a:prstGeom prst="rect">
+            <a:avLst/>
+          </a:prstGeom>
+        </p:spPr>
+        <p:txBody>
+          <a:bodyPr spcFirstLastPara="1" vert="horz" wrap="square" lIns="121900" tIns="121900" rIns="121900" bIns="121900" rtlCol="0" anchor="ctr" anchorCtr="0">
+            <a:noAutofit/>
+          </a:bodyPr>
+          <a:lstStyle>
+            <a:lvl1pPr lvl="0" algn="ctr" defTabSz="914400" rtl="0" eaLnBrk="1" latinLnBrk="0" hangingPunct="1">
+              <a:lnSpc>
+                <a:spcPct val="90000"/>
+              </a:lnSpc>
+              <a:spcBef>
+                <a:spcPts val="0"/>
+              </a:spcBef>
+              <a:spcAft>
+                <a:spcPts val="0"/>
+              </a:spcAft>
+              <a:buSzPts val="2400"/>
+              <a:buNone/>
+              <a:defRPr sz="3733" kern="1200">
+                <a:solidFill>
+                  <a:schemeClr val="tx1"/>
+                </a:solidFill>
+                <a:latin typeface="+mj-lt"/>
+                <a:ea typeface="+mj-ea"/>
+                <a:cs typeface="+mj-cs"/>
+              </a:defRPr>
+            </a:lvl1pPr>
+            <a:lvl2pPr lvl="1" rtl="0">
+              <a:spcBef>
+                <a:spcPts val="0"/>
+              </a:spcBef>
+              <a:spcAft>
+                <a:spcPts val="0"/>
+              </a:spcAft>
+              <a:buSzPts val="3500"/>
+              <a:buNone/>
+              <a:defRPr/>
+            </a:lvl2pPr>
+            <a:lvl3pPr lvl="2" rtl="0">
+              <a:spcBef>
+                <a:spcPts val="0"/>
+              </a:spcBef>
+              <a:spcAft>
+                <a:spcPts val="0"/>
+              </a:spcAft>
+              <a:buSzPts val="3500"/>
+              <a:buNone/>
+              <a:defRPr/>
+            </a:lvl3pPr>
+            <a:lvl4pPr lvl="3" rtl="0">
+              <a:spcBef>
+                <a:spcPts val="0"/>
+              </a:spcBef>
+              <a:spcAft>
+                <a:spcPts val="0"/>
+              </a:spcAft>
+              <a:buSzPts val="3500"/>
+              <a:buNone/>
+              <a:defRPr/>
+            </a:lvl4pPr>
+            <a:lvl5pPr lvl="4" rtl="0">
+              <a:spcBef>
+                <a:spcPts val="0"/>
+              </a:spcBef>
+              <a:spcAft>
+                <a:spcPts val="0"/>
+              </a:spcAft>
+              <a:buSzPts val="3500"/>
+              <a:buNone/>
+              <a:defRPr/>
+            </a:lvl5pPr>
+            <a:lvl6pPr lvl="5" rtl="0">
+              <a:spcBef>
+                <a:spcPts val="0"/>
+              </a:spcBef>
+              <a:spcAft>
+                <a:spcPts val="0"/>
+              </a:spcAft>
+              <a:buSzPts val="3500"/>
+              <a:buNone/>
+              <a:defRPr/>
+            </a:lvl6pPr>
+            <a:lvl7pPr lvl="6" rtl="0">
+              <a:spcBef>
+                <a:spcPts val="0"/>
+              </a:spcBef>
+              <a:spcAft>
+                <a:spcPts val="0"/>
+              </a:spcAft>
+              <a:buSzPts val="3500"/>
+              <a:buNone/>
+              <a:defRPr/>
+            </a:lvl7pPr>
+            <a:lvl8pPr lvl="7" rtl="0">
+              <a:spcBef>
+                <a:spcPts val="0"/>
+              </a:spcBef>
+              <a:spcAft>
+                <a:spcPts val="0"/>
+              </a:spcAft>
+              <a:buSzPts val="3500"/>
+              <a:buNone/>
+              <a:defRPr/>
+            </a:lvl8pPr>
+            <a:lvl9pPr lvl="8" rtl="0">
+              <a:spcBef>
+                <a:spcPts val="0"/>
+              </a:spcBef>
+              <a:spcAft>
+                <a:spcPts val="0"/>
+              </a:spcAft>
+              <a:buSzPts val="3500"/>
+              <a:buNone/>
+              <a:defRPr/>
+            </a:lvl9pPr>
+          </a:lstStyle>
+          <a:p>
+            <a:r>
+              <a:rPr lang="en-US" sz="4800" dirty="0"/>
+              <a:t>6. Predictive Analysis</a:t>
+            </a:r>
+          </a:p>
+        </p:txBody>
+      </p:sp>
+      <p:graphicFrame>
+        <p:nvGraphicFramePr>
+          <p:cNvPr id="3" name="Table 2">
+            <a:extLst>
+              <a:ext uri="{FF2B5EF4-FFF2-40B4-BE49-F238E27FC236}">
+                <a16:creationId xmlns:a16="http://schemas.microsoft.com/office/drawing/2014/main" id="{51AB5195-0952-1B83-9510-2A46045516DA}"/>
+              </a:ext>
+            </a:extLst>
+          </p:cNvPr>
+          <p:cNvGraphicFramePr>
+            <a:graphicFrameLocks noGrp="1"/>
+          </p:cNvGraphicFramePr>
+          <p:nvPr>
+            <p:extLst>
+              <p:ext uri="{D42A27DB-BD31-4B8C-83A1-F6EECF244321}">
+                <p14:modId xmlns:p14="http://schemas.microsoft.com/office/powerpoint/2010/main" val="2288163820"/>
+              </p:ext>
+            </p:extLst>
+          </p:nvPr>
+        </p:nvGraphicFramePr>
+        <p:xfrm>
+          <a:off x="966952" y="1481959"/>
+          <a:ext cx="10741571" cy="4761183"/>
+        </p:xfrm>
+        <a:graphic>
+          <a:graphicData uri="http://schemas.openxmlformats.org/drawingml/2006/table">
+            <a:tbl>
+              <a:tblPr bandRow="1">
+                <a:tableStyleId>{68D230F3-CF80-4859-8CE7-A43EE81993B5}</a:tableStyleId>
+              </a:tblPr>
+              <a:tblGrid>
+                <a:gridCol w="1607752">
+                  <a:extLst>
+                    <a:ext uri="{9D8B030D-6E8A-4147-A177-3AD203B41FA5}">
+                      <a16:colId xmlns:a16="http://schemas.microsoft.com/office/drawing/2014/main" val="3674612154"/>
+                    </a:ext>
+                  </a:extLst>
+                </a:gridCol>
+                <a:gridCol w="3044274">
+                  <a:extLst>
+                    <a:ext uri="{9D8B030D-6E8A-4147-A177-3AD203B41FA5}">
+                      <a16:colId xmlns:a16="http://schemas.microsoft.com/office/drawing/2014/main" val="473659915"/>
+                    </a:ext>
+                  </a:extLst>
+                </a:gridCol>
+                <a:gridCol w="3044274">
+                  <a:extLst>
+                    <a:ext uri="{9D8B030D-6E8A-4147-A177-3AD203B41FA5}">
+                      <a16:colId xmlns:a16="http://schemas.microsoft.com/office/drawing/2014/main" val="3508095624"/>
+                    </a:ext>
+                  </a:extLst>
+                </a:gridCol>
+                <a:gridCol w="3045271">
+                  <a:extLst>
+                    <a:ext uri="{9D8B030D-6E8A-4147-A177-3AD203B41FA5}">
+                      <a16:colId xmlns:a16="http://schemas.microsoft.com/office/drawing/2014/main" val="26992970"/>
+                    </a:ext>
+                  </a:extLst>
+                </a:gridCol>
+              </a:tblGrid>
+              <a:tr h="358493">
+                <a:tc>
+                  <a:txBody>
+                    <a:bodyPr/>
+                    <a:lstStyle/>
+                    <a:p>
+                      <a:pPr marL="0" marR="0" algn="ctr">
+                        <a:lnSpc>
+                          <a:spcPct val="115000"/>
+                        </a:lnSpc>
+                        <a:spcBef>
+                          <a:spcPts val="0"/>
+                        </a:spcBef>
+                        <a:spcAft>
+                          <a:spcPts val="1000"/>
+                        </a:spcAft>
+                      </a:pPr>
+                      <a:r>
+                        <a:rPr lang="en-US" sz="2000" b="1" kern="100" dirty="0">
+                          <a:effectLst/>
+                        </a:rPr>
+                        <a:t>Metric</a:t>
+                      </a:r>
+                      <a:endParaRPr lang="en-US" sz="2000" b="1" kern="100" dirty="0">
+                        <a:effectLst/>
+                        <a:latin typeface="Aptos" panose="020B0004020202020204" pitchFamily="34" charset="0"/>
+                        <a:ea typeface="Aptos" panose="020B0004020202020204" pitchFamily="34" charset="0"/>
+                        <a:cs typeface="Arial" panose="020B0604020202020204" pitchFamily="34" charset="0"/>
+                      </a:endParaRPr>
+                    </a:p>
+                  </a:txBody>
+                  <a:tcPr marL="68580" marR="68580" marT="0" marB="0" anchor="ctr"/>
+                </a:tc>
+                <a:tc>
+                  <a:txBody>
+                    <a:bodyPr/>
+                    <a:lstStyle/>
+                    <a:p>
+                      <a:pPr marL="0" marR="0" algn="ctr">
+                        <a:lnSpc>
+                          <a:spcPct val="115000"/>
+                        </a:lnSpc>
+                        <a:spcBef>
+                          <a:spcPts val="0"/>
+                        </a:spcBef>
+                        <a:spcAft>
+                          <a:spcPts val="1000"/>
+                        </a:spcAft>
+                      </a:pPr>
+                      <a:r>
+                        <a:rPr lang="en-US" sz="2000" b="1" kern="100">
+                          <a:effectLst/>
+                        </a:rPr>
+                        <a:t>SVM</a:t>
+                      </a:r>
+                      <a:endParaRPr lang="en-US" sz="2000" b="1" kern="100">
+                        <a:effectLst/>
+                        <a:latin typeface="Aptos" panose="020B0004020202020204" pitchFamily="34" charset="0"/>
+                        <a:ea typeface="Aptos" panose="020B0004020202020204" pitchFamily="34" charset="0"/>
+                        <a:cs typeface="Arial" panose="020B0604020202020204" pitchFamily="34" charset="0"/>
+                      </a:endParaRPr>
+                    </a:p>
+                  </a:txBody>
+                  <a:tcPr marL="68580" marR="68580" marT="0" marB="0" anchor="ctr"/>
+                </a:tc>
+                <a:tc>
+                  <a:txBody>
+                    <a:bodyPr/>
+                    <a:lstStyle/>
+                    <a:p>
+                      <a:pPr marL="0" marR="0" algn="ctr">
+                        <a:lnSpc>
+                          <a:spcPct val="115000"/>
+                        </a:lnSpc>
+                        <a:spcBef>
+                          <a:spcPts val="0"/>
+                        </a:spcBef>
+                        <a:spcAft>
+                          <a:spcPts val="1000"/>
+                        </a:spcAft>
+                      </a:pPr>
+                      <a:r>
+                        <a:rPr lang="en-US" sz="2000" b="1" kern="100" dirty="0">
+                          <a:effectLst/>
+                        </a:rPr>
+                        <a:t>Random Forest</a:t>
+                      </a:r>
+                      <a:endParaRPr lang="en-US" sz="2000" b="1" kern="100" dirty="0">
+                        <a:effectLst/>
+                        <a:latin typeface="Aptos" panose="020B0004020202020204" pitchFamily="34" charset="0"/>
+                        <a:ea typeface="Aptos" panose="020B0004020202020204" pitchFamily="34" charset="0"/>
+                        <a:cs typeface="Arial" panose="020B0604020202020204" pitchFamily="34" charset="0"/>
+                      </a:endParaRPr>
+                    </a:p>
+                  </a:txBody>
+                  <a:tcPr marL="68580" marR="68580" marT="0" marB="0" anchor="ctr"/>
+                </a:tc>
+                <a:tc>
+                  <a:txBody>
+                    <a:bodyPr/>
+                    <a:lstStyle/>
+                    <a:p>
+                      <a:pPr marL="0" marR="0" algn="ctr">
+                        <a:lnSpc>
+                          <a:spcPct val="115000"/>
+                        </a:lnSpc>
+                        <a:spcBef>
+                          <a:spcPts val="0"/>
+                        </a:spcBef>
+                        <a:spcAft>
+                          <a:spcPts val="1000"/>
+                        </a:spcAft>
+                      </a:pPr>
+                      <a:r>
+                        <a:rPr lang="en-US" sz="2000" b="1" kern="100" dirty="0" err="1">
+                          <a:effectLst/>
+                        </a:rPr>
+                        <a:t>XgBoost</a:t>
+                      </a:r>
+                      <a:endParaRPr lang="en-US" sz="2000" b="1" kern="100" dirty="0">
+                        <a:effectLst/>
+                        <a:latin typeface="Aptos" panose="020B0004020202020204" pitchFamily="34" charset="0"/>
+                        <a:ea typeface="Aptos" panose="020B0004020202020204" pitchFamily="34" charset="0"/>
+                        <a:cs typeface="Arial" panose="020B0604020202020204" pitchFamily="34" charset="0"/>
+                      </a:endParaRPr>
+                    </a:p>
+                  </a:txBody>
+                  <a:tcPr marL="68580" marR="68580" marT="0" marB="0" anchor="ctr"/>
+                </a:tc>
+                <a:extLst>
+                  <a:ext uri="{0D108BD9-81ED-4DB2-BD59-A6C34878D82A}">
+                    <a16:rowId xmlns:a16="http://schemas.microsoft.com/office/drawing/2014/main" val="2992323972"/>
+                  </a:ext>
+                </a:extLst>
+              </a:tr>
+              <a:tr h="358493">
+                <a:tc gridSpan="4">
+                  <a:txBody>
+                    <a:bodyPr/>
+                    <a:lstStyle/>
+                    <a:p>
+                      <a:pPr marL="0" marR="0" algn="ctr">
+                        <a:lnSpc>
+                          <a:spcPct val="115000"/>
+                        </a:lnSpc>
+                        <a:spcBef>
+                          <a:spcPts val="0"/>
+                        </a:spcBef>
+                        <a:spcAft>
+                          <a:spcPts val="0"/>
+                        </a:spcAft>
+                      </a:pPr>
+                      <a:r>
+                        <a:rPr lang="en-US" sz="2000" b="1" kern="100" dirty="0">
+                          <a:effectLst/>
+                        </a:rPr>
+                        <a:t>Train</a:t>
+                      </a:r>
+                      <a:endParaRPr lang="en-US" sz="2000" b="1" kern="100" dirty="0">
+                        <a:effectLst/>
+                        <a:latin typeface="Aptos" panose="020B0004020202020204" pitchFamily="34" charset="0"/>
+                        <a:ea typeface="Aptos" panose="020B0004020202020204" pitchFamily="34" charset="0"/>
+                        <a:cs typeface="Arial" panose="020B0604020202020204" pitchFamily="34" charset="0"/>
+                      </a:endParaRPr>
+                    </a:p>
+                  </a:txBody>
+                  <a:tcPr marL="68580" marR="68580" marT="0" marB="0" anchor="ctr"/>
+                </a:tc>
+                <a:tc hMerge="1">
+                  <a:txBody>
+                    <a:bodyPr/>
+                    <a:lstStyle/>
+                    <a:p>
+                      <a:endParaRPr lang="en-US"/>
+                    </a:p>
+                  </a:txBody>
+                  <a:tcPr/>
+                </a:tc>
+                <a:tc hMerge="1">
+                  <a:txBody>
+                    <a:bodyPr/>
+                    <a:lstStyle/>
+                    <a:p>
+                      <a:endParaRPr lang="en-US"/>
+                    </a:p>
+                  </a:txBody>
+                  <a:tcPr/>
+                </a:tc>
+                <a:tc hMerge="1">
+                  <a:txBody>
+                    <a:bodyPr/>
+                    <a:lstStyle/>
+                    <a:p>
+                      <a:endParaRPr lang="en-US"/>
+                    </a:p>
+                  </a:txBody>
+                  <a:tcPr/>
+                </a:tc>
+                <a:extLst>
+                  <a:ext uri="{0D108BD9-81ED-4DB2-BD59-A6C34878D82A}">
+                    <a16:rowId xmlns:a16="http://schemas.microsoft.com/office/drawing/2014/main" val="2079738836"/>
+                  </a:ext>
+                </a:extLst>
+              </a:tr>
+              <a:tr h="495522">
+                <a:tc>
+                  <a:txBody>
+                    <a:bodyPr/>
+                    <a:lstStyle/>
+                    <a:p>
+                      <a:pPr marL="0" marR="0" algn="ctr">
+                        <a:lnSpc>
+                          <a:spcPct val="115000"/>
+                        </a:lnSpc>
+                        <a:spcBef>
+                          <a:spcPts val="0"/>
+                        </a:spcBef>
+                        <a:spcAft>
+                          <a:spcPts val="1000"/>
+                        </a:spcAft>
+                      </a:pPr>
+                      <a:r>
+                        <a:rPr lang="en-US" sz="2000" b="1" kern="100" dirty="0">
+                          <a:effectLst/>
+                        </a:rPr>
+                        <a:t>Accuracy</a:t>
+                      </a:r>
+                      <a:endParaRPr lang="en-US" sz="2000" b="1" kern="100" dirty="0">
+                        <a:effectLst/>
+                        <a:latin typeface="Aptos" panose="020B0004020202020204" pitchFamily="34" charset="0"/>
+                        <a:ea typeface="Aptos" panose="020B0004020202020204" pitchFamily="34" charset="0"/>
+                        <a:cs typeface="Arial" panose="020B0604020202020204" pitchFamily="34" charset="0"/>
+                      </a:endParaRPr>
+                    </a:p>
+                  </a:txBody>
+                  <a:tcPr marL="68580" marR="68580" marT="0" marB="0" anchor="ctr"/>
+                </a:tc>
+                <a:tc>
+                  <a:txBody>
+                    <a:bodyPr/>
+                    <a:lstStyle/>
+                    <a:p>
+                      <a:pPr marL="0" marR="0" algn="ctr">
+                        <a:lnSpc>
+                          <a:spcPct val="115000"/>
+                        </a:lnSpc>
+                        <a:spcBef>
+                          <a:spcPts val="0"/>
+                        </a:spcBef>
+                        <a:spcAft>
+                          <a:spcPts val="1000"/>
+                        </a:spcAft>
+                      </a:pPr>
+                      <a:r>
+                        <a:rPr lang="en-US" sz="2000" kern="100">
+                          <a:effectLst/>
+                        </a:rPr>
+                        <a:t>0.787</a:t>
+                      </a:r>
+                      <a:endParaRPr lang="en-US" sz="2000" kern="100">
+                        <a:effectLst/>
+                        <a:latin typeface="Aptos" panose="020B0004020202020204" pitchFamily="34" charset="0"/>
+                        <a:ea typeface="Aptos" panose="020B0004020202020204" pitchFamily="34" charset="0"/>
+                        <a:cs typeface="Arial" panose="020B0604020202020204" pitchFamily="34" charset="0"/>
+                      </a:endParaRPr>
+                    </a:p>
+                  </a:txBody>
+                  <a:tcPr marL="68580" marR="68580" marT="0" marB="0" anchor="ctr"/>
+                </a:tc>
+                <a:tc>
+                  <a:txBody>
+                    <a:bodyPr/>
+                    <a:lstStyle/>
+                    <a:p>
+                      <a:pPr marL="0" marR="0" algn="ctr">
+                        <a:lnSpc>
+                          <a:spcPct val="115000"/>
+                        </a:lnSpc>
+                        <a:spcBef>
+                          <a:spcPts val="0"/>
+                        </a:spcBef>
+                        <a:spcAft>
+                          <a:spcPts val="1000"/>
+                        </a:spcAft>
+                      </a:pPr>
+                      <a:r>
+                        <a:rPr lang="en-US" sz="2000" kern="100">
+                          <a:effectLst/>
+                        </a:rPr>
+                        <a:t>1.0</a:t>
+                      </a:r>
+                      <a:endParaRPr lang="en-US" sz="2000" kern="100">
+                        <a:effectLst/>
+                        <a:latin typeface="Aptos" panose="020B0004020202020204" pitchFamily="34" charset="0"/>
+                        <a:ea typeface="Aptos" panose="020B0004020202020204" pitchFamily="34" charset="0"/>
+                        <a:cs typeface="Arial" panose="020B0604020202020204" pitchFamily="34" charset="0"/>
+                      </a:endParaRPr>
+                    </a:p>
+                  </a:txBody>
+                  <a:tcPr marL="68580" marR="68580" marT="0" marB="0" anchor="ctr"/>
+                </a:tc>
+                <a:tc>
+                  <a:txBody>
+                    <a:bodyPr/>
+                    <a:lstStyle/>
+                    <a:p>
+                      <a:pPr marL="0" marR="0" algn="ctr">
+                        <a:lnSpc>
+                          <a:spcPct val="115000"/>
+                        </a:lnSpc>
+                        <a:spcBef>
+                          <a:spcPts val="0"/>
+                        </a:spcBef>
+                        <a:spcAft>
+                          <a:spcPts val="1000"/>
+                        </a:spcAft>
+                      </a:pPr>
+                      <a:r>
+                        <a:rPr lang="en-US" sz="2000" kern="100">
+                          <a:effectLst/>
+                        </a:rPr>
+                        <a:t>1.0</a:t>
+                      </a:r>
+                      <a:endParaRPr lang="en-US" sz="2000" kern="100">
+                        <a:effectLst/>
+                        <a:latin typeface="Aptos" panose="020B0004020202020204" pitchFamily="34" charset="0"/>
+                        <a:ea typeface="Aptos" panose="020B0004020202020204" pitchFamily="34" charset="0"/>
+                        <a:cs typeface="Arial" panose="020B0604020202020204" pitchFamily="34" charset="0"/>
+                      </a:endParaRPr>
+                    </a:p>
+                  </a:txBody>
+                  <a:tcPr marL="68580" marR="68580" marT="0" marB="0" anchor="ctr"/>
+                </a:tc>
+                <a:extLst>
+                  <a:ext uri="{0D108BD9-81ED-4DB2-BD59-A6C34878D82A}">
+                    <a16:rowId xmlns:a16="http://schemas.microsoft.com/office/drawing/2014/main" val="2476971814"/>
+                  </a:ext>
+                </a:extLst>
+              </a:tr>
+              <a:tr h="425904">
+                <a:tc>
+                  <a:txBody>
+                    <a:bodyPr/>
+                    <a:lstStyle/>
+                    <a:p>
+                      <a:pPr marL="0" marR="0" algn="ctr">
+                        <a:lnSpc>
+                          <a:spcPct val="115000"/>
+                        </a:lnSpc>
+                        <a:spcBef>
+                          <a:spcPts val="0"/>
+                        </a:spcBef>
+                        <a:spcAft>
+                          <a:spcPts val="1000"/>
+                        </a:spcAft>
+                      </a:pPr>
+                      <a:r>
+                        <a:rPr lang="en-US" sz="2000" b="1" kern="100" dirty="0">
+                          <a:effectLst/>
+                        </a:rPr>
+                        <a:t>Recall</a:t>
+                      </a:r>
+                      <a:endParaRPr lang="en-US" sz="2000" b="1" kern="100" dirty="0">
+                        <a:effectLst/>
+                        <a:latin typeface="Aptos" panose="020B0004020202020204" pitchFamily="34" charset="0"/>
+                        <a:ea typeface="Aptos" panose="020B0004020202020204" pitchFamily="34" charset="0"/>
+                        <a:cs typeface="Arial" panose="020B0604020202020204" pitchFamily="34" charset="0"/>
+                      </a:endParaRPr>
+                    </a:p>
+                  </a:txBody>
+                  <a:tcPr marL="68580" marR="68580" marT="0" marB="0" anchor="ctr"/>
+                </a:tc>
+                <a:tc>
+                  <a:txBody>
+                    <a:bodyPr/>
+                    <a:lstStyle/>
+                    <a:p>
+                      <a:pPr marL="0" marR="0" algn="ctr">
+                        <a:lnSpc>
+                          <a:spcPct val="115000"/>
+                        </a:lnSpc>
+                        <a:spcBef>
+                          <a:spcPts val="0"/>
+                        </a:spcBef>
+                        <a:spcAft>
+                          <a:spcPts val="1000"/>
+                        </a:spcAft>
+                      </a:pPr>
+                      <a:r>
+                        <a:rPr lang="en-US" sz="2000" kern="100">
+                          <a:effectLst/>
+                        </a:rPr>
+                        <a:t>0.758 0.777 0.802</a:t>
+                      </a:r>
+                      <a:endParaRPr lang="en-US" sz="2000" kern="100">
+                        <a:effectLst/>
+                        <a:latin typeface="Aptos" panose="020B0004020202020204" pitchFamily="34" charset="0"/>
+                        <a:ea typeface="Aptos" panose="020B0004020202020204" pitchFamily="34" charset="0"/>
+                        <a:cs typeface="Arial" panose="020B0604020202020204" pitchFamily="34" charset="0"/>
+                      </a:endParaRPr>
+                    </a:p>
+                  </a:txBody>
+                  <a:tcPr marL="68580" marR="68580" marT="0" marB="0" anchor="ctr"/>
+                </a:tc>
+                <a:tc>
+                  <a:txBody>
+                    <a:bodyPr/>
+                    <a:lstStyle/>
+                    <a:p>
+                      <a:pPr marL="0" marR="0" algn="ctr">
+                        <a:lnSpc>
+                          <a:spcPct val="115000"/>
+                        </a:lnSpc>
+                        <a:spcBef>
+                          <a:spcPts val="0"/>
+                        </a:spcBef>
+                        <a:spcAft>
+                          <a:spcPts val="1000"/>
+                        </a:spcAft>
+                      </a:pPr>
+                      <a:r>
+                        <a:rPr lang="en-US" sz="2000" kern="100" dirty="0">
+                          <a:effectLst/>
+                        </a:rPr>
+                        <a:t>1.0 1.0 1.0</a:t>
+                      </a:r>
+                      <a:endParaRPr lang="en-US" sz="2000" kern="100" dirty="0">
+                        <a:effectLst/>
+                        <a:latin typeface="Aptos" panose="020B0004020202020204" pitchFamily="34" charset="0"/>
+                        <a:ea typeface="Aptos" panose="020B0004020202020204" pitchFamily="34" charset="0"/>
+                        <a:cs typeface="Arial" panose="020B0604020202020204" pitchFamily="34" charset="0"/>
+                      </a:endParaRPr>
+                    </a:p>
+                  </a:txBody>
+                  <a:tcPr marL="68580" marR="68580" marT="0" marB="0" anchor="ctr"/>
+                </a:tc>
+                <a:tc>
+                  <a:txBody>
+                    <a:bodyPr/>
+                    <a:lstStyle/>
+                    <a:p>
+                      <a:pPr marL="0" marR="0" algn="ctr">
+                        <a:lnSpc>
+                          <a:spcPct val="115000"/>
+                        </a:lnSpc>
+                        <a:spcBef>
+                          <a:spcPts val="0"/>
+                        </a:spcBef>
+                        <a:spcAft>
+                          <a:spcPts val="1000"/>
+                        </a:spcAft>
+                      </a:pPr>
+                      <a:r>
+                        <a:rPr lang="en-US" sz="2000" kern="100">
+                          <a:effectLst/>
+                        </a:rPr>
+                        <a:t>1.0 1.0 1.0</a:t>
+                      </a:r>
+                      <a:endParaRPr lang="en-US" sz="2000" kern="100">
+                        <a:effectLst/>
+                        <a:latin typeface="Aptos" panose="020B0004020202020204" pitchFamily="34" charset="0"/>
+                        <a:ea typeface="Aptos" panose="020B0004020202020204" pitchFamily="34" charset="0"/>
+                        <a:cs typeface="Arial" panose="020B0604020202020204" pitchFamily="34" charset="0"/>
+                      </a:endParaRPr>
+                    </a:p>
+                  </a:txBody>
+                  <a:tcPr marL="68580" marR="68580" marT="0" marB="0" anchor="ctr"/>
+                </a:tc>
+                <a:extLst>
+                  <a:ext uri="{0D108BD9-81ED-4DB2-BD59-A6C34878D82A}">
+                    <a16:rowId xmlns:a16="http://schemas.microsoft.com/office/drawing/2014/main" val="1930656460"/>
+                  </a:ext>
+                </a:extLst>
+              </a:tr>
+              <a:tr h="495522">
+                <a:tc>
+                  <a:txBody>
+                    <a:bodyPr/>
+                    <a:lstStyle/>
+                    <a:p>
+                      <a:pPr marL="0" marR="0" algn="ctr">
+                        <a:lnSpc>
+                          <a:spcPct val="115000"/>
+                        </a:lnSpc>
+                        <a:spcBef>
+                          <a:spcPts val="0"/>
+                        </a:spcBef>
+                        <a:spcAft>
+                          <a:spcPts val="1000"/>
+                        </a:spcAft>
+                      </a:pPr>
+                      <a:r>
+                        <a:rPr lang="en-US" sz="2000" b="1" kern="100" dirty="0">
+                          <a:effectLst/>
+                        </a:rPr>
+                        <a:t>Precision</a:t>
+                      </a:r>
+                      <a:endParaRPr lang="en-US" sz="2000" b="1" kern="100" dirty="0">
+                        <a:effectLst/>
+                        <a:latin typeface="Aptos" panose="020B0004020202020204" pitchFamily="34" charset="0"/>
+                        <a:ea typeface="Aptos" panose="020B0004020202020204" pitchFamily="34" charset="0"/>
+                        <a:cs typeface="Arial" panose="020B0604020202020204" pitchFamily="34" charset="0"/>
+                      </a:endParaRPr>
+                    </a:p>
+                  </a:txBody>
+                  <a:tcPr marL="68580" marR="68580" marT="0" marB="0" anchor="ctr"/>
+                </a:tc>
+                <a:tc>
+                  <a:txBody>
+                    <a:bodyPr/>
+                    <a:lstStyle/>
+                    <a:p>
+                      <a:pPr marL="0" marR="0" algn="ctr">
+                        <a:lnSpc>
+                          <a:spcPct val="115000"/>
+                        </a:lnSpc>
+                        <a:spcBef>
+                          <a:spcPts val="0"/>
+                        </a:spcBef>
+                        <a:spcAft>
+                          <a:spcPts val="1000"/>
+                        </a:spcAft>
+                      </a:pPr>
+                      <a:r>
+                        <a:rPr lang="en-US" sz="2000" kern="100">
+                          <a:effectLst/>
+                        </a:rPr>
+                        <a:t>0.679 0.797 0.823</a:t>
+                      </a:r>
+                      <a:endParaRPr lang="en-US" sz="2000" kern="100">
+                        <a:effectLst/>
+                        <a:latin typeface="Aptos" panose="020B0004020202020204" pitchFamily="34" charset="0"/>
+                        <a:ea typeface="Aptos" panose="020B0004020202020204" pitchFamily="34" charset="0"/>
+                        <a:cs typeface="Arial" panose="020B0604020202020204" pitchFamily="34" charset="0"/>
+                      </a:endParaRPr>
+                    </a:p>
+                  </a:txBody>
+                  <a:tcPr marL="68580" marR="68580" marT="0" marB="0" anchor="ctr"/>
+                </a:tc>
+                <a:tc>
+                  <a:txBody>
+                    <a:bodyPr/>
+                    <a:lstStyle/>
+                    <a:p>
+                      <a:pPr marL="0" marR="0" algn="ctr">
+                        <a:lnSpc>
+                          <a:spcPct val="115000"/>
+                        </a:lnSpc>
+                        <a:spcBef>
+                          <a:spcPts val="0"/>
+                        </a:spcBef>
+                        <a:spcAft>
+                          <a:spcPts val="1000"/>
+                        </a:spcAft>
+                      </a:pPr>
+                      <a:r>
+                        <a:rPr lang="en-US" sz="2000" kern="100">
+                          <a:effectLst/>
+                        </a:rPr>
+                        <a:t>1.0 1.0 1.0</a:t>
+                      </a:r>
+                      <a:endParaRPr lang="en-US" sz="2000" kern="100">
+                        <a:effectLst/>
+                        <a:latin typeface="Aptos" panose="020B0004020202020204" pitchFamily="34" charset="0"/>
+                        <a:ea typeface="Aptos" panose="020B0004020202020204" pitchFamily="34" charset="0"/>
+                        <a:cs typeface="Arial" panose="020B0604020202020204" pitchFamily="34" charset="0"/>
+                      </a:endParaRPr>
+                    </a:p>
+                  </a:txBody>
+                  <a:tcPr marL="68580" marR="68580" marT="0" marB="0" anchor="ctr"/>
+                </a:tc>
+                <a:tc>
+                  <a:txBody>
+                    <a:bodyPr/>
+                    <a:lstStyle/>
+                    <a:p>
+                      <a:pPr marL="0" marR="0" algn="ctr">
+                        <a:lnSpc>
+                          <a:spcPct val="115000"/>
+                        </a:lnSpc>
+                        <a:spcBef>
+                          <a:spcPts val="0"/>
+                        </a:spcBef>
+                        <a:spcAft>
+                          <a:spcPts val="1000"/>
+                        </a:spcAft>
+                      </a:pPr>
+                      <a:r>
+                        <a:rPr lang="en-US" sz="2000" kern="100">
+                          <a:effectLst/>
+                        </a:rPr>
+                        <a:t>1.0 1.0 1.0</a:t>
+                      </a:r>
+                      <a:endParaRPr lang="en-US" sz="2000" kern="100">
+                        <a:effectLst/>
+                        <a:latin typeface="Aptos" panose="020B0004020202020204" pitchFamily="34" charset="0"/>
+                        <a:ea typeface="Aptos" panose="020B0004020202020204" pitchFamily="34" charset="0"/>
+                        <a:cs typeface="Arial" panose="020B0604020202020204" pitchFamily="34" charset="0"/>
+                      </a:endParaRPr>
+                    </a:p>
+                  </a:txBody>
+                  <a:tcPr marL="68580" marR="68580" marT="0" marB="0" anchor="ctr"/>
+                </a:tc>
+                <a:extLst>
+                  <a:ext uri="{0D108BD9-81ED-4DB2-BD59-A6C34878D82A}">
+                    <a16:rowId xmlns:a16="http://schemas.microsoft.com/office/drawing/2014/main" val="275779397"/>
+                  </a:ext>
+                </a:extLst>
+              </a:tr>
+              <a:tr h="425904">
+                <a:tc>
+                  <a:txBody>
+                    <a:bodyPr/>
+                    <a:lstStyle/>
+                    <a:p>
+                      <a:pPr marL="0" marR="0" algn="ctr">
+                        <a:lnSpc>
+                          <a:spcPct val="115000"/>
+                        </a:lnSpc>
+                        <a:spcBef>
+                          <a:spcPts val="0"/>
+                        </a:spcBef>
+                        <a:spcAft>
+                          <a:spcPts val="1000"/>
+                        </a:spcAft>
+                      </a:pPr>
+                      <a:r>
+                        <a:rPr lang="en-US" sz="2000" b="1" kern="100" dirty="0">
+                          <a:effectLst/>
+                        </a:rPr>
+                        <a:t>F1-score</a:t>
+                      </a:r>
+                      <a:endParaRPr lang="en-US" sz="2000" b="1" kern="100" dirty="0">
+                        <a:effectLst/>
+                        <a:latin typeface="Aptos" panose="020B0004020202020204" pitchFamily="34" charset="0"/>
+                        <a:ea typeface="Aptos" panose="020B0004020202020204" pitchFamily="34" charset="0"/>
+                        <a:cs typeface="Arial" panose="020B0604020202020204" pitchFamily="34" charset="0"/>
+                      </a:endParaRPr>
+                    </a:p>
+                  </a:txBody>
+                  <a:tcPr marL="68580" marR="68580" marT="0" marB="0" anchor="ctr"/>
+                </a:tc>
+                <a:tc>
+                  <a:txBody>
+                    <a:bodyPr/>
+                    <a:lstStyle/>
+                    <a:p>
+                      <a:pPr marL="0" marR="0" algn="ctr">
+                        <a:lnSpc>
+                          <a:spcPct val="115000"/>
+                        </a:lnSpc>
+                        <a:spcBef>
+                          <a:spcPts val="0"/>
+                        </a:spcBef>
+                        <a:spcAft>
+                          <a:spcPts val="1000"/>
+                        </a:spcAft>
+                      </a:pPr>
+                      <a:r>
+                        <a:rPr lang="en-US" sz="2000" kern="100">
+                          <a:effectLst/>
+                        </a:rPr>
+                        <a:t>0.716 0.789 0.812</a:t>
+                      </a:r>
+                      <a:endParaRPr lang="en-US" sz="2000" kern="100">
+                        <a:effectLst/>
+                        <a:latin typeface="Aptos" panose="020B0004020202020204" pitchFamily="34" charset="0"/>
+                        <a:ea typeface="Aptos" panose="020B0004020202020204" pitchFamily="34" charset="0"/>
+                        <a:cs typeface="Arial" panose="020B0604020202020204" pitchFamily="34" charset="0"/>
+                      </a:endParaRPr>
+                    </a:p>
+                  </a:txBody>
+                  <a:tcPr marL="68580" marR="68580" marT="0" marB="0" anchor="ctr"/>
+                </a:tc>
+                <a:tc>
+                  <a:txBody>
+                    <a:bodyPr/>
+                    <a:lstStyle/>
+                    <a:p>
+                      <a:pPr marL="0" marR="0" algn="ctr">
+                        <a:lnSpc>
+                          <a:spcPct val="115000"/>
+                        </a:lnSpc>
+                        <a:spcBef>
+                          <a:spcPts val="0"/>
+                        </a:spcBef>
+                        <a:spcAft>
+                          <a:spcPts val="1000"/>
+                        </a:spcAft>
+                      </a:pPr>
+                      <a:r>
+                        <a:rPr lang="en-US" sz="2000" kern="100">
+                          <a:effectLst/>
+                        </a:rPr>
+                        <a:t>1.0 1.0 1.0</a:t>
+                      </a:r>
+                      <a:endParaRPr lang="en-US" sz="2000" kern="100">
+                        <a:effectLst/>
+                        <a:latin typeface="Aptos" panose="020B0004020202020204" pitchFamily="34" charset="0"/>
+                        <a:ea typeface="Aptos" panose="020B0004020202020204" pitchFamily="34" charset="0"/>
+                        <a:cs typeface="Arial" panose="020B0604020202020204" pitchFamily="34" charset="0"/>
+                      </a:endParaRPr>
+                    </a:p>
+                  </a:txBody>
+                  <a:tcPr marL="68580" marR="68580" marT="0" marB="0" anchor="ctr"/>
+                </a:tc>
+                <a:tc>
+                  <a:txBody>
+                    <a:bodyPr/>
+                    <a:lstStyle/>
+                    <a:p>
+                      <a:pPr marL="0" marR="0" algn="ctr">
+                        <a:lnSpc>
+                          <a:spcPct val="115000"/>
+                        </a:lnSpc>
+                        <a:spcBef>
+                          <a:spcPts val="0"/>
+                        </a:spcBef>
+                        <a:spcAft>
+                          <a:spcPts val="1000"/>
+                        </a:spcAft>
+                      </a:pPr>
+                      <a:r>
+                        <a:rPr lang="en-US" sz="2000" kern="100">
+                          <a:effectLst/>
+                        </a:rPr>
+                        <a:t>1.0 1.0 1.0</a:t>
+                      </a:r>
+                      <a:endParaRPr lang="en-US" sz="2000" kern="100">
+                        <a:effectLst/>
+                        <a:latin typeface="Aptos" panose="020B0004020202020204" pitchFamily="34" charset="0"/>
+                        <a:ea typeface="Aptos" panose="020B0004020202020204" pitchFamily="34" charset="0"/>
+                        <a:cs typeface="Arial" panose="020B0604020202020204" pitchFamily="34" charset="0"/>
+                      </a:endParaRPr>
+                    </a:p>
+                  </a:txBody>
+                  <a:tcPr marL="68580" marR="68580" marT="0" marB="0" anchor="ctr"/>
+                </a:tc>
+                <a:extLst>
+                  <a:ext uri="{0D108BD9-81ED-4DB2-BD59-A6C34878D82A}">
+                    <a16:rowId xmlns:a16="http://schemas.microsoft.com/office/drawing/2014/main" val="2791802662"/>
+                  </a:ext>
+                </a:extLst>
+              </a:tr>
+              <a:tr h="358493">
+                <a:tc gridSpan="4">
+                  <a:txBody>
+                    <a:bodyPr/>
+                    <a:lstStyle/>
+                    <a:p>
+                      <a:pPr marL="0" marR="0" algn="ctr">
+                        <a:lnSpc>
+                          <a:spcPct val="115000"/>
+                        </a:lnSpc>
+                        <a:spcBef>
+                          <a:spcPts val="0"/>
+                        </a:spcBef>
+                        <a:spcAft>
+                          <a:spcPts val="0"/>
+                        </a:spcAft>
+                      </a:pPr>
+                      <a:r>
+                        <a:rPr lang="en-US" sz="2000" b="1" kern="100" dirty="0">
+                          <a:effectLst/>
+                        </a:rPr>
+                        <a:t>Test</a:t>
+                      </a:r>
+                      <a:endParaRPr lang="en-US" sz="2000" b="1" kern="100" dirty="0">
+                        <a:effectLst/>
+                        <a:latin typeface="Aptos" panose="020B0004020202020204" pitchFamily="34" charset="0"/>
+                        <a:ea typeface="Aptos" panose="020B0004020202020204" pitchFamily="34" charset="0"/>
+                        <a:cs typeface="Arial" panose="020B0604020202020204" pitchFamily="34" charset="0"/>
+                      </a:endParaRPr>
+                    </a:p>
+                  </a:txBody>
+                  <a:tcPr marL="68580" marR="68580" marT="0" marB="0" anchor="ctr"/>
+                </a:tc>
+                <a:tc hMerge="1">
+                  <a:txBody>
+                    <a:bodyPr/>
+                    <a:lstStyle/>
+                    <a:p>
+                      <a:endParaRPr lang="en-US"/>
+                    </a:p>
+                  </a:txBody>
+                  <a:tcPr/>
+                </a:tc>
+                <a:tc hMerge="1">
+                  <a:txBody>
+                    <a:bodyPr/>
+                    <a:lstStyle/>
+                    <a:p>
+                      <a:endParaRPr lang="en-US"/>
+                    </a:p>
+                  </a:txBody>
+                  <a:tcPr/>
+                </a:tc>
+                <a:tc hMerge="1">
+                  <a:txBody>
+                    <a:bodyPr/>
+                    <a:lstStyle/>
+                    <a:p>
+                      <a:endParaRPr lang="en-US"/>
+                    </a:p>
+                  </a:txBody>
+                  <a:tcPr/>
+                </a:tc>
+                <a:extLst>
+                  <a:ext uri="{0D108BD9-81ED-4DB2-BD59-A6C34878D82A}">
+                    <a16:rowId xmlns:a16="http://schemas.microsoft.com/office/drawing/2014/main" val="2856520605"/>
+                  </a:ext>
+                </a:extLst>
+              </a:tr>
+              <a:tr h="495522">
+                <a:tc>
+                  <a:txBody>
+                    <a:bodyPr/>
+                    <a:lstStyle/>
+                    <a:p>
+                      <a:pPr marL="0" marR="0" algn="ctr">
+                        <a:lnSpc>
+                          <a:spcPct val="115000"/>
+                        </a:lnSpc>
+                        <a:spcBef>
+                          <a:spcPts val="0"/>
+                        </a:spcBef>
+                        <a:spcAft>
+                          <a:spcPts val="1000"/>
+                        </a:spcAft>
+                      </a:pPr>
+                      <a:r>
+                        <a:rPr lang="en-US" sz="2000" b="1" kern="100" dirty="0">
+                          <a:effectLst/>
+                        </a:rPr>
+                        <a:t>Accuracy</a:t>
+                      </a:r>
+                      <a:endParaRPr lang="en-US" sz="2000" b="1" kern="100" dirty="0">
+                        <a:effectLst/>
+                        <a:latin typeface="Aptos" panose="020B0004020202020204" pitchFamily="34" charset="0"/>
+                        <a:ea typeface="Aptos" panose="020B0004020202020204" pitchFamily="34" charset="0"/>
+                        <a:cs typeface="Arial" panose="020B0604020202020204" pitchFamily="34" charset="0"/>
+                      </a:endParaRPr>
+                    </a:p>
+                  </a:txBody>
+                  <a:tcPr marL="68580" marR="68580" marT="0" marB="0" anchor="ctr"/>
+                </a:tc>
+                <a:tc>
+                  <a:txBody>
+                    <a:bodyPr/>
+                    <a:lstStyle/>
+                    <a:p>
+                      <a:pPr marL="0" marR="0" algn="ctr">
+                        <a:lnSpc>
+                          <a:spcPct val="115000"/>
+                        </a:lnSpc>
+                        <a:spcBef>
+                          <a:spcPts val="0"/>
+                        </a:spcBef>
+                        <a:spcAft>
+                          <a:spcPts val="1000"/>
+                        </a:spcAft>
+                      </a:pPr>
+                      <a:r>
+                        <a:rPr lang="en-US" sz="2000" kern="100">
+                          <a:effectLst/>
+                        </a:rPr>
+                        <a:t>0.7546</a:t>
+                      </a:r>
+                      <a:endParaRPr lang="en-US" sz="2000" kern="100">
+                        <a:effectLst/>
+                        <a:latin typeface="Aptos" panose="020B0004020202020204" pitchFamily="34" charset="0"/>
+                        <a:ea typeface="Aptos" panose="020B0004020202020204" pitchFamily="34" charset="0"/>
+                        <a:cs typeface="Arial" panose="020B0604020202020204" pitchFamily="34" charset="0"/>
+                      </a:endParaRPr>
+                    </a:p>
+                  </a:txBody>
+                  <a:tcPr marL="68580" marR="68580" marT="0" marB="0" anchor="ctr"/>
+                </a:tc>
+                <a:tc>
+                  <a:txBody>
+                    <a:bodyPr/>
+                    <a:lstStyle/>
+                    <a:p>
+                      <a:pPr marL="0" marR="0" algn="ctr">
+                        <a:lnSpc>
+                          <a:spcPct val="115000"/>
+                        </a:lnSpc>
+                        <a:spcBef>
+                          <a:spcPts val="0"/>
+                        </a:spcBef>
+                        <a:spcAft>
+                          <a:spcPts val="0"/>
+                        </a:spcAft>
+                      </a:pPr>
+                      <a:r>
+                        <a:rPr lang="en-US" sz="2000" kern="100">
+                          <a:effectLst/>
+                        </a:rPr>
+                        <a:t>0.804</a:t>
+                      </a:r>
+                      <a:endParaRPr lang="en-US" sz="2000" kern="100">
+                        <a:effectLst/>
+                        <a:latin typeface="Aptos" panose="020B0004020202020204" pitchFamily="34" charset="0"/>
+                        <a:ea typeface="Aptos" panose="020B0004020202020204" pitchFamily="34" charset="0"/>
+                        <a:cs typeface="Arial" panose="020B0604020202020204" pitchFamily="34" charset="0"/>
+                      </a:endParaRPr>
+                    </a:p>
+                  </a:txBody>
+                  <a:tcPr marL="68580" marR="68580" marT="0" marB="0" anchor="ctr"/>
+                </a:tc>
+                <a:tc>
+                  <a:txBody>
+                    <a:bodyPr/>
+                    <a:lstStyle/>
+                    <a:p>
+                      <a:pPr marL="0" marR="0" algn="ctr">
+                        <a:lnSpc>
+                          <a:spcPct val="115000"/>
+                        </a:lnSpc>
+                        <a:spcBef>
+                          <a:spcPts val="0"/>
+                        </a:spcBef>
+                        <a:spcAft>
+                          <a:spcPts val="1000"/>
+                        </a:spcAft>
+                      </a:pPr>
+                      <a:r>
+                        <a:rPr lang="en-US" sz="2000" kern="100">
+                          <a:effectLst/>
+                        </a:rPr>
+                        <a:t>0.791</a:t>
+                      </a:r>
+                      <a:endParaRPr lang="en-US" sz="2000" kern="100">
+                        <a:effectLst/>
+                        <a:latin typeface="Aptos" panose="020B0004020202020204" pitchFamily="34" charset="0"/>
+                        <a:ea typeface="Aptos" panose="020B0004020202020204" pitchFamily="34" charset="0"/>
+                        <a:cs typeface="Arial" panose="020B0604020202020204" pitchFamily="34" charset="0"/>
+                      </a:endParaRPr>
+                    </a:p>
+                  </a:txBody>
+                  <a:tcPr marL="68580" marR="68580" marT="0" marB="0" anchor="ctr"/>
+                </a:tc>
+                <a:extLst>
+                  <a:ext uri="{0D108BD9-81ED-4DB2-BD59-A6C34878D82A}">
+                    <a16:rowId xmlns:a16="http://schemas.microsoft.com/office/drawing/2014/main" val="3756206854"/>
+                  </a:ext>
+                </a:extLst>
+              </a:tr>
+              <a:tr h="425904">
+                <a:tc>
+                  <a:txBody>
+                    <a:bodyPr/>
+                    <a:lstStyle/>
+                    <a:p>
+                      <a:pPr marL="0" marR="0" algn="ctr">
+                        <a:lnSpc>
+                          <a:spcPct val="115000"/>
+                        </a:lnSpc>
+                        <a:spcBef>
+                          <a:spcPts val="0"/>
+                        </a:spcBef>
+                        <a:spcAft>
+                          <a:spcPts val="1000"/>
+                        </a:spcAft>
+                      </a:pPr>
+                      <a:r>
+                        <a:rPr lang="en-US" sz="2000" b="1" kern="100" dirty="0">
+                          <a:effectLst/>
+                        </a:rPr>
+                        <a:t>Recall</a:t>
+                      </a:r>
+                      <a:endParaRPr lang="en-US" sz="2000" b="1" kern="100" dirty="0">
+                        <a:effectLst/>
+                        <a:latin typeface="Aptos" panose="020B0004020202020204" pitchFamily="34" charset="0"/>
+                        <a:ea typeface="Aptos" panose="020B0004020202020204" pitchFamily="34" charset="0"/>
+                        <a:cs typeface="Arial" panose="020B0604020202020204" pitchFamily="34" charset="0"/>
+                      </a:endParaRPr>
+                    </a:p>
+                  </a:txBody>
+                  <a:tcPr marL="68580" marR="68580" marT="0" marB="0" anchor="ctr"/>
+                </a:tc>
+                <a:tc>
+                  <a:txBody>
+                    <a:bodyPr/>
+                    <a:lstStyle/>
+                    <a:p>
+                      <a:pPr marL="0" marR="0" algn="ctr">
+                        <a:lnSpc>
+                          <a:spcPct val="115000"/>
+                        </a:lnSpc>
+                        <a:spcBef>
+                          <a:spcPts val="0"/>
+                        </a:spcBef>
+                        <a:spcAft>
+                          <a:spcPts val="1000"/>
+                        </a:spcAft>
+                      </a:pPr>
+                      <a:r>
+                        <a:rPr lang="en-US" sz="2000" kern="100">
+                          <a:effectLst/>
+                        </a:rPr>
+                        <a:t>0.710 0.743  0.777</a:t>
+                      </a:r>
+                      <a:endParaRPr lang="en-US" sz="2000" kern="100">
+                        <a:effectLst/>
+                        <a:latin typeface="Aptos" panose="020B0004020202020204" pitchFamily="34" charset="0"/>
+                        <a:ea typeface="Aptos" panose="020B0004020202020204" pitchFamily="34" charset="0"/>
+                        <a:cs typeface="Arial" panose="020B0604020202020204" pitchFamily="34" charset="0"/>
+                      </a:endParaRPr>
+                    </a:p>
+                  </a:txBody>
+                  <a:tcPr marL="68580" marR="68580" marT="0" marB="0" anchor="ctr"/>
+                </a:tc>
+                <a:tc>
+                  <a:txBody>
+                    <a:bodyPr/>
+                    <a:lstStyle/>
+                    <a:p>
+                      <a:pPr marL="0" marR="0" algn="ctr">
+                        <a:lnSpc>
+                          <a:spcPct val="115000"/>
+                        </a:lnSpc>
+                        <a:spcBef>
+                          <a:spcPts val="0"/>
+                        </a:spcBef>
+                        <a:spcAft>
+                          <a:spcPts val="1000"/>
+                        </a:spcAft>
+                      </a:pPr>
+                      <a:r>
+                        <a:rPr lang="en-US" sz="2000" kern="100">
+                          <a:effectLst/>
+                        </a:rPr>
+                        <a:t>0.758 0.835  0.802</a:t>
+                      </a:r>
+                      <a:endParaRPr lang="en-US" sz="2000" kern="100">
+                        <a:effectLst/>
+                        <a:latin typeface="Aptos" panose="020B0004020202020204" pitchFamily="34" charset="0"/>
+                        <a:ea typeface="Aptos" panose="020B0004020202020204" pitchFamily="34" charset="0"/>
+                        <a:cs typeface="Arial" panose="020B0604020202020204" pitchFamily="34" charset="0"/>
+                      </a:endParaRPr>
+                    </a:p>
+                  </a:txBody>
+                  <a:tcPr marL="68580" marR="68580" marT="0" marB="0" anchor="ctr"/>
+                </a:tc>
+                <a:tc>
+                  <a:txBody>
+                    <a:bodyPr/>
+                    <a:lstStyle/>
+                    <a:p>
+                      <a:pPr marL="0" marR="0" algn="ctr">
+                        <a:lnSpc>
+                          <a:spcPct val="115000"/>
+                        </a:lnSpc>
+                        <a:spcBef>
+                          <a:spcPts val="0"/>
+                        </a:spcBef>
+                        <a:spcAft>
+                          <a:spcPts val="1000"/>
+                        </a:spcAft>
+                      </a:pPr>
+                      <a:r>
+                        <a:rPr lang="en-US" sz="2000" kern="100">
+                          <a:effectLst/>
+                        </a:rPr>
+                        <a:t>0.738 0.803 0.803</a:t>
+                      </a:r>
+                      <a:endParaRPr lang="en-US" sz="2000" kern="100">
+                        <a:effectLst/>
+                        <a:latin typeface="Aptos" panose="020B0004020202020204" pitchFamily="34" charset="0"/>
+                        <a:ea typeface="Aptos" panose="020B0004020202020204" pitchFamily="34" charset="0"/>
+                        <a:cs typeface="Arial" panose="020B0604020202020204" pitchFamily="34" charset="0"/>
+                      </a:endParaRPr>
+                    </a:p>
+                  </a:txBody>
+                  <a:tcPr marL="68580" marR="68580" marT="0" marB="0" anchor="ctr"/>
+                </a:tc>
+                <a:extLst>
+                  <a:ext uri="{0D108BD9-81ED-4DB2-BD59-A6C34878D82A}">
+                    <a16:rowId xmlns:a16="http://schemas.microsoft.com/office/drawing/2014/main" val="3820816965"/>
+                  </a:ext>
+                </a:extLst>
+              </a:tr>
+              <a:tr h="495522">
+                <a:tc>
+                  <a:txBody>
+                    <a:bodyPr/>
+                    <a:lstStyle/>
+                    <a:p>
+                      <a:pPr marL="0" marR="0" algn="ctr">
+                        <a:lnSpc>
+                          <a:spcPct val="115000"/>
+                        </a:lnSpc>
+                        <a:spcBef>
+                          <a:spcPts val="0"/>
+                        </a:spcBef>
+                        <a:spcAft>
+                          <a:spcPts val="1000"/>
+                        </a:spcAft>
+                      </a:pPr>
+                      <a:r>
+                        <a:rPr lang="en-US" sz="2000" b="1" kern="100" dirty="0">
+                          <a:effectLst/>
+                        </a:rPr>
+                        <a:t>Precision</a:t>
+                      </a:r>
+                      <a:endParaRPr lang="en-US" sz="2000" b="1" kern="100" dirty="0">
+                        <a:effectLst/>
+                        <a:latin typeface="Aptos" panose="020B0004020202020204" pitchFamily="34" charset="0"/>
+                        <a:ea typeface="Aptos" panose="020B0004020202020204" pitchFamily="34" charset="0"/>
+                        <a:cs typeface="Arial" panose="020B0604020202020204" pitchFamily="34" charset="0"/>
+                      </a:endParaRPr>
+                    </a:p>
+                  </a:txBody>
+                  <a:tcPr marL="68580" marR="68580" marT="0" marB="0" anchor="ctr"/>
+                </a:tc>
+                <a:tc>
+                  <a:txBody>
+                    <a:bodyPr/>
+                    <a:lstStyle/>
+                    <a:p>
+                      <a:pPr marL="0" marR="0" algn="ctr">
+                        <a:lnSpc>
+                          <a:spcPct val="115000"/>
+                        </a:lnSpc>
+                        <a:spcBef>
+                          <a:spcPts val="0"/>
+                        </a:spcBef>
+                        <a:spcAft>
+                          <a:spcPts val="1000"/>
+                        </a:spcAft>
+                      </a:pPr>
+                      <a:r>
+                        <a:rPr lang="en-US" sz="2000" kern="100">
+                          <a:effectLst/>
+                        </a:rPr>
+                        <a:t>0.641 0.772 0.790</a:t>
+                      </a:r>
+                      <a:endParaRPr lang="en-US" sz="2000" kern="100">
+                        <a:effectLst/>
+                        <a:latin typeface="Aptos" panose="020B0004020202020204" pitchFamily="34" charset="0"/>
+                        <a:ea typeface="Aptos" panose="020B0004020202020204" pitchFamily="34" charset="0"/>
+                        <a:cs typeface="Arial" panose="020B0604020202020204" pitchFamily="34" charset="0"/>
+                      </a:endParaRPr>
+                    </a:p>
+                  </a:txBody>
+                  <a:tcPr marL="68580" marR="68580" marT="0" marB="0" anchor="ctr"/>
+                </a:tc>
+                <a:tc>
+                  <a:txBody>
+                    <a:bodyPr/>
+                    <a:lstStyle/>
+                    <a:p>
+                      <a:pPr marL="0" marR="0" algn="ctr">
+                        <a:lnSpc>
+                          <a:spcPct val="115000"/>
+                        </a:lnSpc>
+                        <a:spcBef>
+                          <a:spcPts val="0"/>
+                        </a:spcBef>
+                        <a:spcAft>
+                          <a:spcPts val="1000"/>
+                        </a:spcAft>
+                      </a:pPr>
+                      <a:r>
+                        <a:rPr lang="en-US" sz="2000" kern="100">
+                          <a:effectLst/>
+                        </a:rPr>
+                        <a:t>0.775 0.786 0.825</a:t>
+                      </a:r>
+                      <a:endParaRPr lang="en-US" sz="2000" kern="100">
+                        <a:effectLst/>
+                        <a:latin typeface="Aptos" panose="020B0004020202020204" pitchFamily="34" charset="0"/>
+                        <a:ea typeface="Aptos" panose="020B0004020202020204" pitchFamily="34" charset="0"/>
+                        <a:cs typeface="Arial" panose="020B0604020202020204" pitchFamily="34" charset="0"/>
+                      </a:endParaRPr>
+                    </a:p>
+                  </a:txBody>
+                  <a:tcPr marL="68580" marR="68580" marT="0" marB="0" anchor="ctr"/>
+                </a:tc>
+                <a:tc>
+                  <a:txBody>
+                    <a:bodyPr/>
+                    <a:lstStyle/>
+                    <a:p>
+                      <a:pPr marL="0" marR="0" algn="ctr">
+                        <a:lnSpc>
+                          <a:spcPct val="115000"/>
+                        </a:lnSpc>
+                        <a:spcBef>
+                          <a:spcPts val="0"/>
+                        </a:spcBef>
+                        <a:spcAft>
+                          <a:spcPts val="1000"/>
+                        </a:spcAft>
+                      </a:pPr>
+                      <a:r>
+                        <a:rPr lang="en-US" sz="2000" kern="100">
+                          <a:effectLst/>
+                        </a:rPr>
+                        <a:t>0.767 0.783 0.803</a:t>
+                      </a:r>
+                      <a:endParaRPr lang="en-US" sz="2000" kern="100">
+                        <a:effectLst/>
+                        <a:latin typeface="Aptos" panose="020B0004020202020204" pitchFamily="34" charset="0"/>
+                        <a:ea typeface="Aptos" panose="020B0004020202020204" pitchFamily="34" charset="0"/>
+                        <a:cs typeface="Arial" panose="020B0604020202020204" pitchFamily="34" charset="0"/>
+                      </a:endParaRPr>
+                    </a:p>
+                  </a:txBody>
+                  <a:tcPr marL="68580" marR="68580" marT="0" marB="0" anchor="ctr"/>
+                </a:tc>
+                <a:extLst>
+                  <a:ext uri="{0D108BD9-81ED-4DB2-BD59-A6C34878D82A}">
+                    <a16:rowId xmlns:a16="http://schemas.microsoft.com/office/drawing/2014/main" val="3306210176"/>
+                  </a:ext>
+                </a:extLst>
+              </a:tr>
+              <a:tr h="425904">
+                <a:tc>
+                  <a:txBody>
+                    <a:bodyPr/>
+                    <a:lstStyle/>
+                    <a:p>
+                      <a:pPr marL="0" marR="0" algn="ctr">
+                        <a:lnSpc>
+                          <a:spcPct val="115000"/>
+                        </a:lnSpc>
+                        <a:spcBef>
+                          <a:spcPts val="0"/>
+                        </a:spcBef>
+                        <a:spcAft>
+                          <a:spcPts val="1000"/>
+                        </a:spcAft>
+                      </a:pPr>
+                      <a:r>
+                        <a:rPr lang="en-US" sz="2000" b="1" kern="100" dirty="0">
+                          <a:effectLst/>
+                        </a:rPr>
+                        <a:t>F1-score</a:t>
+                      </a:r>
+                      <a:endParaRPr lang="en-US" sz="2000" b="1" kern="100" dirty="0">
+                        <a:effectLst/>
+                        <a:latin typeface="Aptos" panose="020B0004020202020204" pitchFamily="34" charset="0"/>
+                        <a:ea typeface="Aptos" panose="020B0004020202020204" pitchFamily="34" charset="0"/>
+                        <a:cs typeface="Arial" panose="020B0604020202020204" pitchFamily="34" charset="0"/>
+                      </a:endParaRPr>
+                    </a:p>
+                  </a:txBody>
+                  <a:tcPr marL="68580" marR="68580" marT="0" marB="0" anchor="ctr"/>
+                </a:tc>
+                <a:tc>
+                  <a:txBody>
+                    <a:bodyPr/>
+                    <a:lstStyle/>
+                    <a:p>
+                      <a:pPr marL="0" marR="0" algn="ctr">
+                        <a:lnSpc>
+                          <a:spcPct val="115000"/>
+                        </a:lnSpc>
+                        <a:spcBef>
+                          <a:spcPts val="0"/>
+                        </a:spcBef>
+                        <a:spcAft>
+                          <a:spcPts val="1000"/>
+                        </a:spcAft>
+                      </a:pPr>
+                      <a:r>
+                        <a:rPr lang="en-US" sz="2000" kern="100">
+                          <a:effectLst/>
+                        </a:rPr>
+                        <a:t>0.674 0.757 0.783</a:t>
+                      </a:r>
+                      <a:endParaRPr lang="en-US" sz="2000" kern="100">
+                        <a:effectLst/>
+                        <a:latin typeface="Aptos" panose="020B0004020202020204" pitchFamily="34" charset="0"/>
+                        <a:ea typeface="Aptos" panose="020B0004020202020204" pitchFamily="34" charset="0"/>
+                        <a:cs typeface="Arial" panose="020B0604020202020204" pitchFamily="34" charset="0"/>
+                      </a:endParaRPr>
+                    </a:p>
+                  </a:txBody>
+                  <a:tcPr marL="68580" marR="68580" marT="0" marB="0" anchor="ctr"/>
+                </a:tc>
+                <a:tc>
+                  <a:txBody>
+                    <a:bodyPr/>
+                    <a:lstStyle/>
+                    <a:p>
+                      <a:pPr marL="0" marR="0" algn="ctr">
+                        <a:lnSpc>
+                          <a:spcPct val="115000"/>
+                        </a:lnSpc>
+                        <a:spcBef>
+                          <a:spcPts val="0"/>
+                        </a:spcBef>
+                        <a:spcAft>
+                          <a:spcPts val="1000"/>
+                        </a:spcAft>
+                      </a:pPr>
+                      <a:r>
+                        <a:rPr lang="en-US" sz="2000" kern="100">
+                          <a:effectLst/>
+                        </a:rPr>
+                        <a:t>0.766 0.810 0.813</a:t>
+                      </a:r>
+                      <a:endParaRPr lang="en-US" sz="2000" kern="100">
+                        <a:effectLst/>
+                        <a:latin typeface="Aptos" panose="020B0004020202020204" pitchFamily="34" charset="0"/>
+                        <a:ea typeface="Aptos" panose="020B0004020202020204" pitchFamily="34" charset="0"/>
+                        <a:cs typeface="Arial" panose="020B0604020202020204" pitchFamily="34" charset="0"/>
+                      </a:endParaRPr>
+                    </a:p>
+                  </a:txBody>
+                  <a:tcPr marL="68580" marR="68580" marT="0" marB="0" anchor="ctr"/>
+                </a:tc>
+                <a:tc>
+                  <a:txBody>
+                    <a:bodyPr/>
+                    <a:lstStyle/>
+                    <a:p>
+                      <a:pPr marL="0" marR="0" algn="ctr">
+                        <a:lnSpc>
+                          <a:spcPct val="115000"/>
+                        </a:lnSpc>
+                        <a:spcBef>
+                          <a:spcPts val="0"/>
+                        </a:spcBef>
+                        <a:spcAft>
+                          <a:spcPts val="1000"/>
+                        </a:spcAft>
+                      </a:pPr>
+                      <a:r>
+                        <a:rPr lang="en-US" sz="2000" kern="100" dirty="0">
+                          <a:effectLst/>
+                        </a:rPr>
+                        <a:t>0.752 0.793 0.803</a:t>
+                      </a:r>
+                      <a:endParaRPr lang="en-US" sz="2000" kern="100" dirty="0">
+                        <a:effectLst/>
+                        <a:latin typeface="Aptos" panose="020B0004020202020204" pitchFamily="34" charset="0"/>
+                        <a:ea typeface="Aptos" panose="020B0004020202020204" pitchFamily="34" charset="0"/>
+                        <a:cs typeface="Arial" panose="020B0604020202020204" pitchFamily="34" charset="0"/>
+                      </a:endParaRPr>
+                    </a:p>
+                  </a:txBody>
+                  <a:tcPr marL="68580" marR="68580" marT="0" marB="0" anchor="ctr"/>
+                </a:tc>
+                <a:extLst>
+                  <a:ext uri="{0D108BD9-81ED-4DB2-BD59-A6C34878D82A}">
+                    <a16:rowId xmlns:a16="http://schemas.microsoft.com/office/drawing/2014/main" val="1775710738"/>
+                  </a:ext>
+                </a:extLst>
+              </a:tr>
+            </a:tbl>
+          </a:graphicData>
+        </a:graphic>
+      </p:graphicFrame>
     </p:spTree>
     <p:extLst>
       <p:ext uri="{BB962C8B-B14F-4D97-AF65-F5344CB8AC3E}">
@@ -16312,7 +17927,7 @@
 </p:sld>
 </file>
 
-<file path=ppt/slides/slide12.xml><?xml version="1.0" encoding="utf-8"?>
+<file path=ppt/slides/slide13.xml><?xml version="1.0" encoding="utf-8"?>
 <p:sld xmlns:a="http://schemas.openxmlformats.org/drawingml/2006/main" xmlns:r="http://schemas.openxmlformats.org/officeDocument/2006/relationships" xmlns:p="http://schemas.openxmlformats.org/presentationml/2006/main">
   <p:cSld>
     <p:spTree>
@@ -16470,47 +18085,11 @@
           <a:p>
             <a:r>
               <a:rPr lang="en-US" sz="4800" dirty="0"/>
-              <a:t>Predictive Analysis</a:t>
+              <a:t>6. Predictive Analysis</a:t>
             </a:r>
           </a:p>
         </p:txBody>
       </p:sp>
-      <p:pic>
-        <p:nvPicPr>
-          <p:cNvPr id="6" name="Picture 5" descr="A graph of a number of blue and white bars&#10;&#10;Description automatically generated">
-            <a:extLst>
-              <a:ext uri="{FF2B5EF4-FFF2-40B4-BE49-F238E27FC236}">
-                <a16:creationId xmlns:a16="http://schemas.microsoft.com/office/drawing/2014/main" id="{46DE6855-50C8-1744-98BC-9B682427E2D1}"/>
-              </a:ext>
-            </a:extLst>
-          </p:cNvPr>
-          <p:cNvPicPr>
-            <a:picLocks noChangeAspect="1"/>
-          </p:cNvPicPr>
-          <p:nvPr/>
-        </p:nvPicPr>
-        <p:blipFill>
-          <a:blip r:embed="rId3">
-            <a:extLst>
-              <a:ext uri="{28A0092B-C50C-407E-A947-70E740481C1C}">
-                <a14:useLocalDpi xmlns:a14="http://schemas.microsoft.com/office/drawing/2010/main" val="0"/>
-              </a:ext>
-            </a:extLst>
-          </a:blip>
-          <a:stretch>
-            <a:fillRect/>
-          </a:stretch>
-        </p:blipFill>
-        <p:spPr>
-          <a:xfrm>
-            <a:off x="1876051" y="1008526"/>
-            <a:ext cx="8437114" cy="5794950"/>
-          </a:xfrm>
-          <a:prstGeom prst="rect">
-            <a:avLst/>
-          </a:prstGeom>
-        </p:spPr>
-      </p:pic>
       <p:sp>
         <p:nvSpPr>
           <p:cNvPr id="7" name="TextBox 6">
@@ -16563,6 +18142,47 @@
           </a:p>
         </p:txBody>
       </p:sp>
+      <p:pic>
+        <p:nvPicPr>
+          <p:cNvPr id="3" name="Picture 2" descr="A graph of a number of blue and white bars&#10;&#10;Description automatically generated">
+            <a:extLst>
+              <a:ext uri="{FF2B5EF4-FFF2-40B4-BE49-F238E27FC236}">
+                <a16:creationId xmlns:a16="http://schemas.microsoft.com/office/drawing/2014/main" id="{B07DB236-682C-3704-CA68-90ABBBC2DD4B}"/>
+              </a:ext>
+            </a:extLst>
+          </p:cNvPr>
+          <p:cNvPicPr>
+            <a:picLocks noChangeAspect="1"/>
+          </p:cNvPicPr>
+          <p:nvPr/>
+        </p:nvPicPr>
+        <p:blipFill>
+          <a:blip r:embed="rId3" cstate="print">
+            <a:extLst>
+              <a:ext uri="{28A0092B-C50C-407E-A947-70E740481C1C}">
+                <a14:useLocalDpi xmlns:a14="http://schemas.microsoft.com/office/drawing/2010/main" val="0"/>
+              </a:ext>
+            </a:extLst>
+          </a:blip>
+          <a:srcRect/>
+          <a:stretch>
+            <a:fillRect/>
+          </a:stretch>
+        </p:blipFill>
+        <p:spPr bwMode="auto">
+          <a:xfrm>
+            <a:off x="2463989" y="1303945"/>
+            <a:ext cx="7598573" cy="5194731"/>
+          </a:xfrm>
+          <a:prstGeom prst="rect">
+            <a:avLst/>
+          </a:prstGeom>
+          <a:noFill/>
+          <a:ln>
+            <a:noFill/>
+          </a:ln>
+        </p:spPr>
+      </p:pic>
     </p:spTree>
     <p:extLst>
       <p:ext uri="{BB962C8B-B14F-4D97-AF65-F5344CB8AC3E}">
@@ -16576,7 +18196,7 @@
 </p:sld>
 </file>
 
-<file path=ppt/slides/slide13.xml><?xml version="1.0" encoding="utf-8"?>
+<file path=ppt/slides/slide14.xml><?xml version="1.0" encoding="utf-8"?>
 <p:sld xmlns:a="http://schemas.openxmlformats.org/drawingml/2006/main" xmlns:r="http://schemas.openxmlformats.org/officeDocument/2006/relationships" xmlns:p="http://schemas.openxmlformats.org/presentationml/2006/main">
   <p:cSld>
     <p:spTree>
@@ -16775,7 +18395,7 @@
           <a:p>
             <a:r>
               <a:rPr lang="en-US" sz="4800" dirty="0"/>
-              <a:t> Descriptive Analysis (Kmeans)</a:t>
+              <a:t> 7. Descriptive Analysis (Kmeans)</a:t>
             </a:r>
           </a:p>
         </p:txBody>
@@ -17014,7 +18634,7 @@
 </p:sld>
 </file>
 
-<file path=ppt/slides/slide14.xml><?xml version="1.0" encoding="utf-8"?>
+<file path=ppt/slides/slide15.xml><?xml version="1.0" encoding="utf-8"?>
 <p:sld xmlns:a="http://schemas.openxmlformats.org/drawingml/2006/main" xmlns:r="http://schemas.openxmlformats.org/officeDocument/2006/relationships" xmlns:p="http://schemas.openxmlformats.org/presentationml/2006/main">
   <p:cSld>
     <p:spTree>
@@ -17208,7 +18828,7 @@
           <a:p>
             <a:r>
               <a:rPr lang="en-US" sz="4800" dirty="0"/>
-              <a:t>Kmeans Map-Reduce</a:t>
+              <a:t>8. Kmeans Map-Reduce</a:t>
             </a:r>
           </a:p>
         </p:txBody>
@@ -17659,7 +19279,7 @@
 </p:sld>
 </file>
 
-<file path=ppt/slides/slide15.xml><?xml version="1.0" encoding="utf-8"?>
+<file path=ppt/slides/slide16.xml><?xml version="1.0" encoding="utf-8"?>
 <p:sld xmlns:a="http://schemas.openxmlformats.org/drawingml/2006/main" xmlns:r="http://schemas.openxmlformats.org/officeDocument/2006/relationships" xmlns:p="http://schemas.openxmlformats.org/presentationml/2006/main">
   <p:cSld>
     <p:spTree>
@@ -17817,11 +19437,99 @@
           <a:p>
             <a:r>
               <a:rPr lang="en-US" sz="4800" dirty="0"/>
-              <a:t>Random Forest on ML Studio</a:t>
+              <a:t>9.  Random Forest on ML Studio</a:t>
             </a:r>
           </a:p>
         </p:txBody>
       </p:sp>
+      <p:pic>
+        <p:nvPicPr>
+          <p:cNvPr id="2" name="Picture 1" descr="A screenshot of a computer&#10;&#10;Description automatically generated">
+            <a:extLst>
+              <a:ext uri="{FF2B5EF4-FFF2-40B4-BE49-F238E27FC236}">
+                <a16:creationId xmlns:a16="http://schemas.microsoft.com/office/drawing/2014/main" id="{49BFD1CC-4C1D-AB5E-3785-368F4DB74605}"/>
+              </a:ext>
+            </a:extLst>
+          </p:cNvPr>
+          <p:cNvPicPr>
+            <a:picLocks noChangeAspect="1"/>
+          </p:cNvPicPr>
+          <p:nvPr/>
+        </p:nvPicPr>
+        <p:blipFill>
+          <a:blip r:embed="rId3">
+            <a:extLst>
+              <a:ext uri="{28A0092B-C50C-407E-A947-70E740481C1C}">
+                <a14:useLocalDpi xmlns:a14="http://schemas.microsoft.com/office/drawing/2010/main" val="0"/>
+              </a:ext>
+            </a:extLst>
+          </a:blip>
+          <a:srcRect/>
+          <a:stretch>
+            <a:fillRect/>
+          </a:stretch>
+        </p:blipFill>
+        <p:spPr bwMode="auto">
+          <a:xfrm>
+            <a:off x="958836" y="1421175"/>
+            <a:ext cx="10274328" cy="4567617"/>
+          </a:xfrm>
+          <a:prstGeom prst="rect">
+            <a:avLst/>
+          </a:prstGeom>
+          <a:noFill/>
+          <a:ln>
+            <a:noFill/>
+          </a:ln>
+        </p:spPr>
+      </p:pic>
+      <p:pic>
+        <p:nvPicPr>
+          <p:cNvPr id="5122" name="Picture 2" descr="Azure Machine Learning Service Logo PNG Vector (AI, PDF, SVG) Free Download">
+            <a:extLst>
+              <a:ext uri="{FF2B5EF4-FFF2-40B4-BE49-F238E27FC236}">
+                <a16:creationId xmlns:a16="http://schemas.microsoft.com/office/drawing/2014/main" id="{FF098923-85B7-55B7-36A8-143124E738F4}"/>
+              </a:ext>
+            </a:extLst>
+          </p:cNvPr>
+          <p:cNvPicPr>
+            <a:picLocks noChangeAspect="1" noChangeArrowheads="1"/>
+          </p:cNvPicPr>
+          <p:nvPr/>
+        </p:nvPicPr>
+        <p:blipFill>
+          <a:blip r:embed="rId4">
+            <a:extLst>
+              <a:ext uri="{28A0092B-C50C-407E-A947-70E740481C1C}">
+                <a14:useLocalDpi xmlns:a14="http://schemas.microsoft.com/office/drawing/2010/main" val="0"/>
+              </a:ext>
+            </a:extLst>
+          </a:blip>
+          <a:srcRect/>
+          <a:stretch>
+            <a:fillRect/>
+          </a:stretch>
+        </p:blipFill>
+        <p:spPr bwMode="auto">
+          <a:xfrm>
+            <a:off x="9967900" y="324321"/>
+            <a:ext cx="1268044" cy="1358619"/>
+          </a:xfrm>
+          <a:prstGeom prst="rect">
+            <a:avLst/>
+          </a:prstGeom>
+          <a:noFill/>
+          <a:extLst>
+            <a:ext uri="{909E8E84-426E-40DD-AFC4-6F175D3DCCD1}">
+              <a14:hiddenFill xmlns:a14="http://schemas.microsoft.com/office/drawing/2010/main">
+                <a:solidFill>
+                  <a:srgbClr val="FFFFFF"/>
+                </a:solidFill>
+              </a14:hiddenFill>
+            </a:ext>
+          </a:extLst>
+        </p:spPr>
+      </p:pic>
     </p:spTree>
     <p:extLst>
       <p:ext uri="{BB962C8B-B14F-4D97-AF65-F5344CB8AC3E}">
@@ -17835,12 +19543,12 @@
 </p:sld>
 </file>
 
-<file path=ppt/slides/slide16.xml><?xml version="1.0" encoding="utf-8"?>
+<file path=ppt/slides/slide17.xml><?xml version="1.0" encoding="utf-8"?>
 <p:sld xmlns:a="http://schemas.openxmlformats.org/drawingml/2006/main" xmlns:r="http://schemas.openxmlformats.org/officeDocument/2006/relationships" xmlns:p="http://schemas.openxmlformats.org/presentationml/2006/main">
   <p:cSld>
     <p:spTree>
       <p:nvGrpSpPr>
-        <p:cNvPr id="1" name="Shape 406"/>
+        <p:cNvPr id="1" name="Shape 778"/>
         <p:cNvGrpSpPr/>
         <p:nvPr/>
       </p:nvGrpSpPr>
@@ -17852,31 +19560,331 @@
           <a:chExt cx="0" cy="0"/>
         </a:xfrm>
       </p:grpSpPr>
-    </p:spTree>
-  </p:cSld>
-  <p:clrMapOvr>
-    <a:masterClrMapping/>
-  </p:clrMapOvr>
-</p:sld>
-</file>
-
-<file path=ppt/slides/slide17.xml><?xml version="1.0" encoding="utf-8"?>
-<p:sld xmlns:a="http://schemas.openxmlformats.org/drawingml/2006/main" xmlns:r="http://schemas.openxmlformats.org/officeDocument/2006/relationships" xmlns:p="http://schemas.openxmlformats.org/presentationml/2006/main">
-  <p:cSld>
-    <p:spTree>
-      <p:nvGrpSpPr>
-        <p:cNvPr id="1" name="Shape 477"/>
-        <p:cNvGrpSpPr/>
-        <p:nvPr/>
-      </p:nvGrpSpPr>
-      <p:grpSpPr>
-        <a:xfrm>
-          <a:off x="0" y="0"/>
-          <a:ext cx="0" cy="0"/>
-          <a:chOff x="0" y="0"/>
-          <a:chExt cx="0" cy="0"/>
-        </a:xfrm>
-      </p:grpSpPr>
+      <p:pic>
+        <p:nvPicPr>
+          <p:cNvPr id="3074" name="Picture 2" descr="The Sad Little Boy Got the Worst `F` Grade. the Concept of a Failed Test,  Exam Stock Vector - Illustration of european, knowledge: 193523472">
+            <a:extLst>
+              <a:ext uri="{FF2B5EF4-FFF2-40B4-BE49-F238E27FC236}">
+                <a16:creationId xmlns:a16="http://schemas.microsoft.com/office/drawing/2014/main" id="{AA7E676C-78F2-9A75-BB82-C2516F045694}"/>
+              </a:ext>
+            </a:extLst>
+          </p:cNvPr>
+          <p:cNvPicPr>
+            <a:picLocks noChangeAspect="1" noChangeArrowheads="1"/>
+          </p:cNvPicPr>
+          <p:nvPr/>
+        </p:nvPicPr>
+        <p:blipFill>
+          <a:blip r:embed="rId3">
+            <a:extLst>
+              <a:ext uri="{28A0092B-C50C-407E-A947-70E740481C1C}">
+                <a14:useLocalDpi xmlns:a14="http://schemas.microsoft.com/office/drawing/2010/main" val="0"/>
+              </a:ext>
+            </a:extLst>
+          </a:blip>
+          <a:srcRect/>
+          <a:stretch>
+            <a:fillRect/>
+          </a:stretch>
+        </p:blipFill>
+        <p:spPr bwMode="auto">
+          <a:xfrm>
+            <a:off x="7735611" y="3415857"/>
+            <a:ext cx="3478925" cy="3478925"/>
+          </a:xfrm>
+          <a:prstGeom prst="rect">
+            <a:avLst/>
+          </a:prstGeom>
+          <a:noFill/>
+          <a:extLst>
+            <a:ext uri="{909E8E84-426E-40DD-AFC4-6F175D3DCCD1}">
+              <a14:hiddenFill xmlns:a14="http://schemas.microsoft.com/office/drawing/2010/main">
+                <a:solidFill>
+                  <a:srgbClr val="FFFFFF"/>
+                </a:solidFill>
+              </a14:hiddenFill>
+            </a:ext>
+          </a:extLst>
+        </p:spPr>
+      </p:pic>
+      <p:sp>
+        <p:nvSpPr>
+          <p:cNvPr id="3" name="TextBox 2">
+            <a:extLst>
+              <a:ext uri="{FF2B5EF4-FFF2-40B4-BE49-F238E27FC236}">
+                <a16:creationId xmlns:a16="http://schemas.microsoft.com/office/drawing/2014/main" id="{B570160F-D618-9ECC-13F9-2EF696BD8E10}"/>
+              </a:ext>
+            </a:extLst>
+          </p:cNvPr>
+          <p:cNvSpPr txBox="1"/>
+          <p:nvPr/>
+        </p:nvSpPr>
+        <p:spPr>
+          <a:xfrm>
+            <a:off x="578068" y="1501712"/>
+            <a:ext cx="11035862" cy="2155014"/>
+          </a:xfrm>
+          <a:prstGeom prst="rect">
+            <a:avLst/>
+          </a:prstGeom>
+          <a:noFill/>
+        </p:spPr>
+        <p:txBody>
+          <a:bodyPr wrap="square">
+            <a:spAutoFit/>
+          </a:bodyPr>
+          <a:lstStyle/>
+          <a:p>
+            <a:pPr marL="342900" marR="0" lvl="0" indent="-342900">
+              <a:lnSpc>
+                <a:spcPct val="115000"/>
+              </a:lnSpc>
+              <a:spcBef>
+                <a:spcPts val="0"/>
+              </a:spcBef>
+              <a:spcAft>
+                <a:spcPts val="1000"/>
+              </a:spcAft>
+              <a:buFont typeface="Wingdings" panose="05000000000000000000" pitchFamily="2" charset="2"/>
+              <a:buChar char=""/>
+            </a:pPr>
+            <a:r>
+              <a:rPr lang="en-US" sz="2400" dirty="0">
+                <a:effectLst/>
+                <a:latin typeface="Aptos" panose="020B0004020202020204" pitchFamily="34" charset="0"/>
+                <a:ea typeface="Aptos" panose="020B0004020202020204" pitchFamily="34" charset="0"/>
+                <a:cs typeface="Arial" panose="020B0604020202020204" pitchFamily="34" charset="0"/>
+              </a:rPr>
+              <a:t>Using All features (excluding identifiers like SSN, Name ,..) in the models training</a:t>
+            </a:r>
+          </a:p>
+          <a:p>
+            <a:pPr marL="800100" lvl="1" indent="-342900">
+              <a:lnSpc>
+                <a:spcPct val="115000"/>
+              </a:lnSpc>
+              <a:spcAft>
+                <a:spcPts val="1000"/>
+              </a:spcAft>
+              <a:buFont typeface="Wingdings" panose="05000000000000000000" pitchFamily="2" charset="2"/>
+              <a:buChar char="Ø"/>
+            </a:pPr>
+            <a:r>
+              <a:rPr lang="en-US" sz="2400" dirty="0">
+                <a:effectLst/>
+                <a:latin typeface="Aptos" panose="020B0004020202020204" pitchFamily="34" charset="0"/>
+                <a:ea typeface="Aptos" panose="020B0004020202020204" pitchFamily="34" charset="0"/>
+                <a:cs typeface="Arial" panose="020B0604020202020204" pitchFamily="34" charset="0"/>
+              </a:rPr>
+              <a:t>Too long time to train </a:t>
+            </a:r>
+            <a:endParaRPr lang="en-US" sz="2400" dirty="0">
+              <a:latin typeface="Aptos" panose="020B0004020202020204" pitchFamily="34" charset="0"/>
+              <a:ea typeface="Aptos" panose="020B0004020202020204" pitchFamily="34" charset="0"/>
+              <a:cs typeface="Arial" panose="020B0604020202020204" pitchFamily="34" charset="0"/>
+            </a:endParaRPr>
+          </a:p>
+          <a:p>
+            <a:pPr marL="800100" lvl="1" indent="-342900">
+              <a:lnSpc>
+                <a:spcPct val="115000"/>
+              </a:lnSpc>
+              <a:spcAft>
+                <a:spcPts val="1000"/>
+              </a:spcAft>
+              <a:buFont typeface="Wingdings" panose="05000000000000000000" pitchFamily="2" charset="2"/>
+              <a:buChar char="Ø"/>
+            </a:pPr>
+            <a:r>
+              <a:rPr lang="en-US" sz="2400" dirty="0">
+                <a:latin typeface="Aptos" panose="020B0004020202020204" pitchFamily="34" charset="0"/>
+                <a:ea typeface="Aptos" panose="020B0004020202020204" pitchFamily="34" charset="0"/>
+                <a:cs typeface="Arial" panose="020B0604020202020204" pitchFamily="34" charset="0"/>
+              </a:rPr>
+              <a:t>C</a:t>
+            </a:r>
+            <a:r>
+              <a:rPr lang="en-US" sz="2400" dirty="0">
+                <a:effectLst/>
+                <a:latin typeface="Aptos" panose="020B0004020202020204" pitchFamily="34" charset="0"/>
+                <a:ea typeface="Aptos" panose="020B0004020202020204" pitchFamily="34" charset="0"/>
+                <a:cs typeface="Arial" panose="020B0604020202020204" pitchFamily="34" charset="0"/>
+              </a:rPr>
+              <a:t>urse of dimensionality (overfitting)</a:t>
+            </a:r>
+          </a:p>
+          <a:p>
+            <a:pPr marL="342900" marR="0" lvl="0" indent="-342900">
+              <a:lnSpc>
+                <a:spcPct val="115000"/>
+              </a:lnSpc>
+              <a:spcBef>
+                <a:spcPts val="0"/>
+              </a:spcBef>
+              <a:spcAft>
+                <a:spcPts val="1000"/>
+              </a:spcAft>
+              <a:buFont typeface="Wingdings" panose="05000000000000000000" pitchFamily="2" charset="2"/>
+              <a:buChar char=""/>
+            </a:pPr>
+            <a:r>
+              <a:rPr lang="en-US" sz="2400" dirty="0">
+                <a:effectLst/>
+                <a:latin typeface="Aptos" panose="020B0004020202020204" pitchFamily="34" charset="0"/>
+                <a:ea typeface="Aptos" panose="020B0004020202020204" pitchFamily="34" charset="0"/>
+                <a:cs typeface="Arial" panose="020B0604020202020204" pitchFamily="34" charset="0"/>
+              </a:rPr>
+              <a:t>Clear in Clustering using all features vs using ones with most importance</a:t>
+            </a:r>
+          </a:p>
+        </p:txBody>
+      </p:sp>
+      <p:sp>
+        <p:nvSpPr>
+          <p:cNvPr id="4" name="Google Shape;179;p19">
+            <a:extLst>
+              <a:ext uri="{FF2B5EF4-FFF2-40B4-BE49-F238E27FC236}">
+                <a16:creationId xmlns:a16="http://schemas.microsoft.com/office/drawing/2014/main" id="{56AACDFB-9227-071B-20C6-1837D33970F9}"/>
+              </a:ext>
+            </a:extLst>
+          </p:cNvPr>
+          <p:cNvSpPr txBox="1">
+            <a:spLocks/>
+          </p:cNvSpPr>
+          <p:nvPr/>
+        </p:nvSpPr>
+        <p:spPr>
+          <a:xfrm>
+            <a:off x="1381518" y="318713"/>
+            <a:ext cx="9428962" cy="921295"/>
+          </a:xfrm>
+          <a:prstGeom prst="rect">
+            <a:avLst/>
+          </a:prstGeom>
+        </p:spPr>
+        <p:txBody>
+          <a:bodyPr spcFirstLastPara="1" vert="horz" wrap="square" lIns="121900" tIns="121900" rIns="121900" bIns="121900" rtlCol="0" anchor="ctr" anchorCtr="0">
+            <a:noAutofit/>
+          </a:bodyPr>
+          <a:lstStyle>
+            <a:lvl1pPr lvl="0" algn="ctr" defTabSz="914400" rtl="0" eaLnBrk="1" latinLnBrk="0" hangingPunct="1">
+              <a:lnSpc>
+                <a:spcPct val="90000"/>
+              </a:lnSpc>
+              <a:spcBef>
+                <a:spcPts val="0"/>
+              </a:spcBef>
+              <a:spcAft>
+                <a:spcPts val="0"/>
+              </a:spcAft>
+              <a:buSzPts val="2400"/>
+              <a:buNone/>
+              <a:defRPr sz="3733" kern="1200">
+                <a:solidFill>
+                  <a:schemeClr val="tx1"/>
+                </a:solidFill>
+                <a:latin typeface="+mj-lt"/>
+                <a:ea typeface="+mj-ea"/>
+                <a:cs typeface="+mj-cs"/>
+              </a:defRPr>
+            </a:lvl1pPr>
+            <a:lvl2pPr lvl="1" rtl="0">
+              <a:spcBef>
+                <a:spcPts val="0"/>
+              </a:spcBef>
+              <a:spcAft>
+                <a:spcPts val="0"/>
+              </a:spcAft>
+              <a:buSzPts val="3500"/>
+              <a:buNone/>
+              <a:defRPr/>
+            </a:lvl2pPr>
+            <a:lvl3pPr lvl="2" rtl="0">
+              <a:spcBef>
+                <a:spcPts val="0"/>
+              </a:spcBef>
+              <a:spcAft>
+                <a:spcPts val="0"/>
+              </a:spcAft>
+              <a:buSzPts val="3500"/>
+              <a:buNone/>
+              <a:defRPr/>
+            </a:lvl3pPr>
+            <a:lvl4pPr lvl="3" rtl="0">
+              <a:spcBef>
+                <a:spcPts val="0"/>
+              </a:spcBef>
+              <a:spcAft>
+                <a:spcPts val="0"/>
+              </a:spcAft>
+              <a:buSzPts val="3500"/>
+              <a:buNone/>
+              <a:defRPr/>
+            </a:lvl4pPr>
+            <a:lvl5pPr lvl="4" rtl="0">
+              <a:spcBef>
+                <a:spcPts val="0"/>
+              </a:spcBef>
+              <a:spcAft>
+                <a:spcPts val="0"/>
+              </a:spcAft>
+              <a:buSzPts val="3500"/>
+              <a:buNone/>
+              <a:defRPr/>
+            </a:lvl5pPr>
+            <a:lvl6pPr lvl="5" rtl="0">
+              <a:spcBef>
+                <a:spcPts val="0"/>
+              </a:spcBef>
+              <a:spcAft>
+                <a:spcPts val="0"/>
+              </a:spcAft>
+              <a:buSzPts val="3500"/>
+              <a:buNone/>
+              <a:defRPr/>
+            </a:lvl6pPr>
+            <a:lvl7pPr lvl="6" rtl="0">
+              <a:spcBef>
+                <a:spcPts val="0"/>
+              </a:spcBef>
+              <a:spcAft>
+                <a:spcPts val="0"/>
+              </a:spcAft>
+              <a:buSzPts val="3500"/>
+              <a:buNone/>
+              <a:defRPr/>
+            </a:lvl7pPr>
+            <a:lvl8pPr lvl="7" rtl="0">
+              <a:spcBef>
+                <a:spcPts val="0"/>
+              </a:spcBef>
+              <a:spcAft>
+                <a:spcPts val="0"/>
+              </a:spcAft>
+              <a:buSzPts val="3500"/>
+              <a:buNone/>
+              <a:defRPr/>
+            </a:lvl8pPr>
+            <a:lvl9pPr lvl="8" rtl="0">
+              <a:spcBef>
+                <a:spcPts val="0"/>
+              </a:spcBef>
+              <a:spcAft>
+                <a:spcPts val="0"/>
+              </a:spcAft>
+              <a:buSzPts val="3500"/>
+              <a:buNone/>
+              <a:defRPr/>
+            </a:lvl9pPr>
+          </a:lstStyle>
+          <a:p>
+            <a:r>
+              <a:rPr lang="en-US" sz="4800" dirty="0"/>
+              <a:t>10 .Unsuccessful Trials</a:t>
+            </a:r>
+          </a:p>
+        </p:txBody>
+      </p:sp>
     </p:spTree>
   </p:cSld>
   <p:clrMapOvr>
@@ -17886,81 +19894,6 @@
 </file>
 
 <file path=ppt/slides/slide18.xml><?xml version="1.0" encoding="utf-8"?>
-<p:sld xmlns:a="http://schemas.openxmlformats.org/drawingml/2006/main" xmlns:r="http://schemas.openxmlformats.org/officeDocument/2006/relationships" xmlns:p="http://schemas.openxmlformats.org/presentationml/2006/main">
-  <p:cSld>
-    <p:spTree>
-      <p:nvGrpSpPr>
-        <p:cNvPr id="1" name="Shape 582"/>
-        <p:cNvGrpSpPr/>
-        <p:nvPr/>
-      </p:nvGrpSpPr>
-      <p:grpSpPr>
-        <a:xfrm>
-          <a:off x="0" y="0"/>
-          <a:ext cx="0" cy="0"/>
-          <a:chOff x="0" y="0"/>
-          <a:chExt cx="0" cy="0"/>
-        </a:xfrm>
-      </p:grpSpPr>
-    </p:spTree>
-  </p:cSld>
-  <p:clrMapOvr>
-    <a:masterClrMapping/>
-  </p:clrMapOvr>
-</p:sld>
-</file>
-
-<file path=ppt/slides/slide19.xml><?xml version="1.0" encoding="utf-8"?>
-<p:sld xmlns:a="http://schemas.openxmlformats.org/drawingml/2006/main" xmlns:r="http://schemas.openxmlformats.org/officeDocument/2006/relationships" xmlns:p="http://schemas.openxmlformats.org/presentationml/2006/main">
-  <p:cSld>
-    <p:spTree>
-      <p:nvGrpSpPr>
-        <p:cNvPr id="1" name="Shape 641"/>
-        <p:cNvGrpSpPr/>
-        <p:nvPr/>
-      </p:nvGrpSpPr>
-      <p:grpSpPr>
-        <a:xfrm>
-          <a:off x="0" y="0"/>
-          <a:ext cx="0" cy="0"/>
-          <a:chOff x="0" y="0"/>
-          <a:chExt cx="0" cy="0"/>
-        </a:xfrm>
-      </p:grpSpPr>
-    </p:spTree>
-  </p:cSld>
-  <p:clrMapOvr>
-    <a:masterClrMapping/>
-  </p:clrMapOvr>
-</p:sld>
-</file>
-
-<file path=ppt/slides/slide2.xml><?xml version="1.0" encoding="utf-8"?>
-<p:sld xmlns:a="http://schemas.openxmlformats.org/drawingml/2006/main" xmlns:r="http://schemas.openxmlformats.org/officeDocument/2006/relationships" xmlns:p="http://schemas.openxmlformats.org/presentationml/2006/main">
-  <p:cSld>
-    <p:spTree>
-      <p:nvGrpSpPr>
-        <p:cNvPr id="1" name="Shape 199"/>
-        <p:cNvGrpSpPr/>
-        <p:nvPr/>
-      </p:nvGrpSpPr>
-      <p:grpSpPr>
-        <a:xfrm>
-          <a:off x="0" y="0"/>
-          <a:ext cx="0" cy="0"/>
-          <a:chOff x="0" y="0"/>
-          <a:chExt cx="0" cy="0"/>
-        </a:xfrm>
-      </p:grpSpPr>
-    </p:spTree>
-  </p:cSld>
-  <p:clrMapOvr>
-    <a:masterClrMapping/>
-  </p:clrMapOvr>
-</p:sld>
-</file>
-
-<file path=ppt/slides/slide20.xml><?xml version="1.0" encoding="utf-8"?>
 <p:sld xmlns:a="http://schemas.openxmlformats.org/drawingml/2006/main" xmlns:r="http://schemas.openxmlformats.org/officeDocument/2006/relationships" xmlns:p="http://schemas.openxmlformats.org/presentationml/2006/main">
   <p:cSld>
     <p:spTree>
@@ -18006,7 +19939,7 @@
         </p:blipFill>
         <p:spPr bwMode="auto">
           <a:xfrm>
-            <a:off x="899360" y="2401068"/>
+            <a:off x="899359" y="2764853"/>
             <a:ext cx="10393279" cy="3402965"/>
           </a:xfrm>
           <a:prstGeom prst="rect">
@@ -18018,7 +19951,280 @@
           </a:ln>
         </p:spPr>
       </p:pic>
+      <p:sp>
+        <p:nvSpPr>
+          <p:cNvPr id="3" name="TextBox 2">
+            <a:extLst>
+              <a:ext uri="{FF2B5EF4-FFF2-40B4-BE49-F238E27FC236}">
+                <a16:creationId xmlns:a16="http://schemas.microsoft.com/office/drawing/2014/main" id="{47B366A0-D590-537C-17BA-DCB634B6140F}"/>
+              </a:ext>
+            </a:extLst>
+          </p:cNvPr>
+          <p:cNvSpPr txBox="1"/>
+          <p:nvPr/>
+        </p:nvSpPr>
+        <p:spPr>
+          <a:xfrm>
+            <a:off x="899359" y="1354430"/>
+            <a:ext cx="10393278" cy="1049070"/>
+          </a:xfrm>
+          <a:prstGeom prst="rect">
+            <a:avLst/>
+          </a:prstGeom>
+          <a:noFill/>
+        </p:spPr>
+        <p:txBody>
+          <a:bodyPr wrap="square">
+            <a:spAutoFit/>
+          </a:bodyPr>
+          <a:lstStyle/>
+          <a:p>
+            <a:pPr marL="342900" marR="0" lvl="0" indent="-342900">
+              <a:lnSpc>
+                <a:spcPct val="115000"/>
+              </a:lnSpc>
+              <a:spcBef>
+                <a:spcPts val="0"/>
+              </a:spcBef>
+              <a:spcAft>
+                <a:spcPts val="1000"/>
+              </a:spcAft>
+              <a:buFont typeface="Arial" panose="020B0604020202020204" pitchFamily="34" charset="0"/>
+              <a:buChar char="•"/>
+            </a:pPr>
+            <a:r>
+              <a:rPr lang="en-US" sz="2400" dirty="0">
+                <a:effectLst/>
+                <a:latin typeface="Aptos" panose="020B0004020202020204" pitchFamily="34" charset="0"/>
+                <a:ea typeface="Aptos" panose="020B0004020202020204" pitchFamily="34" charset="0"/>
+                <a:cs typeface="Arial" panose="020B0604020202020204" pitchFamily="34" charset="0"/>
+              </a:rPr>
+              <a:t>Trying other Models (KNN, Decision Tree)</a:t>
+            </a:r>
+          </a:p>
+          <a:p>
+            <a:pPr marL="342900" marR="0" lvl="0" indent="-342900">
+              <a:lnSpc>
+                <a:spcPct val="115000"/>
+              </a:lnSpc>
+              <a:spcBef>
+                <a:spcPts val="0"/>
+              </a:spcBef>
+              <a:spcAft>
+                <a:spcPts val="1000"/>
+              </a:spcAft>
+              <a:buFont typeface="Arial" panose="020B0604020202020204" pitchFamily="34" charset="0"/>
+              <a:buChar char="•"/>
+            </a:pPr>
+            <a:r>
+              <a:rPr lang="en-US" sz="2400" dirty="0">
+                <a:effectLst/>
+                <a:latin typeface="Aptos" panose="020B0004020202020204" pitchFamily="34" charset="0"/>
+                <a:ea typeface="Aptos" panose="020B0004020202020204" pitchFamily="34" charset="0"/>
+                <a:cs typeface="Arial" panose="020B0604020202020204" pitchFamily="34" charset="0"/>
+              </a:rPr>
+              <a:t>Apply Map Reduce on Multi Machine</a:t>
+            </a:r>
+          </a:p>
+        </p:txBody>
+      </p:sp>
+      <p:sp>
+        <p:nvSpPr>
+          <p:cNvPr id="4" name="Google Shape;179;p19">
+            <a:extLst>
+              <a:ext uri="{FF2B5EF4-FFF2-40B4-BE49-F238E27FC236}">
+                <a16:creationId xmlns:a16="http://schemas.microsoft.com/office/drawing/2014/main" id="{42D3D382-26C1-3E0E-13D5-ACC04DA158E0}"/>
+              </a:ext>
+            </a:extLst>
+          </p:cNvPr>
+          <p:cNvSpPr txBox="1">
+            <a:spLocks/>
+          </p:cNvSpPr>
+          <p:nvPr/>
+        </p:nvSpPr>
+        <p:spPr>
+          <a:xfrm>
+            <a:off x="1381518" y="318713"/>
+            <a:ext cx="9428962" cy="921295"/>
+          </a:xfrm>
+          <a:prstGeom prst="rect">
+            <a:avLst/>
+          </a:prstGeom>
+        </p:spPr>
+        <p:txBody>
+          <a:bodyPr spcFirstLastPara="1" vert="horz" wrap="square" lIns="121900" tIns="121900" rIns="121900" bIns="121900" rtlCol="0" anchor="ctr" anchorCtr="0">
+            <a:noAutofit/>
+          </a:bodyPr>
+          <a:lstStyle>
+            <a:lvl1pPr lvl="0" algn="ctr" defTabSz="914400" rtl="0" eaLnBrk="1" latinLnBrk="0" hangingPunct="1">
+              <a:lnSpc>
+                <a:spcPct val="90000"/>
+              </a:lnSpc>
+              <a:spcBef>
+                <a:spcPts val="0"/>
+              </a:spcBef>
+              <a:spcAft>
+                <a:spcPts val="0"/>
+              </a:spcAft>
+              <a:buSzPts val="2400"/>
+              <a:buNone/>
+              <a:defRPr sz="3733" kern="1200">
+                <a:solidFill>
+                  <a:schemeClr val="tx1"/>
+                </a:solidFill>
+                <a:latin typeface="+mj-lt"/>
+                <a:ea typeface="+mj-ea"/>
+                <a:cs typeface="+mj-cs"/>
+              </a:defRPr>
+            </a:lvl1pPr>
+            <a:lvl2pPr lvl="1" rtl="0">
+              <a:spcBef>
+                <a:spcPts val="0"/>
+              </a:spcBef>
+              <a:spcAft>
+                <a:spcPts val="0"/>
+              </a:spcAft>
+              <a:buSzPts val="3500"/>
+              <a:buNone/>
+              <a:defRPr/>
+            </a:lvl2pPr>
+            <a:lvl3pPr lvl="2" rtl="0">
+              <a:spcBef>
+                <a:spcPts val="0"/>
+              </a:spcBef>
+              <a:spcAft>
+                <a:spcPts val="0"/>
+              </a:spcAft>
+              <a:buSzPts val="3500"/>
+              <a:buNone/>
+              <a:defRPr/>
+            </a:lvl3pPr>
+            <a:lvl4pPr lvl="3" rtl="0">
+              <a:spcBef>
+                <a:spcPts val="0"/>
+              </a:spcBef>
+              <a:spcAft>
+                <a:spcPts val="0"/>
+              </a:spcAft>
+              <a:buSzPts val="3500"/>
+              <a:buNone/>
+              <a:defRPr/>
+            </a:lvl4pPr>
+            <a:lvl5pPr lvl="4" rtl="0">
+              <a:spcBef>
+                <a:spcPts val="0"/>
+              </a:spcBef>
+              <a:spcAft>
+                <a:spcPts val="0"/>
+              </a:spcAft>
+              <a:buSzPts val="3500"/>
+              <a:buNone/>
+              <a:defRPr/>
+            </a:lvl5pPr>
+            <a:lvl6pPr lvl="5" rtl="0">
+              <a:spcBef>
+                <a:spcPts val="0"/>
+              </a:spcBef>
+              <a:spcAft>
+                <a:spcPts val="0"/>
+              </a:spcAft>
+              <a:buSzPts val="3500"/>
+              <a:buNone/>
+              <a:defRPr/>
+            </a:lvl6pPr>
+            <a:lvl7pPr lvl="6" rtl="0">
+              <a:spcBef>
+                <a:spcPts val="0"/>
+              </a:spcBef>
+              <a:spcAft>
+                <a:spcPts val="0"/>
+              </a:spcAft>
+              <a:buSzPts val="3500"/>
+              <a:buNone/>
+              <a:defRPr/>
+            </a:lvl7pPr>
+            <a:lvl8pPr lvl="7" rtl="0">
+              <a:spcBef>
+                <a:spcPts val="0"/>
+              </a:spcBef>
+              <a:spcAft>
+                <a:spcPts val="0"/>
+              </a:spcAft>
+              <a:buSzPts val="3500"/>
+              <a:buNone/>
+              <a:defRPr/>
+            </a:lvl8pPr>
+            <a:lvl9pPr lvl="8" rtl="0">
+              <a:spcBef>
+                <a:spcPts val="0"/>
+              </a:spcBef>
+              <a:spcAft>
+                <a:spcPts val="0"/>
+              </a:spcAft>
+              <a:buSzPts val="3500"/>
+              <a:buNone/>
+              <a:defRPr/>
+            </a:lvl9pPr>
+          </a:lstStyle>
+          <a:p>
+            <a:r>
+              <a:rPr lang="en-US" sz="4800" dirty="0"/>
+              <a:t>11. Future Work</a:t>
+            </a:r>
+          </a:p>
+        </p:txBody>
+      </p:sp>
+      <p:pic>
+        <p:nvPicPr>
+          <p:cNvPr id="4098" name="Picture 2" descr="Cartoon Drawing Of A Detective 5520215 Vector Art at Vecteezy">
+            <a:extLst>
+              <a:ext uri="{FF2B5EF4-FFF2-40B4-BE49-F238E27FC236}">
+                <a16:creationId xmlns:a16="http://schemas.microsoft.com/office/drawing/2014/main" id="{45F506ED-E54A-AA2D-2AFF-51CD81C9A7DC}"/>
+              </a:ext>
+            </a:extLst>
+          </p:cNvPr>
+          <p:cNvPicPr>
+            <a:picLocks noChangeAspect="1" noChangeArrowheads="1"/>
+          </p:cNvPicPr>
+          <p:nvPr/>
+        </p:nvPicPr>
+        <p:blipFill rotWithShape="1">
+          <a:blip r:embed="rId4">
+            <a:extLst>
+              <a:ext uri="{28A0092B-C50C-407E-A947-70E740481C1C}">
+                <a14:useLocalDpi xmlns:a14="http://schemas.microsoft.com/office/drawing/2010/main" val="0"/>
+              </a:ext>
+            </a:extLst>
+          </a:blip>
+          <a:srcRect l="7198" t="1429" r="8144" b="4315"/>
+          <a:stretch/>
+        </p:blipFill>
+        <p:spPr bwMode="auto">
+          <a:xfrm>
+            <a:off x="9133928" y="433135"/>
+            <a:ext cx="1986455" cy="2211655"/>
+          </a:xfrm>
+          <a:prstGeom prst="rect">
+            <a:avLst/>
+          </a:prstGeom>
+          <a:noFill/>
+          <a:extLst>
+            <a:ext uri="{909E8E84-426E-40DD-AFC4-6F175D3DCCD1}">
+              <a14:hiddenFill xmlns:a14="http://schemas.microsoft.com/office/drawing/2010/main">
+                <a:solidFill>
+                  <a:srgbClr val="FFFFFF"/>
+                </a:solidFill>
+              </a14:hiddenFill>
+            </a:ext>
+          </a:extLst>
+        </p:spPr>
+      </p:pic>
     </p:spTree>
+    <p:extLst>
+      <p:ext uri="{BB962C8B-B14F-4D97-AF65-F5344CB8AC3E}">
+        <p14:creationId xmlns:p14="http://schemas.microsoft.com/office/powerpoint/2010/main" val="1381222211"/>
+      </p:ext>
+    </p:extLst>
   </p:cSld>
   <p:clrMapOvr>
     <a:masterClrMapping/>
@@ -18026,7 +20232,7 @@
 </p:sld>
 </file>
 
-<file path=ppt/slides/slide21.xml><?xml version="1.0" encoding="utf-8"?>
+<file path=ppt/slides/slide19.xml><?xml version="1.0" encoding="utf-8"?>
 <p:sld xmlns:a="http://schemas.openxmlformats.org/drawingml/2006/main" xmlns:r="http://schemas.openxmlformats.org/officeDocument/2006/relationships" xmlns:p="http://schemas.openxmlformats.org/presentationml/2006/main">
   <p:cSld>
     <p:bg>
@@ -19353,7 +21559,7 @@
 </p:sld>
 </file>
 
-<file path=ppt/slides/slide3.xml><?xml version="1.0" encoding="utf-8"?>
+<file path=ppt/slides/slide2.xml><?xml version="1.0" encoding="utf-8"?>
 <p:sld xmlns:a="http://schemas.openxmlformats.org/drawingml/2006/main" xmlns:r="http://schemas.openxmlformats.org/officeDocument/2006/relationships" xmlns:p="http://schemas.openxmlformats.org/presentationml/2006/main">
   <p:cSld>
     <p:spTree>
@@ -19510,9 +21716,10 @@
           </a:lstStyle>
           <a:p>
             <a:r>
-              <a:rPr lang="en-US" sz="4800" dirty="0"/>
+              <a:rPr lang="en-US" sz="4800"/>
               <a:t>1. Data Set</a:t>
             </a:r>
+            <a:endParaRPr lang="en-US" sz="4800" dirty="0"/>
           </a:p>
         </p:txBody>
       </p:sp>
@@ -19530,7 +21737,7 @@
         </p:nvSpPr>
         <p:spPr>
           <a:xfrm>
-            <a:off x="596900" y="1391335"/>
+            <a:off x="596900" y="1128576"/>
             <a:ext cx="10807700" cy="461665"/>
           </a:xfrm>
           <a:prstGeom prst="rect">
@@ -19588,12 +21795,2492 @@
           </a:p>
         </p:txBody>
       </p:sp>
+      <p:graphicFrame>
+        <p:nvGraphicFramePr>
+          <p:cNvPr id="4" name="Table 3">
+            <a:extLst>
+              <a:ext uri="{FF2B5EF4-FFF2-40B4-BE49-F238E27FC236}">
+                <a16:creationId xmlns:a16="http://schemas.microsoft.com/office/drawing/2014/main" id="{E3B46B8C-F5D0-0831-C95F-1FE9F8A4341B}"/>
+              </a:ext>
+            </a:extLst>
+          </p:cNvPr>
+          <p:cNvGraphicFramePr>
+            <a:graphicFrameLocks noGrp="1"/>
+          </p:cNvGraphicFramePr>
+          <p:nvPr>
+            <p:extLst>
+              <p:ext uri="{D42A27DB-BD31-4B8C-83A1-F6EECF244321}">
+                <p14:modId xmlns:p14="http://schemas.microsoft.com/office/powerpoint/2010/main" val="2709526995"/>
+              </p:ext>
+            </p:extLst>
+          </p:nvPr>
+        </p:nvGraphicFramePr>
+        <p:xfrm>
+          <a:off x="2032000" y="2721632"/>
+          <a:ext cx="8128000" cy="2966720"/>
+        </p:xfrm>
+        <a:graphic>
+          <a:graphicData uri="http://schemas.openxmlformats.org/drawingml/2006/table">
+            <a:tbl>
+              <a:tblPr firstRow="1" bandRow="1">
+                <a:tableStyleId>{2D5ABB26-0587-4C30-8999-92F81FD0307C}</a:tableStyleId>
+              </a:tblPr>
+              <a:tblGrid>
+                <a:gridCol w="2032000">
+                  <a:extLst>
+                    <a:ext uri="{9D8B030D-6E8A-4147-A177-3AD203B41FA5}">
+                      <a16:colId xmlns:a16="http://schemas.microsoft.com/office/drawing/2014/main" val="552686408"/>
+                    </a:ext>
+                  </a:extLst>
+                </a:gridCol>
+                <a:gridCol w="2032000">
+                  <a:extLst>
+                    <a:ext uri="{9D8B030D-6E8A-4147-A177-3AD203B41FA5}">
+                      <a16:colId xmlns:a16="http://schemas.microsoft.com/office/drawing/2014/main" val="3516833078"/>
+                    </a:ext>
+                  </a:extLst>
+                </a:gridCol>
+                <a:gridCol w="2032000">
+                  <a:extLst>
+                    <a:ext uri="{9D8B030D-6E8A-4147-A177-3AD203B41FA5}">
+                      <a16:colId xmlns:a16="http://schemas.microsoft.com/office/drawing/2014/main" val="24289555"/>
+                    </a:ext>
+                  </a:extLst>
+                </a:gridCol>
+                <a:gridCol w="2032000">
+                  <a:extLst>
+                    <a:ext uri="{9D8B030D-6E8A-4147-A177-3AD203B41FA5}">
+                      <a16:colId xmlns:a16="http://schemas.microsoft.com/office/drawing/2014/main" val="2141722475"/>
+                    </a:ext>
+                  </a:extLst>
+                </a:gridCol>
+              </a:tblGrid>
+              <a:tr h="370840">
+                <a:tc>
+                  <a:txBody>
+                    <a:bodyPr/>
+                    <a:lstStyle/>
+                    <a:p>
+                      <a:pPr marL="0" marR="0" algn="ctr">
+                        <a:lnSpc>
+                          <a:spcPct val="115000"/>
+                        </a:lnSpc>
+                        <a:spcBef>
+                          <a:spcPts val="0"/>
+                        </a:spcBef>
+                        <a:spcAft>
+                          <a:spcPts val="0"/>
+                        </a:spcAft>
+                      </a:pPr>
+                      <a:r>
+                        <a:rPr lang="en-US" sz="1200" dirty="0">
+                          <a:effectLst/>
+                        </a:rPr>
+                        <a:t>ID</a:t>
+                      </a:r>
+                      <a:endParaRPr lang="en-US" sz="1100" dirty="0">
+                        <a:effectLst/>
+                        <a:latin typeface="Aptos" panose="020B0004020202020204" pitchFamily="34" charset="0"/>
+                        <a:ea typeface="Aptos" panose="020B0004020202020204" pitchFamily="34" charset="0"/>
+                        <a:cs typeface="Arial" panose="020B0604020202020204" pitchFamily="34" charset="0"/>
+                      </a:endParaRPr>
+                    </a:p>
+                  </a:txBody>
+                  <a:tcPr marL="68580" marR="68580" marT="0" marB="0" anchor="ctr">
+                    <a:lnL w="12700" cap="flat" cmpd="sng" algn="ctr">
+                      <a:solidFill>
+                        <a:schemeClr val="tx1"/>
+                      </a:solidFill>
+                      <a:prstDash val="solid"/>
+                      <a:round/>
+                      <a:headEnd type="none" w="med" len="med"/>
+                      <a:tailEnd type="none" w="med" len="med"/>
+                    </a:lnL>
+                    <a:lnR w="12700" cap="flat" cmpd="sng" algn="ctr">
+                      <a:solidFill>
+                        <a:schemeClr val="tx1"/>
+                      </a:solidFill>
+                      <a:prstDash val="solid"/>
+                      <a:round/>
+                      <a:headEnd type="none" w="med" len="med"/>
+                      <a:tailEnd type="none" w="med" len="med"/>
+                    </a:lnR>
+                    <a:lnT w="12700" cap="flat" cmpd="sng" algn="ctr">
+                      <a:solidFill>
+                        <a:schemeClr val="tx1"/>
+                      </a:solidFill>
+                      <a:prstDash val="solid"/>
+                      <a:round/>
+                      <a:headEnd type="none" w="med" len="med"/>
+                      <a:tailEnd type="none" w="med" len="med"/>
+                    </a:lnT>
+                    <a:lnB w="12700" cap="flat" cmpd="sng" algn="ctr">
+                      <a:solidFill>
+                        <a:schemeClr val="tx1"/>
+                      </a:solidFill>
+                      <a:prstDash val="solid"/>
+                      <a:round/>
+                      <a:headEnd type="none" w="med" len="med"/>
+                      <a:tailEnd type="none" w="med" len="med"/>
+                    </a:lnB>
+                    <a:lnTlToBr w="12700" cmpd="sng">
+                      <a:noFill/>
+                      <a:prstDash val="solid"/>
+                    </a:lnTlToBr>
+                    <a:lnBlToTr w="12700" cmpd="sng">
+                      <a:noFill/>
+                      <a:prstDash val="solid"/>
+                    </a:lnBlToTr>
+                  </a:tcPr>
+                </a:tc>
+                <a:tc>
+                  <a:txBody>
+                    <a:bodyPr/>
+                    <a:lstStyle/>
+                    <a:p>
+                      <a:pPr marL="0" marR="0" algn="ctr">
+                        <a:lnSpc>
+                          <a:spcPct val="115000"/>
+                        </a:lnSpc>
+                        <a:spcBef>
+                          <a:spcPts val="0"/>
+                        </a:spcBef>
+                        <a:spcAft>
+                          <a:spcPts val="0"/>
+                        </a:spcAft>
+                      </a:pPr>
+                      <a:r>
+                        <a:rPr lang="en-US" sz="1200" dirty="0" err="1">
+                          <a:effectLst/>
+                        </a:rPr>
+                        <a:t>Monthly_Inhand_Salary</a:t>
+                      </a:r>
+                      <a:endParaRPr lang="en-US" sz="1100" dirty="0">
+                        <a:effectLst/>
+                        <a:latin typeface="Aptos" panose="020B0004020202020204" pitchFamily="34" charset="0"/>
+                        <a:ea typeface="Aptos" panose="020B0004020202020204" pitchFamily="34" charset="0"/>
+                        <a:cs typeface="Arial" panose="020B0604020202020204" pitchFamily="34" charset="0"/>
+                      </a:endParaRPr>
+                    </a:p>
+                  </a:txBody>
+                  <a:tcPr marL="68580" marR="68580" marT="0" marB="0" anchor="ctr">
+                    <a:lnL w="12700" cap="flat" cmpd="sng" algn="ctr">
+                      <a:solidFill>
+                        <a:schemeClr val="tx1"/>
+                      </a:solidFill>
+                      <a:prstDash val="solid"/>
+                      <a:round/>
+                      <a:headEnd type="none" w="med" len="med"/>
+                      <a:tailEnd type="none" w="med" len="med"/>
+                    </a:lnL>
+                    <a:lnR w="12700" cap="flat" cmpd="sng" algn="ctr">
+                      <a:solidFill>
+                        <a:schemeClr val="tx1"/>
+                      </a:solidFill>
+                      <a:prstDash val="solid"/>
+                      <a:round/>
+                      <a:headEnd type="none" w="med" len="med"/>
+                      <a:tailEnd type="none" w="med" len="med"/>
+                    </a:lnR>
+                    <a:lnT w="12700" cap="flat" cmpd="sng" algn="ctr">
+                      <a:solidFill>
+                        <a:schemeClr val="tx1"/>
+                      </a:solidFill>
+                      <a:prstDash val="solid"/>
+                      <a:round/>
+                      <a:headEnd type="none" w="med" len="med"/>
+                      <a:tailEnd type="none" w="med" len="med"/>
+                    </a:lnT>
+                    <a:lnB w="12700" cap="flat" cmpd="sng" algn="ctr">
+                      <a:solidFill>
+                        <a:schemeClr val="tx1"/>
+                      </a:solidFill>
+                      <a:prstDash val="solid"/>
+                      <a:round/>
+                      <a:headEnd type="none" w="med" len="med"/>
+                      <a:tailEnd type="none" w="med" len="med"/>
+                    </a:lnB>
+                    <a:lnTlToBr w="12700" cmpd="sng">
+                      <a:noFill/>
+                      <a:prstDash val="solid"/>
+                    </a:lnTlToBr>
+                    <a:lnBlToTr w="12700" cmpd="sng">
+                      <a:noFill/>
+                      <a:prstDash val="solid"/>
+                    </a:lnBlToTr>
+                  </a:tcPr>
+                </a:tc>
+                <a:tc>
+                  <a:txBody>
+                    <a:bodyPr/>
+                    <a:lstStyle/>
+                    <a:p>
+                      <a:pPr marL="0" marR="0" algn="ctr">
+                        <a:lnSpc>
+                          <a:spcPct val="115000"/>
+                        </a:lnSpc>
+                        <a:spcBef>
+                          <a:spcPts val="0"/>
+                        </a:spcBef>
+                        <a:spcAft>
+                          <a:spcPts val="0"/>
+                        </a:spcAft>
+                      </a:pPr>
+                      <a:r>
+                        <a:rPr lang="en-US" sz="1200" dirty="0" err="1">
+                          <a:effectLst/>
+                        </a:rPr>
+                        <a:t>Num_Credit_Inquiries</a:t>
+                      </a:r>
+                      <a:endParaRPr lang="en-US" sz="1100" dirty="0">
+                        <a:effectLst/>
+                        <a:latin typeface="Aptos" panose="020B0004020202020204" pitchFamily="34" charset="0"/>
+                        <a:ea typeface="Aptos" panose="020B0004020202020204" pitchFamily="34" charset="0"/>
+                        <a:cs typeface="Arial" panose="020B0604020202020204" pitchFamily="34" charset="0"/>
+                      </a:endParaRPr>
+                    </a:p>
+                  </a:txBody>
+                  <a:tcPr marL="68580" marR="68580" marT="0" marB="0" anchor="ctr">
+                    <a:lnL w="12700" cap="flat" cmpd="sng" algn="ctr">
+                      <a:solidFill>
+                        <a:schemeClr val="tx1"/>
+                      </a:solidFill>
+                      <a:prstDash val="solid"/>
+                      <a:round/>
+                      <a:headEnd type="none" w="med" len="med"/>
+                      <a:tailEnd type="none" w="med" len="med"/>
+                    </a:lnL>
+                    <a:lnR w="12700" cap="flat" cmpd="sng" algn="ctr">
+                      <a:solidFill>
+                        <a:schemeClr val="tx1"/>
+                      </a:solidFill>
+                      <a:prstDash val="solid"/>
+                      <a:round/>
+                      <a:headEnd type="none" w="med" len="med"/>
+                      <a:tailEnd type="none" w="med" len="med"/>
+                    </a:lnR>
+                    <a:lnT w="12700" cap="flat" cmpd="sng" algn="ctr">
+                      <a:solidFill>
+                        <a:schemeClr val="tx1"/>
+                      </a:solidFill>
+                      <a:prstDash val="solid"/>
+                      <a:round/>
+                      <a:headEnd type="none" w="med" len="med"/>
+                      <a:tailEnd type="none" w="med" len="med"/>
+                    </a:lnT>
+                    <a:lnB w="12700" cap="flat" cmpd="sng" algn="ctr">
+                      <a:solidFill>
+                        <a:schemeClr val="tx1"/>
+                      </a:solidFill>
+                      <a:prstDash val="solid"/>
+                      <a:round/>
+                      <a:headEnd type="none" w="med" len="med"/>
+                      <a:tailEnd type="none" w="med" len="med"/>
+                    </a:lnB>
+                    <a:lnTlToBr w="12700" cmpd="sng">
+                      <a:noFill/>
+                      <a:prstDash val="solid"/>
+                    </a:lnTlToBr>
+                    <a:lnBlToTr w="12700" cmpd="sng">
+                      <a:noFill/>
+                      <a:prstDash val="solid"/>
+                    </a:lnBlToTr>
+                  </a:tcPr>
+                </a:tc>
+                <a:tc>
+                  <a:txBody>
+                    <a:bodyPr/>
+                    <a:lstStyle/>
+                    <a:p>
+                      <a:pPr marL="0" marR="0" algn="ctr">
+                        <a:lnSpc>
+                          <a:spcPct val="115000"/>
+                        </a:lnSpc>
+                        <a:spcBef>
+                          <a:spcPts val="0"/>
+                        </a:spcBef>
+                        <a:spcAft>
+                          <a:spcPts val="0"/>
+                        </a:spcAft>
+                      </a:pPr>
+                      <a:r>
+                        <a:rPr lang="en-US" sz="1200" dirty="0" err="1">
+                          <a:effectLst/>
+                        </a:rPr>
+                        <a:t>Payment_Behaviour</a:t>
+                      </a:r>
+                      <a:endParaRPr lang="en-US" sz="1100" dirty="0">
+                        <a:effectLst/>
+                        <a:latin typeface="Aptos" panose="020B0004020202020204" pitchFamily="34" charset="0"/>
+                        <a:ea typeface="Aptos" panose="020B0004020202020204" pitchFamily="34" charset="0"/>
+                        <a:cs typeface="Arial" panose="020B0604020202020204" pitchFamily="34" charset="0"/>
+                      </a:endParaRPr>
+                    </a:p>
+                  </a:txBody>
+                  <a:tcPr marL="68580" marR="68580" marT="0" marB="0" anchor="ctr">
+                    <a:lnL w="12700" cap="flat" cmpd="sng" algn="ctr">
+                      <a:solidFill>
+                        <a:schemeClr val="tx1"/>
+                      </a:solidFill>
+                      <a:prstDash val="solid"/>
+                      <a:round/>
+                      <a:headEnd type="none" w="med" len="med"/>
+                      <a:tailEnd type="none" w="med" len="med"/>
+                    </a:lnL>
+                    <a:lnR w="12700" cap="flat" cmpd="sng" algn="ctr">
+                      <a:solidFill>
+                        <a:schemeClr val="tx1"/>
+                      </a:solidFill>
+                      <a:prstDash val="solid"/>
+                      <a:round/>
+                      <a:headEnd type="none" w="med" len="med"/>
+                      <a:tailEnd type="none" w="med" len="med"/>
+                    </a:lnR>
+                    <a:lnT w="12700" cap="flat" cmpd="sng" algn="ctr">
+                      <a:solidFill>
+                        <a:schemeClr val="tx1"/>
+                      </a:solidFill>
+                      <a:prstDash val="solid"/>
+                      <a:round/>
+                      <a:headEnd type="none" w="med" len="med"/>
+                      <a:tailEnd type="none" w="med" len="med"/>
+                    </a:lnT>
+                    <a:lnB w="12700" cap="flat" cmpd="sng" algn="ctr">
+                      <a:solidFill>
+                        <a:schemeClr val="tx1"/>
+                      </a:solidFill>
+                      <a:prstDash val="solid"/>
+                      <a:round/>
+                      <a:headEnd type="none" w="med" len="med"/>
+                      <a:tailEnd type="none" w="med" len="med"/>
+                    </a:lnB>
+                    <a:lnTlToBr w="12700" cmpd="sng">
+                      <a:noFill/>
+                      <a:prstDash val="solid"/>
+                    </a:lnTlToBr>
+                    <a:lnBlToTr w="12700" cmpd="sng">
+                      <a:noFill/>
+                      <a:prstDash val="solid"/>
+                    </a:lnBlToTr>
+                  </a:tcPr>
+                </a:tc>
+                <a:extLst>
+                  <a:ext uri="{0D108BD9-81ED-4DB2-BD59-A6C34878D82A}">
+                    <a16:rowId xmlns:a16="http://schemas.microsoft.com/office/drawing/2014/main" val="179701922"/>
+                  </a:ext>
+                </a:extLst>
+              </a:tr>
+              <a:tr h="370840">
+                <a:tc>
+                  <a:txBody>
+                    <a:bodyPr/>
+                    <a:lstStyle/>
+                    <a:p>
+                      <a:pPr marL="0" marR="0" algn="ctr">
+                        <a:lnSpc>
+                          <a:spcPct val="115000"/>
+                        </a:lnSpc>
+                        <a:spcBef>
+                          <a:spcPts val="0"/>
+                        </a:spcBef>
+                        <a:spcAft>
+                          <a:spcPts val="0"/>
+                        </a:spcAft>
+                      </a:pPr>
+                      <a:r>
+                        <a:rPr lang="en-US" sz="1200" dirty="0" err="1">
+                          <a:effectLst/>
+                        </a:rPr>
+                        <a:t>Customer_ID</a:t>
+                      </a:r>
+                      <a:endParaRPr lang="en-US" sz="1100" dirty="0">
+                        <a:effectLst/>
+                        <a:latin typeface="Aptos" panose="020B0004020202020204" pitchFamily="34" charset="0"/>
+                        <a:ea typeface="Aptos" panose="020B0004020202020204" pitchFamily="34" charset="0"/>
+                        <a:cs typeface="Arial" panose="020B0604020202020204" pitchFamily="34" charset="0"/>
+                      </a:endParaRPr>
+                    </a:p>
+                  </a:txBody>
+                  <a:tcPr marL="68580" marR="68580" marT="0" marB="0" anchor="ctr">
+                    <a:lnL w="12700" cap="flat" cmpd="sng" algn="ctr">
+                      <a:solidFill>
+                        <a:schemeClr val="tx1"/>
+                      </a:solidFill>
+                      <a:prstDash val="solid"/>
+                      <a:round/>
+                      <a:headEnd type="none" w="med" len="med"/>
+                      <a:tailEnd type="none" w="med" len="med"/>
+                    </a:lnL>
+                    <a:lnR w="12700" cap="flat" cmpd="sng" algn="ctr">
+                      <a:solidFill>
+                        <a:schemeClr val="tx1"/>
+                      </a:solidFill>
+                      <a:prstDash val="solid"/>
+                      <a:round/>
+                      <a:headEnd type="none" w="med" len="med"/>
+                      <a:tailEnd type="none" w="med" len="med"/>
+                    </a:lnR>
+                    <a:lnT w="12700" cap="flat" cmpd="sng" algn="ctr">
+                      <a:solidFill>
+                        <a:schemeClr val="tx1"/>
+                      </a:solidFill>
+                      <a:prstDash val="solid"/>
+                      <a:round/>
+                      <a:headEnd type="none" w="med" len="med"/>
+                      <a:tailEnd type="none" w="med" len="med"/>
+                    </a:lnT>
+                    <a:lnB w="12700" cap="flat" cmpd="sng" algn="ctr">
+                      <a:solidFill>
+                        <a:schemeClr val="tx1"/>
+                      </a:solidFill>
+                      <a:prstDash val="solid"/>
+                      <a:round/>
+                      <a:headEnd type="none" w="med" len="med"/>
+                      <a:tailEnd type="none" w="med" len="med"/>
+                    </a:lnB>
+                    <a:lnTlToBr w="12700" cmpd="sng">
+                      <a:noFill/>
+                      <a:prstDash val="solid"/>
+                    </a:lnTlToBr>
+                    <a:lnBlToTr w="12700" cmpd="sng">
+                      <a:noFill/>
+                      <a:prstDash val="solid"/>
+                    </a:lnBlToTr>
+                  </a:tcPr>
+                </a:tc>
+                <a:tc>
+                  <a:txBody>
+                    <a:bodyPr/>
+                    <a:lstStyle/>
+                    <a:p>
+                      <a:pPr marL="0" marR="0" algn="ctr">
+                        <a:lnSpc>
+                          <a:spcPct val="115000"/>
+                        </a:lnSpc>
+                        <a:spcBef>
+                          <a:spcPts val="0"/>
+                        </a:spcBef>
+                        <a:spcAft>
+                          <a:spcPts val="0"/>
+                        </a:spcAft>
+                      </a:pPr>
+                      <a:r>
+                        <a:rPr lang="en-US" sz="1200" dirty="0" err="1">
+                          <a:effectLst/>
+                        </a:rPr>
+                        <a:t>Num_Bank_Accounts</a:t>
+                      </a:r>
+                      <a:endParaRPr lang="en-US" sz="1100" dirty="0">
+                        <a:effectLst/>
+                        <a:latin typeface="Aptos" panose="020B0004020202020204" pitchFamily="34" charset="0"/>
+                        <a:ea typeface="Aptos" panose="020B0004020202020204" pitchFamily="34" charset="0"/>
+                        <a:cs typeface="Arial" panose="020B0604020202020204" pitchFamily="34" charset="0"/>
+                      </a:endParaRPr>
+                    </a:p>
+                  </a:txBody>
+                  <a:tcPr marL="68580" marR="68580" marT="0" marB="0" anchor="ctr">
+                    <a:lnL w="12700" cap="flat" cmpd="sng" algn="ctr">
+                      <a:solidFill>
+                        <a:schemeClr val="tx1"/>
+                      </a:solidFill>
+                      <a:prstDash val="solid"/>
+                      <a:round/>
+                      <a:headEnd type="none" w="med" len="med"/>
+                      <a:tailEnd type="none" w="med" len="med"/>
+                    </a:lnL>
+                    <a:lnR w="12700" cap="flat" cmpd="sng" algn="ctr">
+                      <a:solidFill>
+                        <a:schemeClr val="tx1"/>
+                      </a:solidFill>
+                      <a:prstDash val="solid"/>
+                      <a:round/>
+                      <a:headEnd type="none" w="med" len="med"/>
+                      <a:tailEnd type="none" w="med" len="med"/>
+                    </a:lnR>
+                    <a:lnT w="12700" cap="flat" cmpd="sng" algn="ctr">
+                      <a:solidFill>
+                        <a:schemeClr val="tx1"/>
+                      </a:solidFill>
+                      <a:prstDash val="solid"/>
+                      <a:round/>
+                      <a:headEnd type="none" w="med" len="med"/>
+                      <a:tailEnd type="none" w="med" len="med"/>
+                    </a:lnT>
+                    <a:lnB w="12700" cap="flat" cmpd="sng" algn="ctr">
+                      <a:solidFill>
+                        <a:schemeClr val="tx1"/>
+                      </a:solidFill>
+                      <a:prstDash val="solid"/>
+                      <a:round/>
+                      <a:headEnd type="none" w="med" len="med"/>
+                      <a:tailEnd type="none" w="med" len="med"/>
+                    </a:lnB>
+                    <a:lnTlToBr w="12700" cmpd="sng">
+                      <a:noFill/>
+                      <a:prstDash val="solid"/>
+                    </a:lnTlToBr>
+                    <a:lnBlToTr w="12700" cmpd="sng">
+                      <a:noFill/>
+                      <a:prstDash val="solid"/>
+                    </a:lnBlToTr>
+                  </a:tcPr>
+                </a:tc>
+                <a:tc>
+                  <a:txBody>
+                    <a:bodyPr/>
+                    <a:lstStyle/>
+                    <a:p>
+                      <a:pPr marL="0" marR="0" algn="ctr">
+                        <a:lnSpc>
+                          <a:spcPct val="115000"/>
+                        </a:lnSpc>
+                        <a:spcBef>
+                          <a:spcPts val="0"/>
+                        </a:spcBef>
+                        <a:spcAft>
+                          <a:spcPts val="0"/>
+                        </a:spcAft>
+                      </a:pPr>
+                      <a:r>
+                        <a:rPr lang="en-US" sz="1200" dirty="0" err="1">
+                          <a:effectLst/>
+                        </a:rPr>
+                        <a:t>Credit_Mix</a:t>
+                      </a:r>
+                      <a:endParaRPr lang="en-US" sz="1100" dirty="0">
+                        <a:effectLst/>
+                        <a:latin typeface="Aptos" panose="020B0004020202020204" pitchFamily="34" charset="0"/>
+                        <a:ea typeface="Aptos" panose="020B0004020202020204" pitchFamily="34" charset="0"/>
+                        <a:cs typeface="Arial" panose="020B0604020202020204" pitchFamily="34" charset="0"/>
+                      </a:endParaRPr>
+                    </a:p>
+                  </a:txBody>
+                  <a:tcPr marL="68580" marR="68580" marT="0" marB="0" anchor="ctr">
+                    <a:lnL w="12700" cap="flat" cmpd="sng" algn="ctr">
+                      <a:solidFill>
+                        <a:schemeClr val="tx1"/>
+                      </a:solidFill>
+                      <a:prstDash val="solid"/>
+                      <a:round/>
+                      <a:headEnd type="none" w="med" len="med"/>
+                      <a:tailEnd type="none" w="med" len="med"/>
+                    </a:lnL>
+                    <a:lnR w="12700" cap="flat" cmpd="sng" algn="ctr">
+                      <a:solidFill>
+                        <a:schemeClr val="tx1"/>
+                      </a:solidFill>
+                      <a:prstDash val="solid"/>
+                      <a:round/>
+                      <a:headEnd type="none" w="med" len="med"/>
+                      <a:tailEnd type="none" w="med" len="med"/>
+                    </a:lnR>
+                    <a:lnT w="12700" cap="flat" cmpd="sng" algn="ctr">
+                      <a:solidFill>
+                        <a:schemeClr val="tx1"/>
+                      </a:solidFill>
+                      <a:prstDash val="solid"/>
+                      <a:round/>
+                      <a:headEnd type="none" w="med" len="med"/>
+                      <a:tailEnd type="none" w="med" len="med"/>
+                    </a:lnT>
+                    <a:lnB w="12700" cap="flat" cmpd="sng" algn="ctr">
+                      <a:solidFill>
+                        <a:schemeClr val="tx1"/>
+                      </a:solidFill>
+                      <a:prstDash val="solid"/>
+                      <a:round/>
+                      <a:headEnd type="none" w="med" len="med"/>
+                      <a:tailEnd type="none" w="med" len="med"/>
+                    </a:lnB>
+                    <a:lnTlToBr w="12700" cmpd="sng">
+                      <a:noFill/>
+                      <a:prstDash val="solid"/>
+                    </a:lnTlToBr>
+                    <a:lnBlToTr w="12700" cmpd="sng">
+                      <a:noFill/>
+                      <a:prstDash val="solid"/>
+                    </a:lnBlToTr>
+                  </a:tcPr>
+                </a:tc>
+                <a:tc>
+                  <a:txBody>
+                    <a:bodyPr/>
+                    <a:lstStyle/>
+                    <a:p>
+                      <a:pPr marL="0" marR="0" algn="ctr">
+                        <a:lnSpc>
+                          <a:spcPct val="115000"/>
+                        </a:lnSpc>
+                        <a:spcBef>
+                          <a:spcPts val="0"/>
+                        </a:spcBef>
+                        <a:spcAft>
+                          <a:spcPts val="0"/>
+                        </a:spcAft>
+                      </a:pPr>
+                      <a:r>
+                        <a:rPr lang="en-US" sz="1200">
+                          <a:effectLst/>
+                        </a:rPr>
+                        <a:t>Monthly_Balance</a:t>
+                      </a:r>
+                      <a:endParaRPr lang="en-US" sz="1100">
+                        <a:effectLst/>
+                        <a:latin typeface="Aptos" panose="020B0004020202020204" pitchFamily="34" charset="0"/>
+                        <a:ea typeface="Aptos" panose="020B0004020202020204" pitchFamily="34" charset="0"/>
+                        <a:cs typeface="Arial" panose="020B0604020202020204" pitchFamily="34" charset="0"/>
+                      </a:endParaRPr>
+                    </a:p>
+                  </a:txBody>
+                  <a:tcPr marL="68580" marR="68580" marT="0" marB="0" anchor="ctr">
+                    <a:lnL w="12700" cap="flat" cmpd="sng" algn="ctr">
+                      <a:solidFill>
+                        <a:schemeClr val="tx1"/>
+                      </a:solidFill>
+                      <a:prstDash val="solid"/>
+                      <a:round/>
+                      <a:headEnd type="none" w="med" len="med"/>
+                      <a:tailEnd type="none" w="med" len="med"/>
+                    </a:lnL>
+                    <a:lnR w="12700" cap="flat" cmpd="sng" algn="ctr">
+                      <a:solidFill>
+                        <a:schemeClr val="tx1"/>
+                      </a:solidFill>
+                      <a:prstDash val="solid"/>
+                      <a:round/>
+                      <a:headEnd type="none" w="med" len="med"/>
+                      <a:tailEnd type="none" w="med" len="med"/>
+                    </a:lnR>
+                    <a:lnT w="12700" cap="flat" cmpd="sng" algn="ctr">
+                      <a:solidFill>
+                        <a:schemeClr val="tx1"/>
+                      </a:solidFill>
+                      <a:prstDash val="solid"/>
+                      <a:round/>
+                      <a:headEnd type="none" w="med" len="med"/>
+                      <a:tailEnd type="none" w="med" len="med"/>
+                    </a:lnT>
+                    <a:lnB w="12700" cap="flat" cmpd="sng" algn="ctr">
+                      <a:solidFill>
+                        <a:schemeClr val="tx1"/>
+                      </a:solidFill>
+                      <a:prstDash val="solid"/>
+                      <a:round/>
+                      <a:headEnd type="none" w="med" len="med"/>
+                      <a:tailEnd type="none" w="med" len="med"/>
+                    </a:lnB>
+                    <a:lnTlToBr w="12700" cmpd="sng">
+                      <a:noFill/>
+                      <a:prstDash val="solid"/>
+                    </a:lnTlToBr>
+                    <a:lnBlToTr w="12700" cmpd="sng">
+                      <a:noFill/>
+                      <a:prstDash val="solid"/>
+                    </a:lnBlToTr>
+                  </a:tcPr>
+                </a:tc>
+                <a:extLst>
+                  <a:ext uri="{0D108BD9-81ED-4DB2-BD59-A6C34878D82A}">
+                    <a16:rowId xmlns:a16="http://schemas.microsoft.com/office/drawing/2014/main" val="736010776"/>
+                  </a:ext>
+                </a:extLst>
+              </a:tr>
+              <a:tr h="370840">
+                <a:tc>
+                  <a:txBody>
+                    <a:bodyPr/>
+                    <a:lstStyle/>
+                    <a:p>
+                      <a:pPr marL="0" marR="0" algn="ctr">
+                        <a:lnSpc>
+                          <a:spcPct val="115000"/>
+                        </a:lnSpc>
+                        <a:spcBef>
+                          <a:spcPts val="0"/>
+                        </a:spcBef>
+                        <a:spcAft>
+                          <a:spcPts val="0"/>
+                        </a:spcAft>
+                      </a:pPr>
+                      <a:r>
+                        <a:rPr lang="en-US" sz="1200" dirty="0">
+                          <a:effectLst/>
+                        </a:rPr>
+                        <a:t>Month</a:t>
+                      </a:r>
+                      <a:endParaRPr lang="en-US" sz="1100" dirty="0">
+                        <a:effectLst/>
+                        <a:latin typeface="Aptos" panose="020B0004020202020204" pitchFamily="34" charset="0"/>
+                        <a:ea typeface="Aptos" panose="020B0004020202020204" pitchFamily="34" charset="0"/>
+                        <a:cs typeface="Arial" panose="020B0604020202020204" pitchFamily="34" charset="0"/>
+                      </a:endParaRPr>
+                    </a:p>
+                  </a:txBody>
+                  <a:tcPr marL="68580" marR="68580" marT="0" marB="0" anchor="ctr">
+                    <a:lnL w="12700" cap="flat" cmpd="sng" algn="ctr">
+                      <a:solidFill>
+                        <a:schemeClr val="tx1"/>
+                      </a:solidFill>
+                      <a:prstDash val="solid"/>
+                      <a:round/>
+                      <a:headEnd type="none" w="med" len="med"/>
+                      <a:tailEnd type="none" w="med" len="med"/>
+                    </a:lnL>
+                    <a:lnR w="12700" cap="flat" cmpd="sng" algn="ctr">
+                      <a:solidFill>
+                        <a:schemeClr val="tx1"/>
+                      </a:solidFill>
+                      <a:prstDash val="solid"/>
+                      <a:round/>
+                      <a:headEnd type="none" w="med" len="med"/>
+                      <a:tailEnd type="none" w="med" len="med"/>
+                    </a:lnR>
+                    <a:lnT w="12700" cap="flat" cmpd="sng" algn="ctr">
+                      <a:solidFill>
+                        <a:schemeClr val="tx1"/>
+                      </a:solidFill>
+                      <a:prstDash val="solid"/>
+                      <a:round/>
+                      <a:headEnd type="none" w="med" len="med"/>
+                      <a:tailEnd type="none" w="med" len="med"/>
+                    </a:lnT>
+                    <a:lnB w="12700" cap="flat" cmpd="sng" algn="ctr">
+                      <a:solidFill>
+                        <a:schemeClr val="tx1"/>
+                      </a:solidFill>
+                      <a:prstDash val="solid"/>
+                      <a:round/>
+                      <a:headEnd type="none" w="med" len="med"/>
+                      <a:tailEnd type="none" w="med" len="med"/>
+                    </a:lnB>
+                    <a:lnTlToBr w="12700" cmpd="sng">
+                      <a:noFill/>
+                      <a:prstDash val="solid"/>
+                    </a:lnTlToBr>
+                    <a:lnBlToTr w="12700" cmpd="sng">
+                      <a:noFill/>
+                      <a:prstDash val="solid"/>
+                    </a:lnBlToTr>
+                  </a:tcPr>
+                </a:tc>
+                <a:tc>
+                  <a:txBody>
+                    <a:bodyPr/>
+                    <a:lstStyle/>
+                    <a:p>
+                      <a:pPr marL="0" marR="0" algn="ctr">
+                        <a:lnSpc>
+                          <a:spcPct val="115000"/>
+                        </a:lnSpc>
+                        <a:spcBef>
+                          <a:spcPts val="0"/>
+                        </a:spcBef>
+                        <a:spcAft>
+                          <a:spcPts val="0"/>
+                        </a:spcAft>
+                      </a:pPr>
+                      <a:r>
+                        <a:rPr lang="en-US" sz="1200">
+                          <a:effectLst/>
+                        </a:rPr>
+                        <a:t>Num_Credit_Card</a:t>
+                      </a:r>
+                      <a:endParaRPr lang="en-US" sz="1100">
+                        <a:effectLst/>
+                        <a:latin typeface="Aptos" panose="020B0004020202020204" pitchFamily="34" charset="0"/>
+                        <a:ea typeface="Aptos" panose="020B0004020202020204" pitchFamily="34" charset="0"/>
+                        <a:cs typeface="Arial" panose="020B0604020202020204" pitchFamily="34" charset="0"/>
+                      </a:endParaRPr>
+                    </a:p>
+                  </a:txBody>
+                  <a:tcPr marL="68580" marR="68580" marT="0" marB="0" anchor="ctr">
+                    <a:lnL w="12700" cap="flat" cmpd="sng" algn="ctr">
+                      <a:solidFill>
+                        <a:schemeClr val="tx1"/>
+                      </a:solidFill>
+                      <a:prstDash val="solid"/>
+                      <a:round/>
+                      <a:headEnd type="none" w="med" len="med"/>
+                      <a:tailEnd type="none" w="med" len="med"/>
+                    </a:lnL>
+                    <a:lnR w="12700" cap="flat" cmpd="sng" algn="ctr">
+                      <a:solidFill>
+                        <a:schemeClr val="tx1"/>
+                      </a:solidFill>
+                      <a:prstDash val="solid"/>
+                      <a:round/>
+                      <a:headEnd type="none" w="med" len="med"/>
+                      <a:tailEnd type="none" w="med" len="med"/>
+                    </a:lnR>
+                    <a:lnT w="12700" cap="flat" cmpd="sng" algn="ctr">
+                      <a:solidFill>
+                        <a:schemeClr val="tx1"/>
+                      </a:solidFill>
+                      <a:prstDash val="solid"/>
+                      <a:round/>
+                      <a:headEnd type="none" w="med" len="med"/>
+                      <a:tailEnd type="none" w="med" len="med"/>
+                    </a:lnT>
+                    <a:lnB w="12700" cap="flat" cmpd="sng" algn="ctr">
+                      <a:solidFill>
+                        <a:schemeClr val="tx1"/>
+                      </a:solidFill>
+                      <a:prstDash val="solid"/>
+                      <a:round/>
+                      <a:headEnd type="none" w="med" len="med"/>
+                      <a:tailEnd type="none" w="med" len="med"/>
+                    </a:lnB>
+                    <a:lnTlToBr w="12700" cmpd="sng">
+                      <a:noFill/>
+                      <a:prstDash val="solid"/>
+                    </a:lnTlToBr>
+                    <a:lnBlToTr w="12700" cmpd="sng">
+                      <a:noFill/>
+                      <a:prstDash val="solid"/>
+                    </a:lnBlToTr>
+                  </a:tcPr>
+                </a:tc>
+                <a:tc>
+                  <a:txBody>
+                    <a:bodyPr/>
+                    <a:lstStyle/>
+                    <a:p>
+                      <a:pPr marL="0" marR="0" algn="ctr">
+                        <a:lnSpc>
+                          <a:spcPct val="115000"/>
+                        </a:lnSpc>
+                        <a:spcBef>
+                          <a:spcPts val="0"/>
+                        </a:spcBef>
+                        <a:spcAft>
+                          <a:spcPts val="0"/>
+                        </a:spcAft>
+                      </a:pPr>
+                      <a:r>
+                        <a:rPr lang="en-US" sz="1200">
+                          <a:effectLst/>
+                        </a:rPr>
+                        <a:t>Outstanding_Debt</a:t>
+                      </a:r>
+                      <a:endParaRPr lang="en-US" sz="1100">
+                        <a:effectLst/>
+                        <a:latin typeface="Aptos" panose="020B0004020202020204" pitchFamily="34" charset="0"/>
+                        <a:ea typeface="Aptos" panose="020B0004020202020204" pitchFamily="34" charset="0"/>
+                        <a:cs typeface="Arial" panose="020B0604020202020204" pitchFamily="34" charset="0"/>
+                      </a:endParaRPr>
+                    </a:p>
+                  </a:txBody>
+                  <a:tcPr marL="68580" marR="68580" marT="0" marB="0" anchor="ctr">
+                    <a:lnL w="12700" cap="flat" cmpd="sng" algn="ctr">
+                      <a:solidFill>
+                        <a:schemeClr val="tx1"/>
+                      </a:solidFill>
+                      <a:prstDash val="solid"/>
+                      <a:round/>
+                      <a:headEnd type="none" w="med" len="med"/>
+                      <a:tailEnd type="none" w="med" len="med"/>
+                    </a:lnL>
+                    <a:lnR w="12700" cap="flat" cmpd="sng" algn="ctr">
+                      <a:solidFill>
+                        <a:schemeClr val="tx1"/>
+                      </a:solidFill>
+                      <a:prstDash val="solid"/>
+                      <a:round/>
+                      <a:headEnd type="none" w="med" len="med"/>
+                      <a:tailEnd type="none" w="med" len="med"/>
+                    </a:lnR>
+                    <a:lnT w="12700" cap="flat" cmpd="sng" algn="ctr">
+                      <a:solidFill>
+                        <a:schemeClr val="tx1"/>
+                      </a:solidFill>
+                      <a:prstDash val="solid"/>
+                      <a:round/>
+                      <a:headEnd type="none" w="med" len="med"/>
+                      <a:tailEnd type="none" w="med" len="med"/>
+                    </a:lnT>
+                    <a:lnB w="12700" cap="flat" cmpd="sng" algn="ctr">
+                      <a:solidFill>
+                        <a:schemeClr val="tx1"/>
+                      </a:solidFill>
+                      <a:prstDash val="solid"/>
+                      <a:round/>
+                      <a:headEnd type="none" w="med" len="med"/>
+                      <a:tailEnd type="none" w="med" len="med"/>
+                    </a:lnB>
+                    <a:lnTlToBr w="12700" cmpd="sng">
+                      <a:noFill/>
+                      <a:prstDash val="solid"/>
+                    </a:lnTlToBr>
+                    <a:lnBlToTr w="12700" cmpd="sng">
+                      <a:noFill/>
+                      <a:prstDash val="solid"/>
+                    </a:lnBlToTr>
+                  </a:tcPr>
+                </a:tc>
+                <a:tc>
+                  <a:txBody>
+                    <a:bodyPr/>
+                    <a:lstStyle/>
+                    <a:p>
+                      <a:pPr marL="0" marR="0" algn="ctr">
+                        <a:lnSpc>
+                          <a:spcPct val="115000"/>
+                        </a:lnSpc>
+                        <a:spcBef>
+                          <a:spcPts val="0"/>
+                        </a:spcBef>
+                        <a:spcAft>
+                          <a:spcPts val="0"/>
+                        </a:spcAft>
+                      </a:pPr>
+                      <a:r>
+                        <a:rPr lang="en-US" sz="1200" dirty="0" err="1">
+                          <a:solidFill>
+                            <a:srgbClr val="FF0000"/>
+                          </a:solidFill>
+                          <a:effectLst/>
+                        </a:rPr>
+                        <a:t>Credit_Score</a:t>
+                      </a:r>
+                      <a:endParaRPr lang="en-US" sz="1100" dirty="0">
+                        <a:solidFill>
+                          <a:srgbClr val="FF0000"/>
+                        </a:solidFill>
+                        <a:effectLst/>
+                        <a:latin typeface="Aptos" panose="020B0004020202020204" pitchFamily="34" charset="0"/>
+                        <a:ea typeface="Aptos" panose="020B0004020202020204" pitchFamily="34" charset="0"/>
+                        <a:cs typeface="Arial" panose="020B0604020202020204" pitchFamily="34" charset="0"/>
+                      </a:endParaRPr>
+                    </a:p>
+                  </a:txBody>
+                  <a:tcPr marL="68580" marR="68580" marT="0" marB="0" anchor="ctr">
+                    <a:lnL w="12700" cap="flat" cmpd="sng" algn="ctr">
+                      <a:solidFill>
+                        <a:schemeClr val="tx1"/>
+                      </a:solidFill>
+                      <a:prstDash val="solid"/>
+                      <a:round/>
+                      <a:headEnd type="none" w="med" len="med"/>
+                      <a:tailEnd type="none" w="med" len="med"/>
+                    </a:lnL>
+                    <a:lnR w="12700" cap="flat" cmpd="sng" algn="ctr">
+                      <a:solidFill>
+                        <a:schemeClr val="tx1"/>
+                      </a:solidFill>
+                      <a:prstDash val="solid"/>
+                      <a:round/>
+                      <a:headEnd type="none" w="med" len="med"/>
+                      <a:tailEnd type="none" w="med" len="med"/>
+                    </a:lnR>
+                    <a:lnT w="12700" cap="flat" cmpd="sng" algn="ctr">
+                      <a:solidFill>
+                        <a:schemeClr val="tx1"/>
+                      </a:solidFill>
+                      <a:prstDash val="solid"/>
+                      <a:round/>
+                      <a:headEnd type="none" w="med" len="med"/>
+                      <a:tailEnd type="none" w="med" len="med"/>
+                    </a:lnT>
+                    <a:lnB w="12700" cap="flat" cmpd="sng" algn="ctr">
+                      <a:solidFill>
+                        <a:schemeClr val="tx1"/>
+                      </a:solidFill>
+                      <a:prstDash val="solid"/>
+                      <a:round/>
+                      <a:headEnd type="none" w="med" len="med"/>
+                      <a:tailEnd type="none" w="med" len="med"/>
+                    </a:lnB>
+                    <a:lnTlToBr w="12700" cmpd="sng">
+                      <a:noFill/>
+                      <a:prstDash val="solid"/>
+                    </a:lnTlToBr>
+                    <a:lnBlToTr w="12700" cmpd="sng">
+                      <a:noFill/>
+                      <a:prstDash val="solid"/>
+                    </a:lnBlToTr>
+                  </a:tcPr>
+                </a:tc>
+                <a:extLst>
+                  <a:ext uri="{0D108BD9-81ED-4DB2-BD59-A6C34878D82A}">
+                    <a16:rowId xmlns:a16="http://schemas.microsoft.com/office/drawing/2014/main" val="480733042"/>
+                  </a:ext>
+                </a:extLst>
+              </a:tr>
+              <a:tr h="370840">
+                <a:tc>
+                  <a:txBody>
+                    <a:bodyPr/>
+                    <a:lstStyle/>
+                    <a:p>
+                      <a:pPr marL="0" marR="0" algn="ctr">
+                        <a:lnSpc>
+                          <a:spcPct val="115000"/>
+                        </a:lnSpc>
+                        <a:spcBef>
+                          <a:spcPts val="0"/>
+                        </a:spcBef>
+                        <a:spcAft>
+                          <a:spcPts val="0"/>
+                        </a:spcAft>
+                      </a:pPr>
+                      <a:r>
+                        <a:rPr lang="en-US" sz="1200" dirty="0">
+                          <a:effectLst/>
+                        </a:rPr>
+                        <a:t>Name</a:t>
+                      </a:r>
+                      <a:endParaRPr lang="en-US" sz="1100" dirty="0">
+                        <a:effectLst/>
+                        <a:latin typeface="Aptos" panose="020B0004020202020204" pitchFamily="34" charset="0"/>
+                        <a:ea typeface="Aptos" panose="020B0004020202020204" pitchFamily="34" charset="0"/>
+                        <a:cs typeface="Arial" panose="020B0604020202020204" pitchFamily="34" charset="0"/>
+                      </a:endParaRPr>
+                    </a:p>
+                  </a:txBody>
+                  <a:tcPr marL="68580" marR="68580" marT="0" marB="0" anchor="ctr">
+                    <a:lnL w="12700" cap="flat" cmpd="sng" algn="ctr">
+                      <a:solidFill>
+                        <a:schemeClr val="tx1"/>
+                      </a:solidFill>
+                      <a:prstDash val="solid"/>
+                      <a:round/>
+                      <a:headEnd type="none" w="med" len="med"/>
+                      <a:tailEnd type="none" w="med" len="med"/>
+                    </a:lnL>
+                    <a:lnR w="12700" cap="flat" cmpd="sng" algn="ctr">
+                      <a:solidFill>
+                        <a:schemeClr val="tx1"/>
+                      </a:solidFill>
+                      <a:prstDash val="solid"/>
+                      <a:round/>
+                      <a:headEnd type="none" w="med" len="med"/>
+                      <a:tailEnd type="none" w="med" len="med"/>
+                    </a:lnR>
+                    <a:lnT w="12700" cap="flat" cmpd="sng" algn="ctr">
+                      <a:solidFill>
+                        <a:schemeClr val="tx1"/>
+                      </a:solidFill>
+                      <a:prstDash val="solid"/>
+                      <a:round/>
+                      <a:headEnd type="none" w="med" len="med"/>
+                      <a:tailEnd type="none" w="med" len="med"/>
+                    </a:lnT>
+                    <a:lnB w="12700" cap="flat" cmpd="sng" algn="ctr">
+                      <a:solidFill>
+                        <a:schemeClr val="tx1"/>
+                      </a:solidFill>
+                      <a:prstDash val="solid"/>
+                      <a:round/>
+                      <a:headEnd type="none" w="med" len="med"/>
+                      <a:tailEnd type="none" w="med" len="med"/>
+                    </a:lnB>
+                    <a:lnTlToBr w="12700" cmpd="sng">
+                      <a:noFill/>
+                      <a:prstDash val="solid"/>
+                    </a:lnTlToBr>
+                    <a:lnBlToTr w="12700" cmpd="sng">
+                      <a:noFill/>
+                      <a:prstDash val="solid"/>
+                    </a:lnBlToTr>
+                  </a:tcPr>
+                </a:tc>
+                <a:tc>
+                  <a:txBody>
+                    <a:bodyPr/>
+                    <a:lstStyle/>
+                    <a:p>
+                      <a:pPr marL="0" marR="0" algn="ctr">
+                        <a:lnSpc>
+                          <a:spcPct val="115000"/>
+                        </a:lnSpc>
+                        <a:spcBef>
+                          <a:spcPts val="0"/>
+                        </a:spcBef>
+                        <a:spcAft>
+                          <a:spcPts val="0"/>
+                        </a:spcAft>
+                      </a:pPr>
+                      <a:r>
+                        <a:rPr lang="en-US" sz="1200" dirty="0" err="1">
+                          <a:effectLst/>
+                        </a:rPr>
+                        <a:t>Interest_Rate</a:t>
+                      </a:r>
+                      <a:endParaRPr lang="en-US" sz="1100" dirty="0">
+                        <a:effectLst/>
+                        <a:latin typeface="Aptos" panose="020B0004020202020204" pitchFamily="34" charset="0"/>
+                        <a:ea typeface="Aptos" panose="020B0004020202020204" pitchFamily="34" charset="0"/>
+                        <a:cs typeface="Arial" panose="020B0604020202020204" pitchFamily="34" charset="0"/>
+                      </a:endParaRPr>
+                    </a:p>
+                  </a:txBody>
+                  <a:tcPr marL="68580" marR="68580" marT="0" marB="0" anchor="ctr">
+                    <a:lnL w="12700" cap="flat" cmpd="sng" algn="ctr">
+                      <a:solidFill>
+                        <a:schemeClr val="tx1"/>
+                      </a:solidFill>
+                      <a:prstDash val="solid"/>
+                      <a:round/>
+                      <a:headEnd type="none" w="med" len="med"/>
+                      <a:tailEnd type="none" w="med" len="med"/>
+                    </a:lnL>
+                    <a:lnR w="12700" cap="flat" cmpd="sng" algn="ctr">
+                      <a:solidFill>
+                        <a:schemeClr val="tx1"/>
+                      </a:solidFill>
+                      <a:prstDash val="solid"/>
+                      <a:round/>
+                      <a:headEnd type="none" w="med" len="med"/>
+                      <a:tailEnd type="none" w="med" len="med"/>
+                    </a:lnR>
+                    <a:lnT w="12700" cap="flat" cmpd="sng" algn="ctr">
+                      <a:solidFill>
+                        <a:schemeClr val="tx1"/>
+                      </a:solidFill>
+                      <a:prstDash val="solid"/>
+                      <a:round/>
+                      <a:headEnd type="none" w="med" len="med"/>
+                      <a:tailEnd type="none" w="med" len="med"/>
+                    </a:lnT>
+                    <a:lnB w="12700" cap="flat" cmpd="sng" algn="ctr">
+                      <a:solidFill>
+                        <a:schemeClr val="tx1"/>
+                      </a:solidFill>
+                      <a:prstDash val="solid"/>
+                      <a:round/>
+                      <a:headEnd type="none" w="med" len="med"/>
+                      <a:tailEnd type="none" w="med" len="med"/>
+                    </a:lnB>
+                    <a:lnTlToBr w="12700" cmpd="sng">
+                      <a:noFill/>
+                      <a:prstDash val="solid"/>
+                    </a:lnTlToBr>
+                    <a:lnBlToTr w="12700" cmpd="sng">
+                      <a:noFill/>
+                      <a:prstDash val="solid"/>
+                    </a:lnBlToTr>
+                  </a:tcPr>
+                </a:tc>
+                <a:tc>
+                  <a:txBody>
+                    <a:bodyPr/>
+                    <a:lstStyle/>
+                    <a:p>
+                      <a:pPr marL="0" marR="0" algn="ctr">
+                        <a:lnSpc>
+                          <a:spcPct val="115000"/>
+                        </a:lnSpc>
+                        <a:spcBef>
+                          <a:spcPts val="0"/>
+                        </a:spcBef>
+                        <a:spcAft>
+                          <a:spcPts val="0"/>
+                        </a:spcAft>
+                      </a:pPr>
+                      <a:r>
+                        <a:rPr lang="en-US" sz="1200">
+                          <a:effectLst/>
+                        </a:rPr>
+                        <a:t>Credit_Utilization_Ratio</a:t>
+                      </a:r>
+                      <a:endParaRPr lang="en-US" sz="1100">
+                        <a:effectLst/>
+                        <a:latin typeface="Aptos" panose="020B0004020202020204" pitchFamily="34" charset="0"/>
+                        <a:ea typeface="Aptos" panose="020B0004020202020204" pitchFamily="34" charset="0"/>
+                        <a:cs typeface="Arial" panose="020B0604020202020204" pitchFamily="34" charset="0"/>
+                      </a:endParaRPr>
+                    </a:p>
+                  </a:txBody>
+                  <a:tcPr marL="68580" marR="68580" marT="0" marB="0" anchor="ctr">
+                    <a:lnL w="12700" cap="flat" cmpd="sng" algn="ctr">
+                      <a:solidFill>
+                        <a:schemeClr val="tx1"/>
+                      </a:solidFill>
+                      <a:prstDash val="solid"/>
+                      <a:round/>
+                      <a:headEnd type="none" w="med" len="med"/>
+                      <a:tailEnd type="none" w="med" len="med"/>
+                    </a:lnL>
+                    <a:lnR w="12700" cap="flat" cmpd="sng" algn="ctr">
+                      <a:solidFill>
+                        <a:schemeClr val="tx1"/>
+                      </a:solidFill>
+                      <a:prstDash val="solid"/>
+                      <a:round/>
+                      <a:headEnd type="none" w="med" len="med"/>
+                      <a:tailEnd type="none" w="med" len="med"/>
+                    </a:lnR>
+                    <a:lnT w="12700" cap="flat" cmpd="sng" algn="ctr">
+                      <a:solidFill>
+                        <a:schemeClr val="tx1"/>
+                      </a:solidFill>
+                      <a:prstDash val="solid"/>
+                      <a:round/>
+                      <a:headEnd type="none" w="med" len="med"/>
+                      <a:tailEnd type="none" w="med" len="med"/>
+                    </a:lnT>
+                    <a:lnB w="12700" cap="flat" cmpd="sng" algn="ctr">
+                      <a:solidFill>
+                        <a:schemeClr val="tx1"/>
+                      </a:solidFill>
+                      <a:prstDash val="solid"/>
+                      <a:round/>
+                      <a:headEnd type="none" w="med" len="med"/>
+                      <a:tailEnd type="none" w="med" len="med"/>
+                    </a:lnB>
+                    <a:lnTlToBr w="12700" cmpd="sng">
+                      <a:noFill/>
+                      <a:prstDash val="solid"/>
+                    </a:lnTlToBr>
+                    <a:lnBlToTr w="12700" cmpd="sng">
+                      <a:noFill/>
+                      <a:prstDash val="solid"/>
+                    </a:lnBlToTr>
+                  </a:tcPr>
+                </a:tc>
+                <a:tc>
+                  <a:txBody>
+                    <a:bodyPr/>
+                    <a:lstStyle/>
+                    <a:p>
+                      <a:endParaRPr lang="en-US" dirty="0"/>
+                    </a:p>
+                  </a:txBody>
+                  <a:tcPr>
+                    <a:lnL w="12700" cap="flat" cmpd="sng" algn="ctr">
+                      <a:solidFill>
+                        <a:schemeClr val="tx1"/>
+                      </a:solidFill>
+                      <a:prstDash val="solid"/>
+                      <a:round/>
+                      <a:headEnd type="none" w="med" len="med"/>
+                      <a:tailEnd type="none" w="med" len="med"/>
+                    </a:lnL>
+                    <a:lnR w="12700" cap="flat" cmpd="sng" algn="ctr">
+                      <a:solidFill>
+                        <a:schemeClr val="tx1"/>
+                      </a:solidFill>
+                      <a:prstDash val="solid"/>
+                      <a:round/>
+                      <a:headEnd type="none" w="med" len="med"/>
+                      <a:tailEnd type="none" w="med" len="med"/>
+                    </a:lnR>
+                    <a:lnT w="12700" cap="flat" cmpd="sng" algn="ctr">
+                      <a:solidFill>
+                        <a:schemeClr val="tx1"/>
+                      </a:solidFill>
+                      <a:prstDash val="solid"/>
+                      <a:round/>
+                      <a:headEnd type="none" w="med" len="med"/>
+                      <a:tailEnd type="none" w="med" len="med"/>
+                    </a:lnT>
+                    <a:lnB w="12700" cap="flat" cmpd="sng" algn="ctr">
+                      <a:solidFill>
+                        <a:schemeClr val="tx1"/>
+                      </a:solidFill>
+                      <a:prstDash val="solid"/>
+                      <a:round/>
+                      <a:headEnd type="none" w="med" len="med"/>
+                      <a:tailEnd type="none" w="med" len="med"/>
+                    </a:lnB>
+                    <a:lnTlToBr w="12700" cmpd="sng">
+                      <a:noFill/>
+                      <a:prstDash val="solid"/>
+                    </a:lnTlToBr>
+                    <a:lnBlToTr w="12700" cmpd="sng">
+                      <a:noFill/>
+                      <a:prstDash val="solid"/>
+                    </a:lnBlToTr>
+                  </a:tcPr>
+                </a:tc>
+                <a:extLst>
+                  <a:ext uri="{0D108BD9-81ED-4DB2-BD59-A6C34878D82A}">
+                    <a16:rowId xmlns:a16="http://schemas.microsoft.com/office/drawing/2014/main" val="2538980323"/>
+                  </a:ext>
+                </a:extLst>
+              </a:tr>
+              <a:tr h="370840">
+                <a:tc>
+                  <a:txBody>
+                    <a:bodyPr/>
+                    <a:lstStyle/>
+                    <a:p>
+                      <a:pPr marL="0" marR="0" algn="ctr">
+                        <a:lnSpc>
+                          <a:spcPct val="115000"/>
+                        </a:lnSpc>
+                        <a:spcBef>
+                          <a:spcPts val="0"/>
+                        </a:spcBef>
+                        <a:spcAft>
+                          <a:spcPts val="0"/>
+                        </a:spcAft>
+                      </a:pPr>
+                      <a:r>
+                        <a:rPr lang="en-US" sz="1200" dirty="0">
+                          <a:effectLst/>
+                        </a:rPr>
+                        <a:t>Age</a:t>
+                      </a:r>
+                      <a:endParaRPr lang="en-US" sz="1100" dirty="0">
+                        <a:effectLst/>
+                        <a:latin typeface="Aptos" panose="020B0004020202020204" pitchFamily="34" charset="0"/>
+                        <a:ea typeface="Aptos" panose="020B0004020202020204" pitchFamily="34" charset="0"/>
+                        <a:cs typeface="Arial" panose="020B0604020202020204" pitchFamily="34" charset="0"/>
+                      </a:endParaRPr>
+                    </a:p>
+                  </a:txBody>
+                  <a:tcPr marL="68580" marR="68580" marT="0" marB="0" anchor="ctr">
+                    <a:lnL w="12700" cap="flat" cmpd="sng" algn="ctr">
+                      <a:solidFill>
+                        <a:schemeClr val="tx1"/>
+                      </a:solidFill>
+                      <a:prstDash val="solid"/>
+                      <a:round/>
+                      <a:headEnd type="none" w="med" len="med"/>
+                      <a:tailEnd type="none" w="med" len="med"/>
+                    </a:lnL>
+                    <a:lnR w="12700" cap="flat" cmpd="sng" algn="ctr">
+                      <a:solidFill>
+                        <a:schemeClr val="tx1"/>
+                      </a:solidFill>
+                      <a:prstDash val="solid"/>
+                      <a:round/>
+                      <a:headEnd type="none" w="med" len="med"/>
+                      <a:tailEnd type="none" w="med" len="med"/>
+                    </a:lnR>
+                    <a:lnT w="12700" cap="flat" cmpd="sng" algn="ctr">
+                      <a:solidFill>
+                        <a:schemeClr val="tx1"/>
+                      </a:solidFill>
+                      <a:prstDash val="solid"/>
+                      <a:round/>
+                      <a:headEnd type="none" w="med" len="med"/>
+                      <a:tailEnd type="none" w="med" len="med"/>
+                    </a:lnT>
+                    <a:lnB w="12700" cap="flat" cmpd="sng" algn="ctr">
+                      <a:solidFill>
+                        <a:schemeClr val="tx1"/>
+                      </a:solidFill>
+                      <a:prstDash val="solid"/>
+                      <a:round/>
+                      <a:headEnd type="none" w="med" len="med"/>
+                      <a:tailEnd type="none" w="med" len="med"/>
+                    </a:lnB>
+                    <a:lnTlToBr w="12700" cmpd="sng">
+                      <a:noFill/>
+                      <a:prstDash val="solid"/>
+                    </a:lnTlToBr>
+                    <a:lnBlToTr w="12700" cmpd="sng">
+                      <a:noFill/>
+                      <a:prstDash val="solid"/>
+                    </a:lnBlToTr>
+                  </a:tcPr>
+                </a:tc>
+                <a:tc>
+                  <a:txBody>
+                    <a:bodyPr/>
+                    <a:lstStyle/>
+                    <a:p>
+                      <a:pPr marL="0" marR="0" algn="ctr">
+                        <a:lnSpc>
+                          <a:spcPct val="115000"/>
+                        </a:lnSpc>
+                        <a:spcBef>
+                          <a:spcPts val="0"/>
+                        </a:spcBef>
+                        <a:spcAft>
+                          <a:spcPts val="0"/>
+                        </a:spcAft>
+                      </a:pPr>
+                      <a:r>
+                        <a:rPr lang="en-US" sz="1200">
+                          <a:effectLst/>
+                        </a:rPr>
+                        <a:t>Num_of_Loan</a:t>
+                      </a:r>
+                      <a:endParaRPr lang="en-US" sz="1100">
+                        <a:effectLst/>
+                        <a:latin typeface="Aptos" panose="020B0004020202020204" pitchFamily="34" charset="0"/>
+                        <a:ea typeface="Aptos" panose="020B0004020202020204" pitchFamily="34" charset="0"/>
+                        <a:cs typeface="Arial" panose="020B0604020202020204" pitchFamily="34" charset="0"/>
+                      </a:endParaRPr>
+                    </a:p>
+                  </a:txBody>
+                  <a:tcPr marL="68580" marR="68580" marT="0" marB="0" anchor="ctr">
+                    <a:lnL w="12700" cap="flat" cmpd="sng" algn="ctr">
+                      <a:solidFill>
+                        <a:schemeClr val="tx1"/>
+                      </a:solidFill>
+                      <a:prstDash val="solid"/>
+                      <a:round/>
+                      <a:headEnd type="none" w="med" len="med"/>
+                      <a:tailEnd type="none" w="med" len="med"/>
+                    </a:lnL>
+                    <a:lnR w="12700" cap="flat" cmpd="sng" algn="ctr">
+                      <a:solidFill>
+                        <a:schemeClr val="tx1"/>
+                      </a:solidFill>
+                      <a:prstDash val="solid"/>
+                      <a:round/>
+                      <a:headEnd type="none" w="med" len="med"/>
+                      <a:tailEnd type="none" w="med" len="med"/>
+                    </a:lnR>
+                    <a:lnT w="12700" cap="flat" cmpd="sng" algn="ctr">
+                      <a:solidFill>
+                        <a:schemeClr val="tx1"/>
+                      </a:solidFill>
+                      <a:prstDash val="solid"/>
+                      <a:round/>
+                      <a:headEnd type="none" w="med" len="med"/>
+                      <a:tailEnd type="none" w="med" len="med"/>
+                    </a:lnT>
+                    <a:lnB w="12700" cap="flat" cmpd="sng" algn="ctr">
+                      <a:solidFill>
+                        <a:schemeClr val="tx1"/>
+                      </a:solidFill>
+                      <a:prstDash val="solid"/>
+                      <a:round/>
+                      <a:headEnd type="none" w="med" len="med"/>
+                      <a:tailEnd type="none" w="med" len="med"/>
+                    </a:lnB>
+                    <a:lnTlToBr w="12700" cmpd="sng">
+                      <a:noFill/>
+                      <a:prstDash val="solid"/>
+                    </a:lnTlToBr>
+                    <a:lnBlToTr w="12700" cmpd="sng">
+                      <a:noFill/>
+                      <a:prstDash val="solid"/>
+                    </a:lnBlToTr>
+                  </a:tcPr>
+                </a:tc>
+                <a:tc>
+                  <a:txBody>
+                    <a:bodyPr/>
+                    <a:lstStyle/>
+                    <a:p>
+                      <a:pPr marL="0" marR="0" algn="ctr">
+                        <a:lnSpc>
+                          <a:spcPct val="115000"/>
+                        </a:lnSpc>
+                        <a:spcBef>
+                          <a:spcPts val="0"/>
+                        </a:spcBef>
+                        <a:spcAft>
+                          <a:spcPts val="0"/>
+                        </a:spcAft>
+                      </a:pPr>
+                      <a:r>
+                        <a:rPr lang="en-US" sz="1200">
+                          <a:effectLst/>
+                        </a:rPr>
+                        <a:t>Credit_History_Age</a:t>
+                      </a:r>
+                      <a:endParaRPr lang="en-US" sz="1100">
+                        <a:effectLst/>
+                        <a:latin typeface="Aptos" panose="020B0004020202020204" pitchFamily="34" charset="0"/>
+                        <a:ea typeface="Aptos" panose="020B0004020202020204" pitchFamily="34" charset="0"/>
+                        <a:cs typeface="Arial" panose="020B0604020202020204" pitchFamily="34" charset="0"/>
+                      </a:endParaRPr>
+                    </a:p>
+                  </a:txBody>
+                  <a:tcPr marL="68580" marR="68580" marT="0" marB="0" anchor="ctr">
+                    <a:lnL w="12700" cap="flat" cmpd="sng" algn="ctr">
+                      <a:solidFill>
+                        <a:schemeClr val="tx1"/>
+                      </a:solidFill>
+                      <a:prstDash val="solid"/>
+                      <a:round/>
+                      <a:headEnd type="none" w="med" len="med"/>
+                      <a:tailEnd type="none" w="med" len="med"/>
+                    </a:lnL>
+                    <a:lnR w="12700" cap="flat" cmpd="sng" algn="ctr">
+                      <a:solidFill>
+                        <a:schemeClr val="tx1"/>
+                      </a:solidFill>
+                      <a:prstDash val="solid"/>
+                      <a:round/>
+                      <a:headEnd type="none" w="med" len="med"/>
+                      <a:tailEnd type="none" w="med" len="med"/>
+                    </a:lnR>
+                    <a:lnT w="12700" cap="flat" cmpd="sng" algn="ctr">
+                      <a:solidFill>
+                        <a:schemeClr val="tx1"/>
+                      </a:solidFill>
+                      <a:prstDash val="solid"/>
+                      <a:round/>
+                      <a:headEnd type="none" w="med" len="med"/>
+                      <a:tailEnd type="none" w="med" len="med"/>
+                    </a:lnT>
+                    <a:lnB w="12700" cap="flat" cmpd="sng" algn="ctr">
+                      <a:solidFill>
+                        <a:schemeClr val="tx1"/>
+                      </a:solidFill>
+                      <a:prstDash val="solid"/>
+                      <a:round/>
+                      <a:headEnd type="none" w="med" len="med"/>
+                      <a:tailEnd type="none" w="med" len="med"/>
+                    </a:lnB>
+                    <a:lnTlToBr w="12700" cmpd="sng">
+                      <a:noFill/>
+                      <a:prstDash val="solid"/>
+                    </a:lnTlToBr>
+                    <a:lnBlToTr w="12700" cmpd="sng">
+                      <a:noFill/>
+                      <a:prstDash val="solid"/>
+                    </a:lnBlToTr>
+                  </a:tcPr>
+                </a:tc>
+                <a:tc>
+                  <a:txBody>
+                    <a:bodyPr/>
+                    <a:lstStyle/>
+                    <a:p>
+                      <a:endParaRPr lang="en-US"/>
+                    </a:p>
+                  </a:txBody>
+                  <a:tcPr>
+                    <a:lnL w="12700" cap="flat" cmpd="sng" algn="ctr">
+                      <a:solidFill>
+                        <a:schemeClr val="tx1"/>
+                      </a:solidFill>
+                      <a:prstDash val="solid"/>
+                      <a:round/>
+                      <a:headEnd type="none" w="med" len="med"/>
+                      <a:tailEnd type="none" w="med" len="med"/>
+                    </a:lnL>
+                    <a:lnR w="12700" cap="flat" cmpd="sng" algn="ctr">
+                      <a:solidFill>
+                        <a:schemeClr val="tx1"/>
+                      </a:solidFill>
+                      <a:prstDash val="solid"/>
+                      <a:round/>
+                      <a:headEnd type="none" w="med" len="med"/>
+                      <a:tailEnd type="none" w="med" len="med"/>
+                    </a:lnR>
+                    <a:lnT w="12700" cap="flat" cmpd="sng" algn="ctr">
+                      <a:solidFill>
+                        <a:schemeClr val="tx1"/>
+                      </a:solidFill>
+                      <a:prstDash val="solid"/>
+                      <a:round/>
+                      <a:headEnd type="none" w="med" len="med"/>
+                      <a:tailEnd type="none" w="med" len="med"/>
+                    </a:lnT>
+                    <a:lnB w="12700" cap="flat" cmpd="sng" algn="ctr">
+                      <a:solidFill>
+                        <a:schemeClr val="tx1"/>
+                      </a:solidFill>
+                      <a:prstDash val="solid"/>
+                      <a:round/>
+                      <a:headEnd type="none" w="med" len="med"/>
+                      <a:tailEnd type="none" w="med" len="med"/>
+                    </a:lnB>
+                    <a:lnTlToBr w="12700" cmpd="sng">
+                      <a:noFill/>
+                      <a:prstDash val="solid"/>
+                    </a:lnTlToBr>
+                    <a:lnBlToTr w="12700" cmpd="sng">
+                      <a:noFill/>
+                      <a:prstDash val="solid"/>
+                    </a:lnBlToTr>
+                  </a:tcPr>
+                </a:tc>
+                <a:extLst>
+                  <a:ext uri="{0D108BD9-81ED-4DB2-BD59-A6C34878D82A}">
+                    <a16:rowId xmlns:a16="http://schemas.microsoft.com/office/drawing/2014/main" val="470133130"/>
+                  </a:ext>
+                </a:extLst>
+              </a:tr>
+              <a:tr h="370840">
+                <a:tc>
+                  <a:txBody>
+                    <a:bodyPr/>
+                    <a:lstStyle/>
+                    <a:p>
+                      <a:pPr marL="0" marR="0" algn="ctr">
+                        <a:lnSpc>
+                          <a:spcPct val="115000"/>
+                        </a:lnSpc>
+                        <a:spcBef>
+                          <a:spcPts val="0"/>
+                        </a:spcBef>
+                        <a:spcAft>
+                          <a:spcPts val="0"/>
+                        </a:spcAft>
+                      </a:pPr>
+                      <a:r>
+                        <a:rPr lang="en-US" sz="1200" dirty="0">
+                          <a:effectLst/>
+                        </a:rPr>
+                        <a:t>SSN</a:t>
+                      </a:r>
+                      <a:endParaRPr lang="en-US" sz="1100" dirty="0">
+                        <a:effectLst/>
+                        <a:latin typeface="Aptos" panose="020B0004020202020204" pitchFamily="34" charset="0"/>
+                        <a:ea typeface="Aptos" panose="020B0004020202020204" pitchFamily="34" charset="0"/>
+                        <a:cs typeface="Arial" panose="020B0604020202020204" pitchFamily="34" charset="0"/>
+                      </a:endParaRPr>
+                    </a:p>
+                  </a:txBody>
+                  <a:tcPr marL="68580" marR="68580" marT="0" marB="0" anchor="ctr">
+                    <a:lnL w="12700" cap="flat" cmpd="sng" algn="ctr">
+                      <a:solidFill>
+                        <a:schemeClr val="tx1"/>
+                      </a:solidFill>
+                      <a:prstDash val="solid"/>
+                      <a:round/>
+                      <a:headEnd type="none" w="med" len="med"/>
+                      <a:tailEnd type="none" w="med" len="med"/>
+                    </a:lnL>
+                    <a:lnR w="12700" cap="flat" cmpd="sng" algn="ctr">
+                      <a:solidFill>
+                        <a:schemeClr val="tx1"/>
+                      </a:solidFill>
+                      <a:prstDash val="solid"/>
+                      <a:round/>
+                      <a:headEnd type="none" w="med" len="med"/>
+                      <a:tailEnd type="none" w="med" len="med"/>
+                    </a:lnR>
+                    <a:lnT w="12700" cap="flat" cmpd="sng" algn="ctr">
+                      <a:solidFill>
+                        <a:schemeClr val="tx1"/>
+                      </a:solidFill>
+                      <a:prstDash val="solid"/>
+                      <a:round/>
+                      <a:headEnd type="none" w="med" len="med"/>
+                      <a:tailEnd type="none" w="med" len="med"/>
+                    </a:lnT>
+                    <a:lnB w="12700" cap="flat" cmpd="sng" algn="ctr">
+                      <a:solidFill>
+                        <a:schemeClr val="tx1"/>
+                      </a:solidFill>
+                      <a:prstDash val="solid"/>
+                      <a:round/>
+                      <a:headEnd type="none" w="med" len="med"/>
+                      <a:tailEnd type="none" w="med" len="med"/>
+                    </a:lnB>
+                    <a:lnTlToBr w="12700" cmpd="sng">
+                      <a:noFill/>
+                      <a:prstDash val="solid"/>
+                    </a:lnTlToBr>
+                    <a:lnBlToTr w="12700" cmpd="sng">
+                      <a:noFill/>
+                      <a:prstDash val="solid"/>
+                    </a:lnBlToTr>
+                  </a:tcPr>
+                </a:tc>
+                <a:tc>
+                  <a:txBody>
+                    <a:bodyPr/>
+                    <a:lstStyle/>
+                    <a:p>
+                      <a:pPr marL="0" marR="0" algn="ctr">
+                        <a:lnSpc>
+                          <a:spcPct val="115000"/>
+                        </a:lnSpc>
+                        <a:spcBef>
+                          <a:spcPts val="0"/>
+                        </a:spcBef>
+                        <a:spcAft>
+                          <a:spcPts val="0"/>
+                        </a:spcAft>
+                      </a:pPr>
+                      <a:r>
+                        <a:rPr lang="en-US" sz="1200">
+                          <a:effectLst/>
+                        </a:rPr>
+                        <a:t>Type_of_Loan</a:t>
+                      </a:r>
+                      <a:endParaRPr lang="en-US" sz="1100">
+                        <a:effectLst/>
+                        <a:latin typeface="Aptos" panose="020B0004020202020204" pitchFamily="34" charset="0"/>
+                        <a:ea typeface="Aptos" panose="020B0004020202020204" pitchFamily="34" charset="0"/>
+                        <a:cs typeface="Arial" panose="020B0604020202020204" pitchFamily="34" charset="0"/>
+                      </a:endParaRPr>
+                    </a:p>
+                  </a:txBody>
+                  <a:tcPr marL="68580" marR="68580" marT="0" marB="0" anchor="ctr">
+                    <a:lnL w="12700" cap="flat" cmpd="sng" algn="ctr">
+                      <a:solidFill>
+                        <a:schemeClr val="tx1"/>
+                      </a:solidFill>
+                      <a:prstDash val="solid"/>
+                      <a:round/>
+                      <a:headEnd type="none" w="med" len="med"/>
+                      <a:tailEnd type="none" w="med" len="med"/>
+                    </a:lnL>
+                    <a:lnR w="12700" cap="flat" cmpd="sng" algn="ctr">
+                      <a:solidFill>
+                        <a:schemeClr val="tx1"/>
+                      </a:solidFill>
+                      <a:prstDash val="solid"/>
+                      <a:round/>
+                      <a:headEnd type="none" w="med" len="med"/>
+                      <a:tailEnd type="none" w="med" len="med"/>
+                    </a:lnR>
+                    <a:lnT w="12700" cap="flat" cmpd="sng" algn="ctr">
+                      <a:solidFill>
+                        <a:schemeClr val="tx1"/>
+                      </a:solidFill>
+                      <a:prstDash val="solid"/>
+                      <a:round/>
+                      <a:headEnd type="none" w="med" len="med"/>
+                      <a:tailEnd type="none" w="med" len="med"/>
+                    </a:lnT>
+                    <a:lnB w="12700" cap="flat" cmpd="sng" algn="ctr">
+                      <a:solidFill>
+                        <a:schemeClr val="tx1"/>
+                      </a:solidFill>
+                      <a:prstDash val="solid"/>
+                      <a:round/>
+                      <a:headEnd type="none" w="med" len="med"/>
+                      <a:tailEnd type="none" w="med" len="med"/>
+                    </a:lnB>
+                    <a:lnTlToBr w="12700" cmpd="sng">
+                      <a:noFill/>
+                      <a:prstDash val="solid"/>
+                    </a:lnTlToBr>
+                    <a:lnBlToTr w="12700" cmpd="sng">
+                      <a:noFill/>
+                      <a:prstDash val="solid"/>
+                    </a:lnBlToTr>
+                  </a:tcPr>
+                </a:tc>
+                <a:tc>
+                  <a:txBody>
+                    <a:bodyPr/>
+                    <a:lstStyle/>
+                    <a:p>
+                      <a:pPr marL="0" marR="0" algn="ctr">
+                        <a:lnSpc>
+                          <a:spcPct val="115000"/>
+                        </a:lnSpc>
+                        <a:spcBef>
+                          <a:spcPts val="0"/>
+                        </a:spcBef>
+                        <a:spcAft>
+                          <a:spcPts val="0"/>
+                        </a:spcAft>
+                      </a:pPr>
+                      <a:r>
+                        <a:rPr lang="en-US" sz="1200" dirty="0" err="1">
+                          <a:effectLst/>
+                        </a:rPr>
+                        <a:t>Payment_of_Min_Amount</a:t>
+                      </a:r>
+                      <a:endParaRPr lang="en-US" sz="1100" dirty="0">
+                        <a:effectLst/>
+                        <a:latin typeface="Aptos" panose="020B0004020202020204" pitchFamily="34" charset="0"/>
+                        <a:ea typeface="Aptos" panose="020B0004020202020204" pitchFamily="34" charset="0"/>
+                        <a:cs typeface="Arial" panose="020B0604020202020204" pitchFamily="34" charset="0"/>
+                      </a:endParaRPr>
+                    </a:p>
+                  </a:txBody>
+                  <a:tcPr marL="68580" marR="68580" marT="0" marB="0" anchor="ctr">
+                    <a:lnL w="12700" cap="flat" cmpd="sng" algn="ctr">
+                      <a:solidFill>
+                        <a:schemeClr val="tx1"/>
+                      </a:solidFill>
+                      <a:prstDash val="solid"/>
+                      <a:round/>
+                      <a:headEnd type="none" w="med" len="med"/>
+                      <a:tailEnd type="none" w="med" len="med"/>
+                    </a:lnL>
+                    <a:lnR w="12700" cap="flat" cmpd="sng" algn="ctr">
+                      <a:solidFill>
+                        <a:schemeClr val="tx1"/>
+                      </a:solidFill>
+                      <a:prstDash val="solid"/>
+                      <a:round/>
+                      <a:headEnd type="none" w="med" len="med"/>
+                      <a:tailEnd type="none" w="med" len="med"/>
+                    </a:lnR>
+                    <a:lnT w="12700" cap="flat" cmpd="sng" algn="ctr">
+                      <a:solidFill>
+                        <a:schemeClr val="tx1"/>
+                      </a:solidFill>
+                      <a:prstDash val="solid"/>
+                      <a:round/>
+                      <a:headEnd type="none" w="med" len="med"/>
+                      <a:tailEnd type="none" w="med" len="med"/>
+                    </a:lnT>
+                    <a:lnB w="12700" cap="flat" cmpd="sng" algn="ctr">
+                      <a:solidFill>
+                        <a:schemeClr val="tx1"/>
+                      </a:solidFill>
+                      <a:prstDash val="solid"/>
+                      <a:round/>
+                      <a:headEnd type="none" w="med" len="med"/>
+                      <a:tailEnd type="none" w="med" len="med"/>
+                    </a:lnB>
+                    <a:lnTlToBr w="12700" cmpd="sng">
+                      <a:noFill/>
+                      <a:prstDash val="solid"/>
+                    </a:lnTlToBr>
+                    <a:lnBlToTr w="12700" cmpd="sng">
+                      <a:noFill/>
+                      <a:prstDash val="solid"/>
+                    </a:lnBlToTr>
+                  </a:tcPr>
+                </a:tc>
+                <a:tc>
+                  <a:txBody>
+                    <a:bodyPr/>
+                    <a:lstStyle/>
+                    <a:p>
+                      <a:endParaRPr lang="en-US" dirty="0"/>
+                    </a:p>
+                  </a:txBody>
+                  <a:tcPr>
+                    <a:lnL w="12700" cap="flat" cmpd="sng" algn="ctr">
+                      <a:solidFill>
+                        <a:schemeClr val="tx1"/>
+                      </a:solidFill>
+                      <a:prstDash val="solid"/>
+                      <a:round/>
+                      <a:headEnd type="none" w="med" len="med"/>
+                      <a:tailEnd type="none" w="med" len="med"/>
+                    </a:lnL>
+                    <a:lnR w="12700" cap="flat" cmpd="sng" algn="ctr">
+                      <a:solidFill>
+                        <a:schemeClr val="tx1"/>
+                      </a:solidFill>
+                      <a:prstDash val="solid"/>
+                      <a:round/>
+                      <a:headEnd type="none" w="med" len="med"/>
+                      <a:tailEnd type="none" w="med" len="med"/>
+                    </a:lnR>
+                    <a:lnT w="12700" cap="flat" cmpd="sng" algn="ctr">
+                      <a:solidFill>
+                        <a:schemeClr val="tx1"/>
+                      </a:solidFill>
+                      <a:prstDash val="solid"/>
+                      <a:round/>
+                      <a:headEnd type="none" w="med" len="med"/>
+                      <a:tailEnd type="none" w="med" len="med"/>
+                    </a:lnT>
+                    <a:lnB w="12700" cap="flat" cmpd="sng" algn="ctr">
+                      <a:solidFill>
+                        <a:schemeClr val="tx1"/>
+                      </a:solidFill>
+                      <a:prstDash val="solid"/>
+                      <a:round/>
+                      <a:headEnd type="none" w="med" len="med"/>
+                      <a:tailEnd type="none" w="med" len="med"/>
+                    </a:lnB>
+                    <a:lnTlToBr w="12700" cmpd="sng">
+                      <a:noFill/>
+                      <a:prstDash val="solid"/>
+                    </a:lnTlToBr>
+                    <a:lnBlToTr w="12700" cmpd="sng">
+                      <a:noFill/>
+                      <a:prstDash val="solid"/>
+                    </a:lnBlToTr>
+                  </a:tcPr>
+                </a:tc>
+                <a:extLst>
+                  <a:ext uri="{0D108BD9-81ED-4DB2-BD59-A6C34878D82A}">
+                    <a16:rowId xmlns:a16="http://schemas.microsoft.com/office/drawing/2014/main" val="3917029371"/>
+                  </a:ext>
+                </a:extLst>
+              </a:tr>
+              <a:tr h="370840">
+                <a:tc>
+                  <a:txBody>
+                    <a:bodyPr/>
+                    <a:lstStyle/>
+                    <a:p>
+                      <a:pPr marL="0" marR="0" algn="ctr">
+                        <a:lnSpc>
+                          <a:spcPct val="115000"/>
+                        </a:lnSpc>
+                        <a:spcBef>
+                          <a:spcPts val="0"/>
+                        </a:spcBef>
+                        <a:spcAft>
+                          <a:spcPts val="0"/>
+                        </a:spcAft>
+                      </a:pPr>
+                      <a:r>
+                        <a:rPr lang="en-US" sz="1200" dirty="0">
+                          <a:effectLst/>
+                        </a:rPr>
+                        <a:t>Occupation</a:t>
+                      </a:r>
+                      <a:endParaRPr lang="en-US" sz="1100" dirty="0">
+                        <a:effectLst/>
+                        <a:latin typeface="Aptos" panose="020B0004020202020204" pitchFamily="34" charset="0"/>
+                        <a:ea typeface="Aptos" panose="020B0004020202020204" pitchFamily="34" charset="0"/>
+                        <a:cs typeface="Arial" panose="020B0604020202020204" pitchFamily="34" charset="0"/>
+                      </a:endParaRPr>
+                    </a:p>
+                  </a:txBody>
+                  <a:tcPr marL="68580" marR="68580" marT="0" marB="0" anchor="ctr">
+                    <a:lnL w="12700" cap="flat" cmpd="sng" algn="ctr">
+                      <a:solidFill>
+                        <a:schemeClr val="tx1"/>
+                      </a:solidFill>
+                      <a:prstDash val="solid"/>
+                      <a:round/>
+                      <a:headEnd type="none" w="med" len="med"/>
+                      <a:tailEnd type="none" w="med" len="med"/>
+                    </a:lnL>
+                    <a:lnR w="12700" cap="flat" cmpd="sng" algn="ctr">
+                      <a:solidFill>
+                        <a:schemeClr val="tx1"/>
+                      </a:solidFill>
+                      <a:prstDash val="solid"/>
+                      <a:round/>
+                      <a:headEnd type="none" w="med" len="med"/>
+                      <a:tailEnd type="none" w="med" len="med"/>
+                    </a:lnR>
+                    <a:lnT w="12700" cap="flat" cmpd="sng" algn="ctr">
+                      <a:solidFill>
+                        <a:schemeClr val="tx1"/>
+                      </a:solidFill>
+                      <a:prstDash val="solid"/>
+                      <a:round/>
+                      <a:headEnd type="none" w="med" len="med"/>
+                      <a:tailEnd type="none" w="med" len="med"/>
+                    </a:lnT>
+                    <a:lnB w="12700" cap="flat" cmpd="sng" algn="ctr">
+                      <a:solidFill>
+                        <a:schemeClr val="tx1"/>
+                      </a:solidFill>
+                      <a:prstDash val="solid"/>
+                      <a:round/>
+                      <a:headEnd type="none" w="med" len="med"/>
+                      <a:tailEnd type="none" w="med" len="med"/>
+                    </a:lnB>
+                    <a:lnTlToBr w="12700" cmpd="sng">
+                      <a:noFill/>
+                      <a:prstDash val="solid"/>
+                    </a:lnTlToBr>
+                    <a:lnBlToTr w="12700" cmpd="sng">
+                      <a:noFill/>
+                      <a:prstDash val="solid"/>
+                    </a:lnBlToTr>
+                  </a:tcPr>
+                </a:tc>
+                <a:tc>
+                  <a:txBody>
+                    <a:bodyPr/>
+                    <a:lstStyle/>
+                    <a:p>
+                      <a:pPr marL="0" marR="0" algn="ctr">
+                        <a:lnSpc>
+                          <a:spcPct val="115000"/>
+                        </a:lnSpc>
+                        <a:spcBef>
+                          <a:spcPts val="0"/>
+                        </a:spcBef>
+                        <a:spcAft>
+                          <a:spcPts val="0"/>
+                        </a:spcAft>
+                      </a:pPr>
+                      <a:r>
+                        <a:rPr lang="en-US" sz="1200">
+                          <a:effectLst/>
+                        </a:rPr>
+                        <a:t>Delay_from_due_date</a:t>
+                      </a:r>
+                      <a:endParaRPr lang="en-US" sz="1100">
+                        <a:effectLst/>
+                        <a:latin typeface="Aptos" panose="020B0004020202020204" pitchFamily="34" charset="0"/>
+                        <a:ea typeface="Aptos" panose="020B0004020202020204" pitchFamily="34" charset="0"/>
+                        <a:cs typeface="Arial" panose="020B0604020202020204" pitchFamily="34" charset="0"/>
+                      </a:endParaRPr>
+                    </a:p>
+                  </a:txBody>
+                  <a:tcPr marL="68580" marR="68580" marT="0" marB="0" anchor="ctr">
+                    <a:lnL w="12700" cap="flat" cmpd="sng" algn="ctr">
+                      <a:solidFill>
+                        <a:schemeClr val="tx1"/>
+                      </a:solidFill>
+                      <a:prstDash val="solid"/>
+                      <a:round/>
+                      <a:headEnd type="none" w="med" len="med"/>
+                      <a:tailEnd type="none" w="med" len="med"/>
+                    </a:lnL>
+                    <a:lnR w="12700" cap="flat" cmpd="sng" algn="ctr">
+                      <a:solidFill>
+                        <a:schemeClr val="tx1"/>
+                      </a:solidFill>
+                      <a:prstDash val="solid"/>
+                      <a:round/>
+                      <a:headEnd type="none" w="med" len="med"/>
+                      <a:tailEnd type="none" w="med" len="med"/>
+                    </a:lnR>
+                    <a:lnT w="12700" cap="flat" cmpd="sng" algn="ctr">
+                      <a:solidFill>
+                        <a:schemeClr val="tx1"/>
+                      </a:solidFill>
+                      <a:prstDash val="solid"/>
+                      <a:round/>
+                      <a:headEnd type="none" w="med" len="med"/>
+                      <a:tailEnd type="none" w="med" len="med"/>
+                    </a:lnT>
+                    <a:lnB w="12700" cap="flat" cmpd="sng" algn="ctr">
+                      <a:solidFill>
+                        <a:schemeClr val="tx1"/>
+                      </a:solidFill>
+                      <a:prstDash val="solid"/>
+                      <a:round/>
+                      <a:headEnd type="none" w="med" len="med"/>
+                      <a:tailEnd type="none" w="med" len="med"/>
+                    </a:lnB>
+                    <a:lnTlToBr w="12700" cmpd="sng">
+                      <a:noFill/>
+                      <a:prstDash val="solid"/>
+                    </a:lnTlToBr>
+                    <a:lnBlToTr w="12700" cmpd="sng">
+                      <a:noFill/>
+                      <a:prstDash val="solid"/>
+                    </a:lnBlToTr>
+                  </a:tcPr>
+                </a:tc>
+                <a:tc>
+                  <a:txBody>
+                    <a:bodyPr/>
+                    <a:lstStyle/>
+                    <a:p>
+                      <a:pPr marL="0" marR="0" algn="ctr">
+                        <a:lnSpc>
+                          <a:spcPct val="115000"/>
+                        </a:lnSpc>
+                        <a:spcBef>
+                          <a:spcPts val="0"/>
+                        </a:spcBef>
+                        <a:spcAft>
+                          <a:spcPts val="0"/>
+                        </a:spcAft>
+                      </a:pPr>
+                      <a:r>
+                        <a:rPr lang="en-US" sz="1200" dirty="0" err="1">
+                          <a:effectLst/>
+                        </a:rPr>
+                        <a:t>Total_EMI_per_month</a:t>
+                      </a:r>
+                      <a:endParaRPr lang="en-US" sz="1100" dirty="0">
+                        <a:effectLst/>
+                        <a:latin typeface="Aptos" panose="020B0004020202020204" pitchFamily="34" charset="0"/>
+                        <a:ea typeface="Aptos" panose="020B0004020202020204" pitchFamily="34" charset="0"/>
+                        <a:cs typeface="Arial" panose="020B0604020202020204" pitchFamily="34" charset="0"/>
+                      </a:endParaRPr>
+                    </a:p>
+                  </a:txBody>
+                  <a:tcPr marL="68580" marR="68580" marT="0" marB="0" anchor="ctr">
+                    <a:lnL w="12700" cap="flat" cmpd="sng" algn="ctr">
+                      <a:solidFill>
+                        <a:schemeClr val="tx1"/>
+                      </a:solidFill>
+                      <a:prstDash val="solid"/>
+                      <a:round/>
+                      <a:headEnd type="none" w="med" len="med"/>
+                      <a:tailEnd type="none" w="med" len="med"/>
+                    </a:lnL>
+                    <a:lnR w="12700" cap="flat" cmpd="sng" algn="ctr">
+                      <a:solidFill>
+                        <a:schemeClr val="tx1"/>
+                      </a:solidFill>
+                      <a:prstDash val="solid"/>
+                      <a:round/>
+                      <a:headEnd type="none" w="med" len="med"/>
+                      <a:tailEnd type="none" w="med" len="med"/>
+                    </a:lnR>
+                    <a:lnT w="12700" cap="flat" cmpd="sng" algn="ctr">
+                      <a:solidFill>
+                        <a:schemeClr val="tx1"/>
+                      </a:solidFill>
+                      <a:prstDash val="solid"/>
+                      <a:round/>
+                      <a:headEnd type="none" w="med" len="med"/>
+                      <a:tailEnd type="none" w="med" len="med"/>
+                    </a:lnT>
+                    <a:lnB w="12700" cap="flat" cmpd="sng" algn="ctr">
+                      <a:solidFill>
+                        <a:schemeClr val="tx1"/>
+                      </a:solidFill>
+                      <a:prstDash val="solid"/>
+                      <a:round/>
+                      <a:headEnd type="none" w="med" len="med"/>
+                      <a:tailEnd type="none" w="med" len="med"/>
+                    </a:lnB>
+                    <a:lnTlToBr w="12700" cmpd="sng">
+                      <a:noFill/>
+                      <a:prstDash val="solid"/>
+                    </a:lnTlToBr>
+                    <a:lnBlToTr w="12700" cmpd="sng">
+                      <a:noFill/>
+                      <a:prstDash val="solid"/>
+                    </a:lnBlToTr>
+                  </a:tcPr>
+                </a:tc>
+                <a:tc>
+                  <a:txBody>
+                    <a:bodyPr/>
+                    <a:lstStyle/>
+                    <a:p>
+                      <a:endParaRPr lang="en-US" dirty="0"/>
+                    </a:p>
+                  </a:txBody>
+                  <a:tcPr>
+                    <a:lnL w="12700" cap="flat" cmpd="sng" algn="ctr">
+                      <a:solidFill>
+                        <a:schemeClr val="tx1"/>
+                      </a:solidFill>
+                      <a:prstDash val="solid"/>
+                      <a:round/>
+                      <a:headEnd type="none" w="med" len="med"/>
+                      <a:tailEnd type="none" w="med" len="med"/>
+                    </a:lnL>
+                    <a:lnR w="12700" cap="flat" cmpd="sng" algn="ctr">
+                      <a:solidFill>
+                        <a:schemeClr val="tx1"/>
+                      </a:solidFill>
+                      <a:prstDash val="solid"/>
+                      <a:round/>
+                      <a:headEnd type="none" w="med" len="med"/>
+                      <a:tailEnd type="none" w="med" len="med"/>
+                    </a:lnR>
+                    <a:lnT w="12700" cap="flat" cmpd="sng" algn="ctr">
+                      <a:solidFill>
+                        <a:schemeClr val="tx1"/>
+                      </a:solidFill>
+                      <a:prstDash val="solid"/>
+                      <a:round/>
+                      <a:headEnd type="none" w="med" len="med"/>
+                      <a:tailEnd type="none" w="med" len="med"/>
+                    </a:lnT>
+                    <a:lnB w="12700" cap="flat" cmpd="sng" algn="ctr">
+                      <a:solidFill>
+                        <a:schemeClr val="tx1"/>
+                      </a:solidFill>
+                      <a:prstDash val="solid"/>
+                      <a:round/>
+                      <a:headEnd type="none" w="med" len="med"/>
+                      <a:tailEnd type="none" w="med" len="med"/>
+                    </a:lnB>
+                    <a:lnTlToBr w="12700" cmpd="sng">
+                      <a:noFill/>
+                      <a:prstDash val="solid"/>
+                    </a:lnTlToBr>
+                    <a:lnBlToTr w="12700" cmpd="sng">
+                      <a:noFill/>
+                      <a:prstDash val="solid"/>
+                    </a:lnBlToTr>
+                  </a:tcPr>
+                </a:tc>
+                <a:extLst>
+                  <a:ext uri="{0D108BD9-81ED-4DB2-BD59-A6C34878D82A}">
+                    <a16:rowId xmlns:a16="http://schemas.microsoft.com/office/drawing/2014/main" val="3966718793"/>
+                  </a:ext>
+                </a:extLst>
+              </a:tr>
+              <a:tr h="370840">
+                <a:tc>
+                  <a:txBody>
+                    <a:bodyPr/>
+                    <a:lstStyle/>
+                    <a:p>
+                      <a:pPr marL="0" marR="0" algn="ctr">
+                        <a:lnSpc>
+                          <a:spcPct val="115000"/>
+                        </a:lnSpc>
+                        <a:spcBef>
+                          <a:spcPts val="0"/>
+                        </a:spcBef>
+                        <a:spcAft>
+                          <a:spcPts val="0"/>
+                        </a:spcAft>
+                      </a:pPr>
+                      <a:r>
+                        <a:rPr lang="en-US" sz="1200" dirty="0" err="1">
+                          <a:effectLst/>
+                        </a:rPr>
+                        <a:t>Annual_Income</a:t>
+                      </a:r>
+                      <a:endParaRPr lang="en-US" sz="1100" dirty="0">
+                        <a:effectLst/>
+                        <a:latin typeface="Aptos" panose="020B0004020202020204" pitchFamily="34" charset="0"/>
+                        <a:ea typeface="Aptos" panose="020B0004020202020204" pitchFamily="34" charset="0"/>
+                        <a:cs typeface="Arial" panose="020B0604020202020204" pitchFamily="34" charset="0"/>
+                      </a:endParaRPr>
+                    </a:p>
+                  </a:txBody>
+                  <a:tcPr marL="68580" marR="68580" marT="0" marB="0" anchor="ctr">
+                    <a:lnL w="12700" cap="flat" cmpd="sng" algn="ctr">
+                      <a:solidFill>
+                        <a:schemeClr val="tx1"/>
+                      </a:solidFill>
+                      <a:prstDash val="solid"/>
+                      <a:round/>
+                      <a:headEnd type="none" w="med" len="med"/>
+                      <a:tailEnd type="none" w="med" len="med"/>
+                    </a:lnL>
+                    <a:lnR w="12700" cap="flat" cmpd="sng" algn="ctr">
+                      <a:solidFill>
+                        <a:schemeClr val="tx1"/>
+                      </a:solidFill>
+                      <a:prstDash val="solid"/>
+                      <a:round/>
+                      <a:headEnd type="none" w="med" len="med"/>
+                      <a:tailEnd type="none" w="med" len="med"/>
+                    </a:lnR>
+                    <a:lnT w="12700" cap="flat" cmpd="sng" algn="ctr">
+                      <a:solidFill>
+                        <a:schemeClr val="tx1"/>
+                      </a:solidFill>
+                      <a:prstDash val="solid"/>
+                      <a:round/>
+                      <a:headEnd type="none" w="med" len="med"/>
+                      <a:tailEnd type="none" w="med" len="med"/>
+                    </a:lnT>
+                    <a:lnB w="12700" cap="flat" cmpd="sng" algn="ctr">
+                      <a:solidFill>
+                        <a:schemeClr val="tx1"/>
+                      </a:solidFill>
+                      <a:prstDash val="solid"/>
+                      <a:round/>
+                      <a:headEnd type="none" w="med" len="med"/>
+                      <a:tailEnd type="none" w="med" len="med"/>
+                    </a:lnB>
+                    <a:lnTlToBr w="12700" cmpd="sng">
+                      <a:noFill/>
+                      <a:prstDash val="solid"/>
+                    </a:lnTlToBr>
+                    <a:lnBlToTr w="12700" cmpd="sng">
+                      <a:noFill/>
+                      <a:prstDash val="solid"/>
+                    </a:lnBlToTr>
+                  </a:tcPr>
+                </a:tc>
+                <a:tc>
+                  <a:txBody>
+                    <a:bodyPr/>
+                    <a:lstStyle/>
+                    <a:p>
+                      <a:pPr marL="0" marR="0" algn="ctr">
+                        <a:lnSpc>
+                          <a:spcPct val="115000"/>
+                        </a:lnSpc>
+                        <a:spcBef>
+                          <a:spcPts val="0"/>
+                        </a:spcBef>
+                        <a:spcAft>
+                          <a:spcPts val="0"/>
+                        </a:spcAft>
+                      </a:pPr>
+                      <a:r>
+                        <a:rPr lang="en-US" sz="1200" dirty="0" err="1">
+                          <a:effectLst/>
+                        </a:rPr>
+                        <a:t>Num_of_Delayed_Payment</a:t>
+                      </a:r>
+                      <a:endParaRPr lang="en-US" sz="1100" dirty="0">
+                        <a:effectLst/>
+                        <a:latin typeface="Aptos" panose="020B0004020202020204" pitchFamily="34" charset="0"/>
+                        <a:ea typeface="Aptos" panose="020B0004020202020204" pitchFamily="34" charset="0"/>
+                        <a:cs typeface="Arial" panose="020B0604020202020204" pitchFamily="34" charset="0"/>
+                      </a:endParaRPr>
+                    </a:p>
+                  </a:txBody>
+                  <a:tcPr marL="68580" marR="68580" marT="0" marB="0" anchor="ctr">
+                    <a:lnL w="12700" cap="flat" cmpd="sng" algn="ctr">
+                      <a:solidFill>
+                        <a:schemeClr val="tx1"/>
+                      </a:solidFill>
+                      <a:prstDash val="solid"/>
+                      <a:round/>
+                      <a:headEnd type="none" w="med" len="med"/>
+                      <a:tailEnd type="none" w="med" len="med"/>
+                    </a:lnL>
+                    <a:lnR w="12700" cap="flat" cmpd="sng" algn="ctr">
+                      <a:solidFill>
+                        <a:schemeClr val="tx1"/>
+                      </a:solidFill>
+                      <a:prstDash val="solid"/>
+                      <a:round/>
+                      <a:headEnd type="none" w="med" len="med"/>
+                      <a:tailEnd type="none" w="med" len="med"/>
+                    </a:lnR>
+                    <a:lnT w="12700" cap="flat" cmpd="sng" algn="ctr">
+                      <a:solidFill>
+                        <a:schemeClr val="tx1"/>
+                      </a:solidFill>
+                      <a:prstDash val="solid"/>
+                      <a:round/>
+                      <a:headEnd type="none" w="med" len="med"/>
+                      <a:tailEnd type="none" w="med" len="med"/>
+                    </a:lnT>
+                    <a:lnB w="12700" cap="flat" cmpd="sng" algn="ctr">
+                      <a:solidFill>
+                        <a:schemeClr val="tx1"/>
+                      </a:solidFill>
+                      <a:prstDash val="solid"/>
+                      <a:round/>
+                      <a:headEnd type="none" w="med" len="med"/>
+                      <a:tailEnd type="none" w="med" len="med"/>
+                    </a:lnB>
+                    <a:lnTlToBr w="12700" cmpd="sng">
+                      <a:noFill/>
+                      <a:prstDash val="solid"/>
+                    </a:lnTlToBr>
+                    <a:lnBlToTr w="12700" cmpd="sng">
+                      <a:noFill/>
+                      <a:prstDash val="solid"/>
+                    </a:lnBlToTr>
+                  </a:tcPr>
+                </a:tc>
+                <a:tc>
+                  <a:txBody>
+                    <a:bodyPr/>
+                    <a:lstStyle/>
+                    <a:p>
+                      <a:pPr marL="0" marR="0" algn="ctr">
+                        <a:lnSpc>
+                          <a:spcPct val="115000"/>
+                        </a:lnSpc>
+                        <a:spcBef>
+                          <a:spcPts val="0"/>
+                        </a:spcBef>
+                        <a:spcAft>
+                          <a:spcPts val="0"/>
+                        </a:spcAft>
+                      </a:pPr>
+                      <a:r>
+                        <a:rPr lang="en-US" sz="1200" dirty="0" err="1">
+                          <a:effectLst/>
+                        </a:rPr>
+                        <a:t>Amount_invested_monthly</a:t>
+                      </a:r>
+                      <a:endParaRPr lang="en-US" sz="1100" dirty="0">
+                        <a:effectLst/>
+                        <a:latin typeface="Aptos" panose="020B0004020202020204" pitchFamily="34" charset="0"/>
+                        <a:ea typeface="Aptos" panose="020B0004020202020204" pitchFamily="34" charset="0"/>
+                        <a:cs typeface="Arial" panose="020B0604020202020204" pitchFamily="34" charset="0"/>
+                      </a:endParaRPr>
+                    </a:p>
+                  </a:txBody>
+                  <a:tcPr marL="68580" marR="68580" marT="0" marB="0" anchor="ctr">
+                    <a:lnL w="12700" cap="flat" cmpd="sng" algn="ctr">
+                      <a:solidFill>
+                        <a:schemeClr val="tx1"/>
+                      </a:solidFill>
+                      <a:prstDash val="solid"/>
+                      <a:round/>
+                      <a:headEnd type="none" w="med" len="med"/>
+                      <a:tailEnd type="none" w="med" len="med"/>
+                    </a:lnL>
+                    <a:lnR w="12700" cap="flat" cmpd="sng" algn="ctr">
+                      <a:solidFill>
+                        <a:schemeClr val="tx1"/>
+                      </a:solidFill>
+                      <a:prstDash val="solid"/>
+                      <a:round/>
+                      <a:headEnd type="none" w="med" len="med"/>
+                      <a:tailEnd type="none" w="med" len="med"/>
+                    </a:lnR>
+                    <a:lnT w="12700" cap="flat" cmpd="sng" algn="ctr">
+                      <a:solidFill>
+                        <a:schemeClr val="tx1"/>
+                      </a:solidFill>
+                      <a:prstDash val="solid"/>
+                      <a:round/>
+                      <a:headEnd type="none" w="med" len="med"/>
+                      <a:tailEnd type="none" w="med" len="med"/>
+                    </a:lnT>
+                    <a:lnB w="12700" cap="flat" cmpd="sng" algn="ctr">
+                      <a:solidFill>
+                        <a:schemeClr val="tx1"/>
+                      </a:solidFill>
+                      <a:prstDash val="solid"/>
+                      <a:round/>
+                      <a:headEnd type="none" w="med" len="med"/>
+                      <a:tailEnd type="none" w="med" len="med"/>
+                    </a:lnB>
+                    <a:lnTlToBr w="12700" cmpd="sng">
+                      <a:noFill/>
+                      <a:prstDash val="solid"/>
+                    </a:lnTlToBr>
+                    <a:lnBlToTr w="12700" cmpd="sng">
+                      <a:noFill/>
+                      <a:prstDash val="solid"/>
+                    </a:lnBlToTr>
+                  </a:tcPr>
+                </a:tc>
+                <a:tc>
+                  <a:txBody>
+                    <a:bodyPr/>
+                    <a:lstStyle/>
+                    <a:p>
+                      <a:endParaRPr lang="en-US" dirty="0"/>
+                    </a:p>
+                  </a:txBody>
+                  <a:tcPr>
+                    <a:lnL w="12700" cap="flat" cmpd="sng" algn="ctr">
+                      <a:solidFill>
+                        <a:schemeClr val="tx1"/>
+                      </a:solidFill>
+                      <a:prstDash val="solid"/>
+                      <a:round/>
+                      <a:headEnd type="none" w="med" len="med"/>
+                      <a:tailEnd type="none" w="med" len="med"/>
+                    </a:lnL>
+                    <a:lnR w="12700" cap="flat" cmpd="sng" algn="ctr">
+                      <a:solidFill>
+                        <a:schemeClr val="tx1"/>
+                      </a:solidFill>
+                      <a:prstDash val="solid"/>
+                      <a:round/>
+                      <a:headEnd type="none" w="med" len="med"/>
+                      <a:tailEnd type="none" w="med" len="med"/>
+                    </a:lnR>
+                    <a:lnT w="12700" cap="flat" cmpd="sng" algn="ctr">
+                      <a:solidFill>
+                        <a:schemeClr val="tx1"/>
+                      </a:solidFill>
+                      <a:prstDash val="solid"/>
+                      <a:round/>
+                      <a:headEnd type="none" w="med" len="med"/>
+                      <a:tailEnd type="none" w="med" len="med"/>
+                    </a:lnT>
+                    <a:lnB w="12700" cap="flat" cmpd="sng" algn="ctr">
+                      <a:solidFill>
+                        <a:schemeClr val="tx1"/>
+                      </a:solidFill>
+                      <a:prstDash val="solid"/>
+                      <a:round/>
+                      <a:headEnd type="none" w="med" len="med"/>
+                      <a:tailEnd type="none" w="med" len="med"/>
+                    </a:lnB>
+                    <a:lnTlToBr w="12700" cmpd="sng">
+                      <a:noFill/>
+                      <a:prstDash val="solid"/>
+                    </a:lnTlToBr>
+                    <a:lnBlToTr w="12700" cmpd="sng">
+                      <a:noFill/>
+                      <a:prstDash val="solid"/>
+                    </a:lnBlToTr>
+                  </a:tcPr>
+                </a:tc>
+                <a:extLst>
+                  <a:ext uri="{0D108BD9-81ED-4DB2-BD59-A6C34878D82A}">
+                    <a16:rowId xmlns:a16="http://schemas.microsoft.com/office/drawing/2014/main" val="2298456289"/>
+                  </a:ext>
+                </a:extLst>
+              </a:tr>
+            </a:tbl>
+          </a:graphicData>
+        </a:graphic>
+      </p:graphicFrame>
       <p:sp>
         <p:nvSpPr>
-          <p:cNvPr id="8" name="TextBox 7">
+          <p:cNvPr id="6" name="TextBox 5">
             <a:extLst>
               <a:ext uri="{FF2B5EF4-FFF2-40B4-BE49-F238E27FC236}">
-                <a16:creationId xmlns:a16="http://schemas.microsoft.com/office/drawing/2014/main" id="{11008724-F924-34AE-6A64-6923DB4CC496}"/>
+                <a16:creationId xmlns:a16="http://schemas.microsoft.com/office/drawing/2014/main" id="{AA336DC1-9801-C5C7-A792-B8A2BA376193}"/>
               </a:ext>
             </a:extLst>
           </p:cNvPr>
@@ -19602,8 +24289,8 @@
         </p:nvSpPr>
         <p:spPr>
           <a:xfrm>
-            <a:off x="749300" y="1543735"/>
-            <a:ext cx="10807700" cy="461665"/>
+            <a:off x="596900" y="1740438"/>
+            <a:ext cx="10807700" cy="830997"/>
           </a:xfrm>
           <a:prstGeom prst="rect">
             <a:avLst/>
@@ -19616,119 +24303,24 @@
           </a:bodyPr>
           <a:lstStyle/>
           <a:p>
+            <a:pPr marL="342900" indent="-342900">
+              <a:buFont typeface="Arial" panose="020B0604020202020204" pitchFamily="34" charset="0"/>
+              <a:buChar char="•"/>
+            </a:pPr>
             <a:r>
-              <a:rPr lang="en-US" sz="2400" b="1" kern="0" dirty="0">
-                <a:effectLst/>
-                <a:latin typeface="Aptos" panose="020B0004020202020204" pitchFamily="34" charset="0"/>
-                <a:ea typeface="Aptos" panose="020B0004020202020204" pitchFamily="34" charset="0"/>
-                <a:cs typeface="Arial" panose="020B0604020202020204" pitchFamily="34" charset="0"/>
-              </a:rPr>
-              <a:t>Main:</a:t>
+              <a:rPr lang="en-US" sz="2400" dirty="0"/>
+              <a:t>25 useful features</a:t>
             </a:r>
+          </a:p>
+          <a:p>
+            <a:pPr marL="342900" indent="-342900">
+              <a:buFont typeface="Arial" panose="020B0604020202020204" pitchFamily="34" charset="0"/>
+              <a:buChar char="•"/>
+            </a:pPr>
             <a:r>
-              <a:rPr lang="en-US" sz="2400" kern="0" dirty="0">
-                <a:effectLst/>
-                <a:latin typeface="Aptos" panose="020B0004020202020204" pitchFamily="34" charset="0"/>
-                <a:ea typeface="Aptos" panose="020B0004020202020204" pitchFamily="34" charset="0"/>
-                <a:cs typeface="Arial" panose="020B0604020202020204" pitchFamily="34" charset="0"/>
-              </a:rPr>
-              <a:t> </a:t>
+              <a:rPr lang="en-US" sz="2400" dirty="0"/>
+              <a:t>100 K Row</a:t>
             </a:r>
-            <a:r>
-              <a:rPr lang="en-US" sz="2400" u="sng" kern="0" dirty="0">
-                <a:solidFill>
-                  <a:srgbClr val="467886"/>
-                </a:solidFill>
-                <a:effectLst/>
-                <a:latin typeface="Aptos" panose="020B0004020202020204" pitchFamily="34" charset="0"/>
-                <a:ea typeface="Aptos" panose="020B0004020202020204" pitchFamily="34" charset="0"/>
-                <a:cs typeface="Arial" panose="020B0604020202020204" pitchFamily="34" charset="0"/>
-                <a:hlinkClick r:id="rId3"/>
-              </a:rPr>
-              <a:t>https://www.kaggle.com/datasets/parisrohan/credit-score-classification</a:t>
-            </a:r>
-            <a:r>
-              <a:rPr lang="en-US" sz="2400" kern="0" dirty="0">
-                <a:effectLst/>
-                <a:latin typeface="Aptos" panose="020B0004020202020204" pitchFamily="34" charset="0"/>
-                <a:ea typeface="Aptos" panose="020B0004020202020204" pitchFamily="34" charset="0"/>
-                <a:cs typeface="Arial" panose="020B0604020202020204" pitchFamily="34" charset="0"/>
-              </a:rPr>
-              <a:t> </a:t>
-            </a:r>
-            <a:endParaRPr lang="en-US" sz="2400" dirty="0"/>
-          </a:p>
-        </p:txBody>
-      </p:sp>
-      <p:sp>
-        <p:nvSpPr>
-          <p:cNvPr id="9" name="TextBox 8">
-            <a:extLst>
-              <a:ext uri="{FF2B5EF4-FFF2-40B4-BE49-F238E27FC236}">
-                <a16:creationId xmlns:a16="http://schemas.microsoft.com/office/drawing/2014/main" id="{A8B92303-245F-2BE2-A2B5-700177AC87BD}"/>
-              </a:ext>
-            </a:extLst>
-          </p:cNvPr>
-          <p:cNvSpPr txBox="1"/>
-          <p:nvPr/>
-        </p:nvSpPr>
-        <p:spPr>
-          <a:xfrm>
-            <a:off x="901700" y="1696135"/>
-            <a:ext cx="10807700" cy="461665"/>
-          </a:xfrm>
-          <a:prstGeom prst="rect">
-            <a:avLst/>
-          </a:prstGeom>
-          <a:noFill/>
-        </p:spPr>
-        <p:txBody>
-          <a:bodyPr wrap="square">
-            <a:spAutoFit/>
-          </a:bodyPr>
-          <a:lstStyle/>
-          <a:p>
-            <a:r>
-              <a:rPr lang="en-US" sz="2400" b="1" kern="0" dirty="0">
-                <a:effectLst/>
-                <a:latin typeface="Aptos" panose="020B0004020202020204" pitchFamily="34" charset="0"/>
-                <a:ea typeface="Aptos" panose="020B0004020202020204" pitchFamily="34" charset="0"/>
-                <a:cs typeface="Arial" panose="020B0604020202020204" pitchFamily="34" charset="0"/>
-              </a:rPr>
-              <a:t>Main:</a:t>
-            </a:r>
-            <a:r>
-              <a:rPr lang="en-US" sz="2400" kern="0" dirty="0">
-                <a:effectLst/>
-                <a:latin typeface="Aptos" panose="020B0004020202020204" pitchFamily="34" charset="0"/>
-                <a:ea typeface="Aptos" panose="020B0004020202020204" pitchFamily="34" charset="0"/>
-                <a:cs typeface="Arial" panose="020B0604020202020204" pitchFamily="34" charset="0"/>
-              </a:rPr>
-              <a:t> </a:t>
-            </a:r>
-            <a:r>
-              <a:rPr lang="en-US" sz="2400" u="sng" kern="0" dirty="0">
-                <a:solidFill>
-                  <a:srgbClr val="467886"/>
-                </a:solidFill>
-                <a:effectLst/>
-                <a:latin typeface="Aptos" panose="020B0004020202020204" pitchFamily="34" charset="0"/>
-                <a:ea typeface="Aptos" panose="020B0004020202020204" pitchFamily="34" charset="0"/>
-                <a:cs typeface="Arial" panose="020B0604020202020204" pitchFamily="34" charset="0"/>
-                <a:hlinkClick r:id="rId3"/>
-              </a:rPr>
-              <a:t>https://www.kaggle.com/datasets/parisrohan/credit-score-classification</a:t>
-            </a:r>
-            <a:r>
-              <a:rPr lang="en-US" sz="2400" kern="0" dirty="0">
-                <a:effectLst/>
-                <a:latin typeface="Aptos" panose="020B0004020202020204" pitchFamily="34" charset="0"/>
-                <a:ea typeface="Aptos" panose="020B0004020202020204" pitchFamily="34" charset="0"/>
-                <a:cs typeface="Arial" panose="020B0604020202020204" pitchFamily="34" charset="0"/>
-              </a:rPr>
-              <a:t> </a:t>
-            </a:r>
-            <a:endParaRPr lang="en-US" sz="2400" dirty="0"/>
           </a:p>
         </p:txBody>
       </p:sp>
@@ -19740,7 +24332,7 @@
 </p:sld>
 </file>
 
-<file path=ppt/slides/slide4.xml><?xml version="1.0" encoding="utf-8"?>
+<file path=ppt/slides/slide3.xml><?xml version="1.0" encoding="utf-8"?>
 <p:sld xmlns:a="http://schemas.openxmlformats.org/drawingml/2006/main" xmlns:r="http://schemas.openxmlformats.org/officeDocument/2006/relationships" xmlns:p="http://schemas.openxmlformats.org/presentationml/2006/main">
   <p:cSld>
     <p:spTree>
@@ -19942,7 +24534,7 @@
           <a:p>
             <a:r>
               <a:rPr lang="en-US" sz="4800" dirty="0"/>
-              <a:t>1. Project Pipeline</a:t>
+              <a:t>2. Project Pipeline</a:t>
             </a:r>
           </a:p>
         </p:txBody>
@@ -19960,7 +24552,7 @@
 </p:sld>
 </file>
 
-<file path=ppt/slides/slide5.xml><?xml version="1.0" encoding="utf-8"?>
+<file path=ppt/slides/slide4.xml><?xml version="1.0" encoding="utf-8"?>
 <p:sld xmlns:a="http://schemas.openxmlformats.org/drawingml/2006/main" xmlns:r="http://schemas.openxmlformats.org/officeDocument/2006/relationships" xmlns:p="http://schemas.openxmlformats.org/presentationml/2006/main">
   <p:cSld>
     <p:spTree>
@@ -20272,7 +24864,7 @@
           <a:p>
             <a:r>
               <a:rPr lang="en-US" sz="4800" dirty="0"/>
-              <a:t>2. Data Processing</a:t>
+              <a:t>3. Data Processing</a:t>
             </a:r>
           </a:p>
         </p:txBody>
@@ -20595,6 +25187,336 @@
 </p:sld>
 </file>
 
+<file path=ppt/slides/slide5.xml><?xml version="1.0" encoding="utf-8"?>
+<p:sld xmlns:a="http://schemas.openxmlformats.org/drawingml/2006/main" xmlns:r="http://schemas.openxmlformats.org/officeDocument/2006/relationships" xmlns:p="http://schemas.openxmlformats.org/presentationml/2006/main">
+  <p:cSld>
+    <p:spTree>
+      <p:nvGrpSpPr>
+        <p:cNvPr id="1" name="Shape 240"/>
+        <p:cNvGrpSpPr/>
+        <p:nvPr/>
+      </p:nvGrpSpPr>
+      <p:grpSpPr>
+        <a:xfrm>
+          <a:off x="0" y="0"/>
+          <a:ext cx="0" cy="0"/>
+          <a:chOff x="0" y="0"/>
+          <a:chExt cx="0" cy="0"/>
+        </a:xfrm>
+      </p:grpSpPr>
+      <p:sp>
+        <p:nvSpPr>
+          <p:cNvPr id="10" name="Google Shape;179;p19">
+            <a:extLst>
+              <a:ext uri="{FF2B5EF4-FFF2-40B4-BE49-F238E27FC236}">
+                <a16:creationId xmlns:a16="http://schemas.microsoft.com/office/drawing/2014/main" id="{1FEC564F-6626-06FE-2678-5A5EEAD2ACF1}"/>
+              </a:ext>
+            </a:extLst>
+          </p:cNvPr>
+          <p:cNvSpPr txBox="1">
+            <a:spLocks/>
+          </p:cNvSpPr>
+          <p:nvPr/>
+        </p:nvSpPr>
+        <p:spPr>
+          <a:xfrm>
+            <a:off x="1678577" y="360838"/>
+            <a:ext cx="9428962" cy="921295"/>
+          </a:xfrm>
+          <a:prstGeom prst="rect">
+            <a:avLst/>
+          </a:prstGeom>
+        </p:spPr>
+        <p:txBody>
+          <a:bodyPr spcFirstLastPara="1" vert="horz" wrap="square" lIns="121900" tIns="121900" rIns="121900" bIns="121900" rtlCol="0" anchor="ctr" anchorCtr="0">
+            <a:noAutofit/>
+          </a:bodyPr>
+          <a:lstStyle>
+            <a:lvl1pPr lvl="0" algn="ctr" defTabSz="914400" rtl="0" eaLnBrk="1" latinLnBrk="0" hangingPunct="1">
+              <a:lnSpc>
+                <a:spcPct val="90000"/>
+              </a:lnSpc>
+              <a:spcBef>
+                <a:spcPts val="0"/>
+              </a:spcBef>
+              <a:spcAft>
+                <a:spcPts val="0"/>
+              </a:spcAft>
+              <a:buSzPts val="2400"/>
+              <a:buNone/>
+              <a:defRPr sz="3733" kern="1200">
+                <a:solidFill>
+                  <a:schemeClr val="tx1"/>
+                </a:solidFill>
+                <a:latin typeface="+mj-lt"/>
+                <a:ea typeface="+mj-ea"/>
+                <a:cs typeface="+mj-cs"/>
+              </a:defRPr>
+            </a:lvl1pPr>
+            <a:lvl2pPr lvl="1" rtl="0">
+              <a:spcBef>
+                <a:spcPts val="0"/>
+              </a:spcBef>
+              <a:spcAft>
+                <a:spcPts val="0"/>
+              </a:spcAft>
+              <a:buSzPts val="3500"/>
+              <a:buNone/>
+              <a:defRPr/>
+            </a:lvl2pPr>
+            <a:lvl3pPr lvl="2" rtl="0">
+              <a:spcBef>
+                <a:spcPts val="0"/>
+              </a:spcBef>
+              <a:spcAft>
+                <a:spcPts val="0"/>
+              </a:spcAft>
+              <a:buSzPts val="3500"/>
+              <a:buNone/>
+              <a:defRPr/>
+            </a:lvl3pPr>
+            <a:lvl4pPr lvl="3" rtl="0">
+              <a:spcBef>
+                <a:spcPts val="0"/>
+              </a:spcBef>
+              <a:spcAft>
+                <a:spcPts val="0"/>
+              </a:spcAft>
+              <a:buSzPts val="3500"/>
+              <a:buNone/>
+              <a:defRPr/>
+            </a:lvl4pPr>
+            <a:lvl5pPr lvl="4" rtl="0">
+              <a:spcBef>
+                <a:spcPts val="0"/>
+              </a:spcBef>
+              <a:spcAft>
+                <a:spcPts val="0"/>
+              </a:spcAft>
+              <a:buSzPts val="3500"/>
+              <a:buNone/>
+              <a:defRPr/>
+            </a:lvl5pPr>
+            <a:lvl6pPr lvl="5" rtl="0">
+              <a:spcBef>
+                <a:spcPts val="0"/>
+              </a:spcBef>
+              <a:spcAft>
+                <a:spcPts val="0"/>
+              </a:spcAft>
+              <a:buSzPts val="3500"/>
+              <a:buNone/>
+              <a:defRPr/>
+            </a:lvl6pPr>
+            <a:lvl7pPr lvl="6" rtl="0">
+              <a:spcBef>
+                <a:spcPts val="0"/>
+              </a:spcBef>
+              <a:spcAft>
+                <a:spcPts val="0"/>
+              </a:spcAft>
+              <a:buSzPts val="3500"/>
+              <a:buNone/>
+              <a:defRPr/>
+            </a:lvl7pPr>
+            <a:lvl8pPr lvl="7" rtl="0">
+              <a:spcBef>
+                <a:spcPts val="0"/>
+              </a:spcBef>
+              <a:spcAft>
+                <a:spcPts val="0"/>
+              </a:spcAft>
+              <a:buSzPts val="3500"/>
+              <a:buNone/>
+              <a:defRPr/>
+            </a:lvl8pPr>
+            <a:lvl9pPr lvl="8" rtl="0">
+              <a:spcBef>
+                <a:spcPts val="0"/>
+              </a:spcBef>
+              <a:spcAft>
+                <a:spcPts val="0"/>
+              </a:spcAft>
+              <a:buSzPts val="3500"/>
+              <a:buNone/>
+              <a:defRPr/>
+            </a:lvl9pPr>
+          </a:lstStyle>
+          <a:p>
+            <a:r>
+              <a:rPr lang="en-US" sz="5400" dirty="0"/>
+              <a:t>4. EDA (Data Visualization)</a:t>
+            </a:r>
+          </a:p>
+        </p:txBody>
+      </p:sp>
+      <p:pic>
+        <p:nvPicPr>
+          <p:cNvPr id="5" name="Picture 4" descr="A close-up of a graph&#10;&#10;Description automatically generated">
+            <a:extLst>
+              <a:ext uri="{FF2B5EF4-FFF2-40B4-BE49-F238E27FC236}">
+                <a16:creationId xmlns:a16="http://schemas.microsoft.com/office/drawing/2014/main" id="{A8773DBB-4CE1-92C8-349E-F89BF9B5136E}"/>
+              </a:ext>
+            </a:extLst>
+          </p:cNvPr>
+          <p:cNvPicPr>
+            <a:picLocks noChangeAspect="1"/>
+          </p:cNvPicPr>
+          <p:nvPr/>
+        </p:nvPicPr>
+        <p:blipFill>
+          <a:blip r:embed="rId3"/>
+          <a:stretch>
+            <a:fillRect/>
+          </a:stretch>
+        </p:blipFill>
+        <p:spPr>
+          <a:xfrm>
+            <a:off x="1079383" y="1497588"/>
+            <a:ext cx="9757607" cy="3862823"/>
+          </a:xfrm>
+          <a:prstGeom prst="rect">
+            <a:avLst/>
+          </a:prstGeom>
+        </p:spPr>
+      </p:pic>
+      <p:sp>
+        <p:nvSpPr>
+          <p:cNvPr id="7" name="TextBox 6">
+            <a:extLst>
+              <a:ext uri="{FF2B5EF4-FFF2-40B4-BE49-F238E27FC236}">
+                <a16:creationId xmlns:a16="http://schemas.microsoft.com/office/drawing/2014/main" id="{FBAF35C0-F13D-FDAA-F803-F83B27813107}"/>
+              </a:ext>
+            </a:extLst>
+          </p:cNvPr>
+          <p:cNvSpPr txBox="1"/>
+          <p:nvPr/>
+        </p:nvSpPr>
+        <p:spPr>
+          <a:xfrm>
+            <a:off x="730426" y="5714384"/>
+            <a:ext cx="10731148" cy="908134"/>
+          </a:xfrm>
+          <a:prstGeom prst="rect">
+            <a:avLst/>
+          </a:prstGeom>
+          <a:noFill/>
+        </p:spPr>
+        <p:txBody>
+          <a:bodyPr wrap="square">
+            <a:spAutoFit/>
+          </a:bodyPr>
+          <a:lstStyle/>
+          <a:p>
+            <a:pPr marL="0" marR="0">
+              <a:lnSpc>
+                <a:spcPct val="115000"/>
+              </a:lnSpc>
+              <a:spcBef>
+                <a:spcPts val="0"/>
+              </a:spcBef>
+              <a:spcAft>
+                <a:spcPts val="1000"/>
+              </a:spcAft>
+            </a:pPr>
+            <a:r>
+              <a:rPr lang="en-US" sz="2000" b="1" dirty="0">
+                <a:effectLst/>
+                <a:latin typeface="Aptos" panose="020B0004020202020204" pitchFamily="34" charset="0"/>
+                <a:ea typeface="Times New Roman" panose="02020603050405020304" pitchFamily="18" charset="0"/>
+                <a:cs typeface="Times New Roman" panose="02020603050405020304" pitchFamily="18" charset="0"/>
+              </a:rPr>
+              <a:t>Same Distribution of credit Score across different occupation groups </a:t>
+            </a:r>
+          </a:p>
+          <a:p>
+            <a:pPr marL="0" marR="0">
+              <a:lnSpc>
+                <a:spcPct val="115000"/>
+              </a:lnSpc>
+              <a:spcBef>
+                <a:spcPts val="0"/>
+              </a:spcBef>
+              <a:spcAft>
+                <a:spcPts val="1000"/>
+              </a:spcAft>
+            </a:pPr>
+            <a:r>
+              <a:rPr lang="en-US" sz="2000" b="1" dirty="0">
+                <a:effectLst/>
+                <a:latin typeface="Segoe UI Symbol" panose="020B0502040204020203" pitchFamily="34" charset="0"/>
+                <a:ea typeface="Times New Roman" panose="02020603050405020304" pitchFamily="18" charset="0"/>
+                <a:cs typeface="Segoe UI Symbol" panose="020B0502040204020203" pitchFamily="34" charset="0"/>
+              </a:rPr>
+              <a:t>➡</a:t>
+            </a:r>
+            <a:r>
+              <a:rPr lang="en-US" sz="2000" b="1" dirty="0">
+                <a:effectLst/>
+                <a:latin typeface="Aptos" panose="020B0004020202020204" pitchFamily="34" charset="0"/>
+                <a:ea typeface="Times New Roman" panose="02020603050405020304" pitchFamily="18" charset="0"/>
+                <a:cs typeface="Times New Roman" panose="02020603050405020304" pitchFamily="18" charset="0"/>
+              </a:rPr>
+              <a:t> occupation isn’t an effective feature No need to consider occupation in the model.</a:t>
+            </a:r>
+            <a:endParaRPr lang="en-US" sz="2400" dirty="0">
+              <a:effectLst/>
+              <a:latin typeface="Aptos" panose="020B0004020202020204" pitchFamily="34" charset="0"/>
+              <a:ea typeface="Aptos" panose="020B0004020202020204" pitchFamily="34" charset="0"/>
+              <a:cs typeface="Arial" panose="020B0604020202020204" pitchFamily="34" charset="0"/>
+            </a:endParaRPr>
+          </a:p>
+        </p:txBody>
+      </p:sp>
+      <p:pic>
+        <p:nvPicPr>
+          <p:cNvPr id="12" name="Picture 11" descr="A cartoon of a child&#10;&#10;Description automatically generated">
+            <a:extLst>
+              <a:ext uri="{FF2B5EF4-FFF2-40B4-BE49-F238E27FC236}">
+                <a16:creationId xmlns:a16="http://schemas.microsoft.com/office/drawing/2014/main" id="{38CC5EBB-E7D4-9850-362F-429BC2007B23}"/>
+              </a:ext>
+            </a:extLst>
+          </p:cNvPr>
+          <p:cNvPicPr>
+            <a:picLocks noChangeAspect="1"/>
+          </p:cNvPicPr>
+          <p:nvPr/>
+        </p:nvPicPr>
+        <p:blipFill>
+          <a:blip r:embed="rId4">
+            <a:extLst>
+              <a:ext uri="{28A0092B-C50C-407E-A947-70E740481C1C}">
+                <a14:useLocalDpi xmlns:a14="http://schemas.microsoft.com/office/drawing/2010/main" val="0"/>
+              </a:ext>
+            </a:extLst>
+          </a:blip>
+          <a:stretch>
+            <a:fillRect/>
+          </a:stretch>
+        </p:blipFill>
+        <p:spPr>
+          <a:xfrm>
+            <a:off x="10033331" y="4632153"/>
+            <a:ext cx="2476170" cy="2476170"/>
+          </a:xfrm>
+          <a:prstGeom prst="rect">
+            <a:avLst/>
+          </a:prstGeom>
+        </p:spPr>
+      </p:pic>
+    </p:spTree>
+    <p:extLst>
+      <p:ext uri="{BB962C8B-B14F-4D97-AF65-F5344CB8AC3E}">
+        <p14:creationId xmlns:p14="http://schemas.microsoft.com/office/powerpoint/2010/main" val="205897985"/>
+      </p:ext>
+    </p:extLst>
+  </p:cSld>
+  <p:clrMapOvr>
+    <a:masterClrMapping/>
+  </p:clrMapOvr>
+</p:sld>
+</file>
+
 <file path=ppt/slides/slide6.xml><?xml version="1.0" encoding="utf-8"?>
 <p:sld xmlns:a="http://schemas.openxmlformats.org/drawingml/2006/main" xmlns:r="http://schemas.openxmlformats.org/officeDocument/2006/relationships" xmlns:p="http://schemas.openxmlformats.org/presentationml/2006/main">
   <p:cSld>
@@ -20753,8 +25675,94 @@
           <a:p>
             <a:r>
               <a:rPr lang="en-US" sz="5400" dirty="0"/>
-              <a:t>2. EDA (Data Visualization)</a:t>
+              <a:t>4. EDA (Data Visualization)</a:t>
             </a:r>
+          </a:p>
+        </p:txBody>
+      </p:sp>
+      <p:pic>
+        <p:nvPicPr>
+          <p:cNvPr id="2" name="Picture 1" descr="A close-up of a graph&#10;&#10;Description automatically generated">
+            <a:extLst>
+              <a:ext uri="{FF2B5EF4-FFF2-40B4-BE49-F238E27FC236}">
+                <a16:creationId xmlns:a16="http://schemas.microsoft.com/office/drawing/2014/main" id="{27B8D1D9-D891-C562-0944-CB9CC0016EB0}"/>
+              </a:ext>
+            </a:extLst>
+          </p:cNvPr>
+          <p:cNvPicPr>
+            <a:picLocks noChangeAspect="1"/>
+          </p:cNvPicPr>
+          <p:nvPr/>
+        </p:nvPicPr>
+        <p:blipFill>
+          <a:blip r:embed="rId3"/>
+          <a:stretch>
+            <a:fillRect/>
+          </a:stretch>
+        </p:blipFill>
+        <p:spPr>
+          <a:xfrm>
+            <a:off x="1596544" y="1591067"/>
+            <a:ext cx="9277715" cy="3675865"/>
+          </a:xfrm>
+          <a:prstGeom prst="rect">
+            <a:avLst/>
+          </a:prstGeom>
+        </p:spPr>
+      </p:pic>
+      <p:sp>
+        <p:nvSpPr>
+          <p:cNvPr id="5" name="TextBox 4">
+            <a:extLst>
+              <a:ext uri="{FF2B5EF4-FFF2-40B4-BE49-F238E27FC236}">
+                <a16:creationId xmlns:a16="http://schemas.microsoft.com/office/drawing/2014/main" id="{F1C52AAE-F225-4352-6360-E7C4BA506AFC}"/>
+              </a:ext>
+            </a:extLst>
+          </p:cNvPr>
+          <p:cNvSpPr txBox="1"/>
+          <p:nvPr/>
+        </p:nvSpPr>
+        <p:spPr>
+          <a:xfrm>
+            <a:off x="830553" y="5714384"/>
+            <a:ext cx="10809696" cy="782778"/>
+          </a:xfrm>
+          <a:prstGeom prst="rect">
+            <a:avLst/>
+          </a:prstGeom>
+          <a:noFill/>
+        </p:spPr>
+        <p:txBody>
+          <a:bodyPr wrap="square">
+            <a:spAutoFit/>
+          </a:bodyPr>
+          <a:lstStyle/>
+          <a:p>
+            <a:pPr marL="0" marR="0">
+              <a:lnSpc>
+                <a:spcPct val="115000"/>
+              </a:lnSpc>
+              <a:spcBef>
+                <a:spcPts val="0"/>
+              </a:spcBef>
+              <a:spcAft>
+                <a:spcPts val="1000"/>
+              </a:spcAft>
+            </a:pPr>
+            <a:r>
+              <a:rPr lang="en-US" sz="2000" b="1" dirty="0">
+                <a:latin typeface="Aptos" panose="020B0004020202020204" pitchFamily="34" charset="0"/>
+                <a:ea typeface="Aptos" panose="020B0004020202020204" pitchFamily="34" charset="0"/>
+                <a:cs typeface="Times New Roman" panose="02020603050405020304" pitchFamily="18" charset="0"/>
+              </a:rPr>
+              <a:t>At outstanding debts more than 1800 the customer probability to be of good credit score is very small </a:t>
+            </a:r>
+            <a:endParaRPr lang="en-US" sz="2400" dirty="0">
+              <a:effectLst/>
+              <a:latin typeface="Aptos" panose="020B0004020202020204" pitchFamily="34" charset="0"/>
+              <a:ea typeface="Aptos" panose="020B0004020202020204" pitchFamily="34" charset="0"/>
+              <a:cs typeface="Arial" panose="020B0604020202020204" pitchFamily="34" charset="0"/>
+            </a:endParaRPr>
           </a:p>
         </p:txBody>
       </p:sp>
@@ -20929,7 +25937,7 @@
           <a:p>
             <a:r>
               <a:rPr lang="en-US" sz="4800" dirty="0"/>
-              <a:t>2. EDA (Data Visualization)</a:t>
+              <a:t>4. EDA (Data Visualization)</a:t>
             </a:r>
           </a:p>
         </p:txBody>
@@ -21045,10 +26053,10 @@
       </p:sp>
       <p:pic>
         <p:nvPicPr>
-          <p:cNvPr id="3" name="Picture 2">
+          <p:cNvPr id="6" name="Picture 5">
             <a:extLst>
               <a:ext uri="{FF2B5EF4-FFF2-40B4-BE49-F238E27FC236}">
-                <a16:creationId xmlns:a16="http://schemas.microsoft.com/office/drawing/2014/main" id="{421CFBB5-97EA-007A-7792-F9BECBCF9DE6}"/>
+                <a16:creationId xmlns:a16="http://schemas.microsoft.com/office/drawing/2014/main" id="{7DA3289E-8A45-DB6E-6A90-B6232ACE3A70}"/>
               </a:ext>
             </a:extLst>
           </p:cNvPr>
@@ -21065,8 +26073,8 @@
         </p:blipFill>
         <p:spPr>
           <a:xfrm>
-            <a:off x="2393293" y="814954"/>
-            <a:ext cx="7720716" cy="5640388"/>
+            <a:off x="1513491" y="1085746"/>
+            <a:ext cx="9428961" cy="4947186"/>
           </a:xfrm>
           <a:prstGeom prst="rect">
             <a:avLst/>
@@ -21087,8 +26095,8 @@
         </p:nvSpPr>
         <p:spPr>
           <a:xfrm>
-            <a:off x="2743200" y="1734772"/>
-            <a:ext cx="1964267" cy="1007534"/>
+            <a:off x="1345330" y="1902939"/>
+            <a:ext cx="1964267" cy="1229144"/>
           </a:xfrm>
           <a:prstGeom prst="rect">
             <a:avLst/>
@@ -21139,7 +26147,7 @@
         </p:nvSpPr>
         <p:spPr>
           <a:xfrm>
-            <a:off x="2743200" y="3349590"/>
+            <a:off x="1303282" y="3854088"/>
             <a:ext cx="1964267" cy="196873"/>
           </a:xfrm>
           <a:prstGeom prst="rect">
@@ -21174,6 +26182,142 @@
           <a:p>
             <a:pPr algn="ctr"/>
             <a:endParaRPr lang="en-US"/>
+          </a:p>
+        </p:txBody>
+      </p:sp>
+      <p:sp>
+        <p:nvSpPr>
+          <p:cNvPr id="8" name="TextBox 7">
+            <a:extLst>
+              <a:ext uri="{FF2B5EF4-FFF2-40B4-BE49-F238E27FC236}">
+                <a16:creationId xmlns:a16="http://schemas.microsoft.com/office/drawing/2014/main" id="{1886EF62-8326-36BE-8DE9-5475338878B4}"/>
+              </a:ext>
+            </a:extLst>
+          </p:cNvPr>
+          <p:cNvSpPr txBox="1"/>
+          <p:nvPr/>
+        </p:nvSpPr>
+        <p:spPr>
+          <a:xfrm>
+            <a:off x="684472" y="6003988"/>
+            <a:ext cx="11086998" cy="779893"/>
+          </a:xfrm>
+          <a:prstGeom prst="rect">
+            <a:avLst/>
+          </a:prstGeom>
+          <a:noFill/>
+        </p:spPr>
+        <p:txBody>
+          <a:bodyPr wrap="square">
+            <a:spAutoFit/>
+          </a:bodyPr>
+          <a:lstStyle/>
+          <a:p>
+            <a:pPr marL="0" marR="0">
+              <a:lnSpc>
+                <a:spcPct val="115000"/>
+              </a:lnSpc>
+              <a:spcBef>
+                <a:spcPts val="0"/>
+              </a:spcBef>
+              <a:spcAft>
+                <a:spcPts val="1000"/>
+              </a:spcAft>
+            </a:pPr>
+            <a:r>
+              <a:rPr lang="en-US" sz="2000" b="1" dirty="0">
+                <a:latin typeface="Segoe UI Emoji" panose="020B0502040204020203" pitchFamily="34" charset="0"/>
+                <a:ea typeface="Times New Roman" panose="02020603050405020304" pitchFamily="18" charset="0"/>
+                <a:cs typeface="Segoe UI Emoji" panose="020B0502040204020203" pitchFamily="34" charset="0"/>
+              </a:rPr>
+              <a:t>The </a:t>
+            </a:r>
+            <a:r>
+              <a:rPr lang="en-US" sz="2000" b="1" dirty="0" err="1">
+                <a:latin typeface="Segoe UI Emoji" panose="020B0502040204020203" pitchFamily="34" charset="0"/>
+                <a:ea typeface="Times New Roman" panose="02020603050405020304" pitchFamily="18" charset="0"/>
+                <a:cs typeface="Segoe UI Emoji" panose="020B0502040204020203" pitchFamily="34" charset="0"/>
+              </a:rPr>
+              <a:t>n</a:t>
+            </a:r>
+            <a:r>
+              <a:rPr lang="en-US" sz="2000" b="1" dirty="0" err="1">
+                <a:effectLst/>
+                <a:latin typeface="Segoe UI Emoji" panose="020B0502040204020203" pitchFamily="34" charset="0"/>
+                <a:ea typeface="Times New Roman" panose="02020603050405020304" pitchFamily="18" charset="0"/>
+                <a:cs typeface="Segoe UI Emoji" panose="020B0502040204020203" pitchFamily="34" charset="0"/>
+              </a:rPr>
+              <a:t>um_of_bank_accounts</a:t>
+            </a:r>
+            <a:r>
+              <a:rPr lang="en-US" sz="2000" b="1" dirty="0">
+                <a:effectLst/>
+                <a:latin typeface="Segoe UI Emoji" panose="020B0502040204020203" pitchFamily="34" charset="0"/>
+                <a:ea typeface="Times New Roman" panose="02020603050405020304" pitchFamily="18" charset="0"/>
+                <a:cs typeface="Segoe UI Emoji" panose="020B0502040204020203" pitchFamily="34" charset="0"/>
+              </a:rPr>
+              <a:t>, </a:t>
+            </a:r>
+            <a:r>
+              <a:rPr lang="en-US" sz="2000" b="1" dirty="0" err="1">
+                <a:effectLst/>
+                <a:latin typeface="Segoe UI Emoji" panose="020B0502040204020203" pitchFamily="34" charset="0"/>
+                <a:ea typeface="Times New Roman" panose="02020603050405020304" pitchFamily="18" charset="0"/>
+                <a:cs typeface="Segoe UI Emoji" panose="020B0502040204020203" pitchFamily="34" charset="0"/>
+              </a:rPr>
+              <a:t>num_of_credit_cards</a:t>
+            </a:r>
+            <a:r>
+              <a:rPr lang="en-US" sz="2000" b="1" dirty="0">
+                <a:effectLst/>
+                <a:latin typeface="Segoe UI Emoji" panose="020B0502040204020203" pitchFamily="34" charset="0"/>
+                <a:ea typeface="Times New Roman" panose="02020603050405020304" pitchFamily="18" charset="0"/>
+                <a:cs typeface="Segoe UI Emoji" panose="020B0502040204020203" pitchFamily="34" charset="0"/>
+              </a:rPr>
+              <a:t> , </a:t>
+            </a:r>
+            <a:r>
+              <a:rPr lang="en-US" sz="2000" b="1" dirty="0" err="1">
+                <a:effectLst/>
+                <a:latin typeface="Segoe UI Emoji" panose="020B0502040204020203" pitchFamily="34" charset="0"/>
+                <a:ea typeface="Times New Roman" panose="02020603050405020304" pitchFamily="18" charset="0"/>
+                <a:cs typeface="Segoe UI Emoji" panose="020B0502040204020203" pitchFamily="34" charset="0"/>
+              </a:rPr>
+              <a:t>interest_rate</a:t>
+            </a:r>
+            <a:r>
+              <a:rPr lang="en-US" sz="2000" b="1" dirty="0">
+                <a:effectLst/>
+                <a:latin typeface="Segoe UI Emoji" panose="020B0502040204020203" pitchFamily="34" charset="0"/>
+                <a:ea typeface="Times New Roman" panose="02020603050405020304" pitchFamily="18" charset="0"/>
+                <a:cs typeface="Segoe UI Emoji" panose="020B0502040204020203" pitchFamily="34" charset="0"/>
+              </a:rPr>
+              <a:t> and </a:t>
+            </a:r>
+            <a:r>
+              <a:rPr lang="en-US" sz="2000" b="1" dirty="0" err="1">
+                <a:effectLst/>
+                <a:latin typeface="Segoe UI Emoji" panose="020B0502040204020203" pitchFamily="34" charset="0"/>
+                <a:ea typeface="Times New Roman" panose="02020603050405020304" pitchFamily="18" charset="0"/>
+                <a:cs typeface="Segoe UI Emoji" panose="020B0502040204020203" pitchFamily="34" charset="0"/>
+              </a:rPr>
+              <a:t>delay_from_due_date</a:t>
+            </a:r>
+            <a:r>
+              <a:rPr lang="en-US" sz="2000" b="1" dirty="0">
+                <a:effectLst/>
+                <a:latin typeface="Segoe UI Emoji" panose="020B0502040204020203" pitchFamily="34" charset="0"/>
+                <a:ea typeface="Times New Roman" panose="02020603050405020304" pitchFamily="18" charset="0"/>
+                <a:cs typeface="Segoe UI Emoji" panose="020B0502040204020203" pitchFamily="34" charset="0"/>
+              </a:rPr>
+              <a:t> are the most features correlated with each other than other features.</a:t>
+            </a:r>
+            <a:endParaRPr lang="en-US" sz="2400" dirty="0">
+              <a:effectLst/>
+              <a:latin typeface="Aptos" panose="020B0004020202020204" pitchFamily="34" charset="0"/>
+              <a:ea typeface="Aptos" panose="020B0004020202020204" pitchFamily="34" charset="0"/>
+              <a:cs typeface="Arial" panose="020B0604020202020204" pitchFamily="34" charset="0"/>
+            </a:endParaRPr>
           </a:p>
         </p:txBody>
       </p:sp>
@@ -21348,7 +26492,7 @@
           <a:p>
             <a:r>
               <a:rPr lang="en-US" sz="4800" dirty="0"/>
-              <a:t>2. EDA (Data Visualization)</a:t>
+              <a:t>4. EDA (Data Visualization)</a:t>
             </a:r>
           </a:p>
         </p:txBody>
@@ -21998,7 +27142,7 @@
         </p:nvSpPr>
         <p:spPr>
           <a:xfrm>
-            <a:off x="1548795" y="54524"/>
+            <a:off x="1601346" y="306772"/>
             <a:ext cx="9428962" cy="921295"/>
           </a:xfrm>
           <a:prstGeom prst="rect">
@@ -22123,7 +27267,83 @@
           <a:p>
             <a:r>
               <a:rPr lang="en-US" sz="4800" dirty="0"/>
-              <a:t>2. Technical Insights </a:t>
+              <a:t>5.Insights (Technical) </a:t>
+            </a:r>
+          </a:p>
+        </p:txBody>
+      </p:sp>
+      <p:sp>
+        <p:nvSpPr>
+          <p:cNvPr id="4" name="TextBox 3">
+            <a:extLst>
+              <a:ext uri="{FF2B5EF4-FFF2-40B4-BE49-F238E27FC236}">
+                <a16:creationId xmlns:a16="http://schemas.microsoft.com/office/drawing/2014/main" id="{B278C878-2DD4-C472-92ED-2F33048EC021}"/>
+              </a:ext>
+            </a:extLst>
+          </p:cNvPr>
+          <p:cNvSpPr txBox="1"/>
+          <p:nvPr/>
+        </p:nvSpPr>
+        <p:spPr>
+          <a:xfrm>
+            <a:off x="499241" y="1745548"/>
+            <a:ext cx="11193518" cy="1770293"/>
+          </a:xfrm>
+          <a:prstGeom prst="rect">
+            <a:avLst/>
+          </a:prstGeom>
+          <a:noFill/>
+        </p:spPr>
+        <p:txBody>
+          <a:bodyPr wrap="square">
+            <a:spAutoFit/>
+          </a:bodyPr>
+          <a:lstStyle/>
+          <a:p>
+            <a:pPr marL="342900" lvl="0" indent="-342900">
+              <a:lnSpc>
+                <a:spcPct val="115000"/>
+              </a:lnSpc>
+              <a:buFont typeface="Wingdings" panose="05000000000000000000" pitchFamily="2" charset="2"/>
+              <a:buChar char=""/>
+            </a:pPr>
+            <a:r>
+              <a:rPr lang="en-US" sz="2400" dirty="0">
+                <a:latin typeface="Aptos" panose="020B0004020202020204" pitchFamily="34" charset="0"/>
+                <a:ea typeface="Aptos" panose="020B0004020202020204" pitchFamily="34" charset="0"/>
+                <a:cs typeface="Arial" panose="020B0604020202020204" pitchFamily="34" charset="0"/>
+              </a:rPr>
+              <a:t>We Got insights as insights below each distribution for the features [Refer to the Report]</a:t>
+            </a:r>
+            <a:endParaRPr lang="en-US" sz="2400" dirty="0">
+              <a:effectLst/>
+              <a:latin typeface="Aptos" panose="020B0004020202020204" pitchFamily="34" charset="0"/>
+              <a:ea typeface="Aptos" panose="020B0004020202020204" pitchFamily="34" charset="0"/>
+              <a:cs typeface="Arial" panose="020B0604020202020204" pitchFamily="34" charset="0"/>
+            </a:endParaRPr>
+          </a:p>
+          <a:p>
+            <a:pPr marL="342900" marR="0" lvl="0" indent="-342900">
+              <a:lnSpc>
+                <a:spcPct val="115000"/>
+              </a:lnSpc>
+              <a:spcBef>
+                <a:spcPts val="0"/>
+              </a:spcBef>
+              <a:spcAft>
+                <a:spcPts val="1000"/>
+              </a:spcAft>
+              <a:buFont typeface="Wingdings" panose="05000000000000000000" pitchFamily="2" charset="2"/>
+              <a:buChar char=""/>
+            </a:pPr>
+            <a:r>
+              <a:rPr lang="en-US" sz="2400" dirty="0">
+                <a:effectLst/>
+                <a:latin typeface="Aptos" panose="020B0004020202020204" pitchFamily="34" charset="0"/>
+                <a:ea typeface="Aptos" panose="020B0004020202020204" pitchFamily="34" charset="0"/>
+                <a:cs typeface="Arial" panose="020B0604020202020204" pitchFamily="34" charset="0"/>
+              </a:rPr>
+              <a:t>No Correlation between Continuous Features [Insight from the correlation Matrix of between all features]</a:t>
             </a:r>
           </a:p>
         </p:txBody>

--- a/Presentation.pptx
+++ b/Presentation.pptx
@@ -2292,6 +2292,48 @@
           </a:bodyPr>
           <a:lstStyle/>
           <a:p>
+            <a:pPr marL="0" marR="0" lvl="0" indent="0" algn="l" defTabSz="914400" rtl="0" eaLnBrk="1" fontAlgn="auto" latinLnBrk="0" hangingPunct="1">
+              <a:lnSpc>
+                <a:spcPct val="100000"/>
+              </a:lnSpc>
+              <a:spcBef>
+                <a:spcPts val="0"/>
+              </a:spcBef>
+              <a:spcAft>
+                <a:spcPts val="0"/>
+              </a:spcAft>
+              <a:buClrTx/>
+              <a:buSzTx/>
+              <a:buFontTx/>
+              <a:buNone/>
+              <a:tabLst/>
+              <a:defRPr/>
+            </a:pPr>
+            <a:r>
+              <a:rPr lang="en-US" b="0" dirty="0">
+                <a:solidFill>
+                  <a:srgbClr val="CE9178"/>
+                </a:solidFill>
+                <a:effectLst/>
+                <a:highlight>
+                  <a:srgbClr val="1E1E1E"/>
+                </a:highlight>
+                <a:latin typeface="Consolas" panose="020B0609020204030204" pitchFamily="49" charset="0"/>
+              </a:rPr>
+              <a:t>Draw the Kernel Density Estimate (KDE) plot of a continuous feature in the dataset</a:t>
+            </a:r>
+            <a:endParaRPr lang="en-US" b="0" dirty="0">
+              <a:solidFill>
+                <a:srgbClr val="D4D4D4"/>
+              </a:solidFill>
+              <a:effectLst/>
+              <a:highlight>
+                <a:srgbClr val="1E1E1E"/>
+              </a:highlight>
+              <a:latin typeface="Consolas" panose="020B0609020204030204" pitchFamily="49" charset="0"/>
+            </a:endParaRPr>
+          </a:p>
+          <a:p>
             <a:pPr marL="0" lvl="0" indent="0" algn="l" rtl="0">
               <a:spcBef>
                 <a:spcPts val="0"/>
@@ -2301,7 +2343,7 @@
               </a:spcAft>
               <a:buNone/>
             </a:pPr>
-            <a:endParaRPr/>
+            <a:endParaRPr dirty="0"/>
           </a:p>
         </p:txBody>
       </p:sp>
@@ -2519,7 +2561,7 @@
               </a:spcAft>
               <a:buNone/>
             </a:pPr>
-            <a:endParaRPr/>
+            <a:endParaRPr dirty="0"/>
           </a:p>
         </p:txBody>
       </p:sp>
@@ -15948,7 +15990,7 @@
         <p:spPr>
           <a:xfrm>
             <a:off x="299544" y="1270109"/>
-            <a:ext cx="11592911" cy="5168146"/>
+            <a:ext cx="11592911" cy="4743414"/>
           </a:xfrm>
           <a:prstGeom prst="rect">
             <a:avLst/>
@@ -15975,11 +16017,8 @@
               <a:buChar char=""/>
             </a:pPr>
             <a:r>
-              <a:rPr lang="en-US" sz="2400" dirty="0">
+              <a:rPr lang="en-US" sz="2400" b="1" dirty="0">
                 <a:effectLst/>
-                <a:highlight>
-                  <a:srgbClr val="FFFF00"/>
-                </a:highlight>
                 <a:ea typeface="Aptos" panose="020B0004020202020204" pitchFamily="34" charset="0"/>
                 <a:cs typeface="Arial" panose="020B0604020202020204" pitchFamily="34" charset="0"/>
               </a:rPr>
@@ -15991,7 +16030,70 @@
                 <a:ea typeface="Aptos" panose="020B0004020202020204" pitchFamily="34" charset="0"/>
                 <a:cs typeface="Arial" panose="020B0604020202020204" pitchFamily="34" charset="0"/>
               </a:rPr>
-              <a:t> &amp; Age aren’t and effective features for credit Score Classification [insight from EDA histogram]</a:t>
+              <a:t> &amp; </a:t>
+            </a:r>
+            <a:r>
+              <a:rPr lang="en-US" sz="2400" b="1" dirty="0">
+                <a:effectLst/>
+                <a:ea typeface="Aptos" panose="020B0004020202020204" pitchFamily="34" charset="0"/>
+                <a:cs typeface="Arial" panose="020B0604020202020204" pitchFamily="34" charset="0"/>
+              </a:rPr>
+              <a:t>Age</a:t>
+            </a:r>
+            <a:r>
+              <a:rPr lang="en-US" sz="2400" dirty="0">
+                <a:effectLst/>
+                <a:ea typeface="Aptos" panose="020B0004020202020204" pitchFamily="34" charset="0"/>
+                <a:cs typeface="Arial" panose="020B0604020202020204" pitchFamily="34" charset="0"/>
+              </a:rPr>
+              <a:t> aren’t and effective features   [insight from EDA histogram]</a:t>
+            </a:r>
+          </a:p>
+          <a:p>
+            <a:pPr marL="342900" marR="0" lvl="0" indent="-342900">
+              <a:lnSpc>
+                <a:spcPct val="115000"/>
+              </a:lnSpc>
+              <a:spcBef>
+                <a:spcPts val="0"/>
+              </a:spcBef>
+              <a:spcAft>
+                <a:spcPts val="0"/>
+              </a:spcAft>
+              <a:buFont typeface="Wingdings" panose="05000000000000000000" pitchFamily="2" charset="2"/>
+              <a:buChar char=""/>
+            </a:pPr>
+            <a:r>
+              <a:rPr lang="en-US" sz="2400" b="1" dirty="0">
+                <a:effectLst/>
+                <a:ea typeface="Aptos" panose="020B0004020202020204" pitchFamily="34" charset="0"/>
+                <a:cs typeface="Arial" panose="020B0604020202020204" pitchFamily="34" charset="0"/>
+              </a:rPr>
+              <a:t>Num of banks accounts</a:t>
+            </a:r>
+            <a:r>
+              <a:rPr lang="en-US" sz="2400" dirty="0">
+                <a:effectLst/>
+                <a:ea typeface="Aptos" panose="020B0004020202020204" pitchFamily="34" charset="0"/>
+                <a:cs typeface="Arial" panose="020B0604020202020204" pitchFamily="34" charset="0"/>
+              </a:rPr>
+              <a:t> &amp; </a:t>
+            </a:r>
+            <a:r>
+              <a:rPr lang="en-US" sz="2400" b="1" dirty="0">
+                <a:effectLst/>
+                <a:ea typeface="Aptos" panose="020B0004020202020204" pitchFamily="34" charset="0"/>
+                <a:cs typeface="Arial" panose="020B0604020202020204" pitchFamily="34" charset="0"/>
+              </a:rPr>
+              <a:t>credit cards</a:t>
+            </a:r>
+            <a:r>
+              <a:rPr lang="en-US" sz="2400" dirty="0">
+                <a:effectLst/>
+                <a:ea typeface="Aptos" panose="020B0004020202020204" pitchFamily="34" charset="0"/>
+                <a:cs typeface="Arial" panose="020B0604020202020204" pitchFamily="34" charset="0"/>
+              </a:rPr>
+              <a:t> are correlated together    [Insight from EDA &amp; Features correlation matrix]</a:t>
             </a:r>
           </a:p>
           <a:p>
@@ -16014,7 +16116,39 @@
                 <a:ea typeface="Aptos" panose="020B0004020202020204" pitchFamily="34" charset="0"/>
                 <a:cs typeface="Arial" panose="020B0604020202020204" pitchFamily="34" charset="0"/>
               </a:rPr>
-              <a:t>Num of banks accounts &amp; credit cards are correlated together [Insight from EDA &amp; Features correlation matrix]</a:t>
+              <a:t>The customers of </a:t>
+            </a:r>
+            <a:r>
+              <a:rPr lang="en-US" sz="2400" b="1" dirty="0">
+                <a:effectLst/>
+                <a:ea typeface="Aptos" panose="020B0004020202020204" pitchFamily="34" charset="0"/>
+                <a:cs typeface="Arial" panose="020B0604020202020204" pitchFamily="34" charset="0"/>
+              </a:rPr>
+              <a:t>good credit score </a:t>
+            </a:r>
+            <a:r>
+              <a:rPr lang="en-US" sz="2400" dirty="0">
+                <a:effectLst/>
+                <a:ea typeface="Aptos" panose="020B0004020202020204" pitchFamily="34" charset="0"/>
+                <a:cs typeface="Arial" panose="020B0604020202020204" pitchFamily="34" charset="0"/>
+              </a:rPr>
+              <a:t>are mostly the ones with </a:t>
+            </a:r>
+            <a:r>
+              <a:rPr lang="en-US" sz="2400" b="1" dirty="0">
+                <a:effectLst/>
+                <a:ea typeface="Aptos" panose="020B0004020202020204" pitchFamily="34" charset="0"/>
+                <a:cs typeface="Arial" panose="020B0604020202020204" pitchFamily="34" charset="0"/>
+              </a:rPr>
+              <a:t>high delay from due date</a:t>
+            </a:r>
+            <a:r>
+              <a:rPr lang="en-US" sz="2400" dirty="0">
+                <a:effectLst/>
+                <a:ea typeface="Aptos" panose="020B0004020202020204" pitchFamily="34" charset="0"/>
+                <a:cs typeface="Arial" panose="020B0604020202020204" pitchFamily="34" charset="0"/>
+              </a:rPr>
+              <a:t> this might be due to the types of their payments which is thought to be high [Insight from EDA]</a:t>
             </a:r>
           </a:p>
           <a:p>
@@ -16037,30 +16171,23 @@
                 <a:ea typeface="Aptos" panose="020B0004020202020204" pitchFamily="34" charset="0"/>
                 <a:cs typeface="Arial" panose="020B0604020202020204" pitchFamily="34" charset="0"/>
               </a:rPr>
-              <a:t>The customers of good credit score are mostly the ones with high delay from due date this might be due to the types of their payments which is thought to be high [Insight from EDA]</a:t>
+              <a:t>The most important feature in the credit score decision is </a:t>
             </a:r>
-          </a:p>
-          <a:p>
-            <a:pPr marL="342900" marR="0" lvl="0" indent="-342900">
-              <a:lnSpc>
-                <a:spcPct val="115000"/>
-              </a:lnSpc>
-              <a:spcBef>
-                <a:spcPts val="0"/>
-              </a:spcBef>
-              <a:spcAft>
-                <a:spcPts val="0"/>
-              </a:spcAft>
-              <a:buFont typeface="Wingdings" panose="05000000000000000000" pitchFamily="2" charset="2"/>
-              <a:buChar char=""/>
-            </a:pPr>
+            <a:r>
+              <a:rPr lang="en-US" sz="2400" b="1" dirty="0">
+                <a:effectLst/>
+                <a:ea typeface="Aptos" panose="020B0004020202020204" pitchFamily="34" charset="0"/>
+                <a:cs typeface="Arial" panose="020B0604020202020204" pitchFamily="34" charset="0"/>
+              </a:rPr>
+              <a:t>the outstanding debt</a:t>
+            </a:r>
             <a:r>
               <a:rPr lang="en-US" sz="2400" dirty="0">
                 <a:effectLst/>
                 <a:ea typeface="Aptos" panose="020B0004020202020204" pitchFamily="34" charset="0"/>
                 <a:cs typeface="Arial" panose="020B0604020202020204" pitchFamily="34" charset="0"/>
               </a:rPr>
-              <a:t>The most important feature in the credit score decision is the outstanding debt, giving loan to a customer who has a many outstanding loans is risky </a:t>
+              <a:t>, giving loan to a customer who has a many outstanding loans is risky </a:t>
             </a:r>
             <a:r>
               <a:rPr lang="en-US" sz="2400" dirty="0">
@@ -25019,7 +25146,7 @@
             <a:pPr lvl="1"/>
             <a:r>
               <a:rPr lang="en-US" sz="2000" dirty="0"/>
-              <a:t>5. Normalization (Kmeans) and Standardization (Predictive Models)</a:t>
+              <a:t>5. Normalization (Kmeans) and Standardization</a:t>
             </a:r>
           </a:p>
         </p:txBody>
@@ -26674,7 +26801,7 @@
         </p:blipFill>
         <p:spPr bwMode="auto">
           <a:xfrm>
-            <a:off x="6393057" y="1562618"/>
+            <a:off x="6393057" y="1598714"/>
             <a:ext cx="4300343" cy="3216841"/>
           </a:xfrm>
           <a:prstGeom prst="rect">
@@ -26786,7 +26913,7 @@
         </p:nvSpPr>
         <p:spPr>
           <a:xfrm>
-            <a:off x="6263276" y="4760574"/>
+            <a:off x="6263276" y="5109489"/>
             <a:ext cx="4543424" cy="369332"/>
           </a:xfrm>
           <a:prstGeom prst="rect">
@@ -27343,8 +27470,24 @@
                 <a:ea typeface="Aptos" panose="020B0004020202020204" pitchFamily="34" charset="0"/>
                 <a:cs typeface="Arial" panose="020B0604020202020204" pitchFamily="34" charset="0"/>
               </a:rPr>
-              <a:t>No Correlation between Continuous Features [Insight from the correlation Matrix of between all features]</a:t>
+              <a:t>No Correlation between Continuous Features [Insight from the correlation Matrix of between all features] </a:t>
             </a:r>
+            <a:r>
+              <a:rPr lang="en-US" sz="2400" dirty="0">
+                <a:effectLst/>
+                <a:latin typeface="Aptos" panose="020B0004020202020204" pitchFamily="34" charset="0"/>
+                <a:ea typeface="Aptos" panose="020B0004020202020204" pitchFamily="34" charset="0"/>
+                <a:cs typeface="Arial" panose="020B0604020202020204" pitchFamily="34" charset="0"/>
+                <a:sym typeface="Wingdings" panose="05000000000000000000" pitchFamily="2" charset="2"/>
+              </a:rPr>
+              <a:t> No need for PCA Reduction :D</a:t>
+            </a:r>
+            <a:endParaRPr lang="en-US" sz="2400" dirty="0">
+              <a:effectLst/>
+              <a:latin typeface="Aptos" panose="020B0004020202020204" pitchFamily="34" charset="0"/>
+              <a:ea typeface="Aptos" panose="020B0004020202020204" pitchFamily="34" charset="0"/>
+              <a:cs typeface="Arial" panose="020B0604020202020204" pitchFamily="34" charset="0"/>
+            </a:endParaRPr>
           </a:p>
         </p:txBody>
       </p:sp>

--- a/Presentation.pptx
+++ b/Presentation.pptx
@@ -1378,62 +1378,6 @@
             <a:noAutofit/>
           </a:bodyPr>
           <a:lstStyle/>
-          <a:p>
-            <a:pPr marL="0" marR="0" lvl="0" indent="0" algn="l" defTabSz="914400" rtl="0" eaLnBrk="1" fontAlgn="auto" latinLnBrk="0" hangingPunct="1">
-              <a:lnSpc>
-                <a:spcPct val="100000"/>
-              </a:lnSpc>
-              <a:spcBef>
-                <a:spcPts val="0"/>
-              </a:spcBef>
-              <a:spcAft>
-                <a:spcPts val="0"/>
-              </a:spcAft>
-              <a:buClrTx/>
-              <a:buSzTx/>
-              <a:buFontTx/>
-              <a:buNone/>
-              <a:tabLst/>
-              <a:defRPr/>
-            </a:pPr>
-            <a:r>
-              <a:rPr lang="en-US" sz="1200" dirty="0">
-                <a:solidFill>
-                  <a:schemeClr val="tx1"/>
-                </a:solidFill>
-                <a:effectLst/>
-              </a:rPr>
-              <a:t>(Cases of all features used we got 0.09 </a:t>
-            </a:r>
-            <a:r>
-              <a:rPr lang="en-US" sz="1200" dirty="0">
-                <a:solidFill>
-                  <a:schemeClr val="tx1"/>
-                </a:solidFill>
-                <a:effectLst/>
-                <a:sym typeface="Segoe UI Emoji" panose="020B0502040204020203" pitchFamily="34" charset="0"/>
-              </a:rPr>
-              <a:t>🙂</a:t>
-            </a:r>
-            <a:r>
-              <a:rPr lang="en-US" sz="1200" dirty="0">
-                <a:solidFill>
-                  <a:schemeClr val="tx1"/>
-                </a:solidFill>
-                <a:effectLst/>
-              </a:rPr>
-              <a:t>)</a:t>
-            </a:r>
-            <a:endParaRPr lang="en-US" sz="1200" dirty="0">
-              <a:solidFill>
-                <a:schemeClr val="tx1"/>
-              </a:solidFill>
-              <a:effectLst/>
-              <a:latin typeface="Aptos" panose="020B0004020202020204" pitchFamily="34" charset="0"/>
-              <a:ea typeface="Aptos" panose="020B0004020202020204" pitchFamily="34" charset="0"/>
-              <a:cs typeface="Arial" panose="020B0604020202020204" pitchFamily="34" charset="0"/>
-            </a:endParaRPr>
-          </a:p>
           <a:p>
             <a:pPr marL="0" lvl="0" indent="0" algn="l" rtl="0">
               <a:spcBef>
